--- a/notes/组会20220506.pptx
+++ b/notes/组会20220506.pptx
@@ -3842,7 +3842,7 @@
         <p:spPr>
           <a:xfrm>
             <a:off x="990512" y="5151677"/>
-            <a:ext cx="3551129" cy="923330"/>
+            <a:ext cx="3551129" cy="1200329"/>
           </a:xfrm>
           <a:prstGeom prst="rect">
             <a:avLst/>
@@ -3888,7 +3888,7 @@
             </a:r>
             <a:r>
               <a:rPr lang="zh-CN" altLang="en-US" b="1" dirty="0"/>
-              <a:t>（未扩展）</a:t>
+              <a:t>行（未扩展）</a:t>
             </a:r>
             <a:r>
               <a:rPr lang="en-US" altLang="zh-CN" b="1" dirty="0"/>
@@ -3902,6 +3902,11 @@
               <a:rPr lang="en-US" altLang="zh-CN" b="1" dirty="0"/>
               <a:t>~2500</a:t>
             </a:r>
+            <a:r>
+              <a:rPr lang="zh-CN" altLang="en-US" b="1" dirty="0"/>
+              <a:t>行（基函数、泛函等扩展后）</a:t>
+            </a:r>
+            <a:endParaRPr lang="en-US" altLang="zh-CN" b="1" dirty="0"/>
           </a:p>
           <a:p>
             <a:endParaRPr lang="en-US" altLang="zh-CN" b="1" dirty="0"/>
@@ -7212,16 +7217,371 @@
             <p:ph idx="1"/>
           </p:nvPr>
         </p:nvSpPr>
-        <p:spPr/>
-        <p:txBody>
-          <a:bodyPr/>
+        <p:spPr>
+          <a:xfrm>
+            <a:off x="823727" y="1690688"/>
+            <a:ext cx="4949142" cy="2144491"/>
+          </a:xfrm>
+        </p:spPr>
+        <p:txBody>
+          <a:bodyPr>
+            <a:normAutofit/>
+          </a:bodyPr>
           <a:lstStyle/>
           <a:p>
             <a:r>
-              <a:rPr lang="zh-CN" altLang="en-US"/>
-              <a:t>性能测试：可能受到内存局限</a:t>
-            </a:r>
-            <a:endParaRPr lang="zh-CN" altLang="en-US" dirty="0"/>
+              <a:rPr lang="zh-CN" altLang="en-US" sz="2000" dirty="0"/>
+              <a:t>性能测试：可能受到内存限制大（测试程序访存过高，后有改进）</a:t>
+            </a:r>
+            <a:endParaRPr lang="en-US" altLang="zh-CN" sz="2000" dirty="0"/>
+          </a:p>
+          <a:p>
+            <a:r>
+              <a:rPr lang="zh-CN" altLang="en-US" sz="2000" dirty="0"/>
+              <a:t>主板</a:t>
+            </a:r>
+            <a:r>
+              <a:rPr lang="en-US" altLang="zh-CN" sz="2000" dirty="0"/>
+              <a:t>16</a:t>
+            </a:r>
+            <a:r>
+              <a:rPr lang="zh-CN" altLang="en-US" sz="2000" dirty="0"/>
+              <a:t>个内存槽，双路</a:t>
+            </a:r>
+            <a:r>
+              <a:rPr lang="en-US" altLang="zh-CN" sz="2000" dirty="0"/>
+              <a:t>CPU</a:t>
+            </a:r>
+            <a:r>
+              <a:rPr lang="zh-CN" altLang="en-US" sz="2000" dirty="0"/>
+              <a:t>，插</a:t>
+            </a:r>
+            <a:r>
+              <a:rPr lang="en-US" altLang="zh-CN" sz="2000" dirty="0"/>
+              <a:t>2x32G</a:t>
+            </a:r>
+            <a:r>
+              <a:rPr lang="zh-CN" altLang="en-US" sz="2000" dirty="0"/>
+              <a:t>，应当是分别单通道</a:t>
+            </a:r>
+            <a:endParaRPr lang="en-US" altLang="zh-CN" sz="2000" dirty="0"/>
+          </a:p>
+          <a:p>
+            <a:r>
+              <a:rPr lang="en-US" altLang="zh-CN" sz="2000" dirty="0"/>
+              <a:t>CPU</a:t>
+            </a:r>
+            <a:r>
+              <a:rPr lang="zh-CN" altLang="en-US" sz="2000" dirty="0"/>
+              <a:t>支持</a:t>
+            </a:r>
+            <a:r>
+              <a:rPr lang="en-US" altLang="zh-CN" sz="2000" dirty="0"/>
+              <a:t>8</a:t>
+            </a:r>
+            <a:r>
+              <a:rPr lang="zh-CN" altLang="en-US" sz="2000" dirty="0"/>
+              <a:t>通道（</a:t>
+            </a:r>
+            <a:r>
+              <a:rPr lang="en-US" altLang="zh-CN" sz="2000" dirty="0"/>
+              <a:t>8x</a:t>
+            </a:r>
+            <a:r>
+              <a:rPr lang="zh-CN" altLang="en-US" sz="2000" dirty="0"/>
+              <a:t>带宽）（插满）</a:t>
+            </a:r>
+            <a:endParaRPr lang="en-US" altLang="zh-CN" sz="2000" dirty="0"/>
+          </a:p>
+          <a:p>
+            <a:r>
+              <a:rPr lang="zh-CN" altLang="en-US" sz="2000" dirty="0"/>
+              <a:t>考虑加装内存提升</a:t>
+            </a:r>
+            <a:r>
+              <a:rPr lang="en-US" altLang="zh-CN" sz="2000" dirty="0"/>
+              <a:t>CPU</a:t>
+            </a:r>
+            <a:r>
+              <a:rPr lang="zh-CN" altLang="en-US" sz="2000" dirty="0"/>
+              <a:t>计算的</a:t>
+            </a:r>
+            <a:r>
+              <a:rPr lang="en-US" altLang="zh-CN" sz="2000" dirty="0"/>
+              <a:t>CFD</a:t>
+            </a:r>
+            <a:r>
+              <a:rPr lang="zh-CN" altLang="en-US" sz="2000" dirty="0"/>
+              <a:t>性能</a:t>
+            </a:r>
+          </a:p>
+        </p:txBody>
+      </p:sp>
+      <p:pic>
+        <p:nvPicPr>
+          <p:cNvPr id="4" name="图片 3">
+            <a:extLst>
+              <a:ext uri="{FF2B5EF4-FFF2-40B4-BE49-F238E27FC236}">
+                <a16:creationId xmlns:a16="http://schemas.microsoft.com/office/drawing/2014/main" id="{8A8FAFC9-52C7-46B8-89DA-A38D31EAE32C}"/>
+              </a:ext>
+            </a:extLst>
+          </p:cNvPr>
+          <p:cNvPicPr>
+            <a:picLocks noChangeAspect="1"/>
+          </p:cNvPicPr>
+          <p:nvPr/>
+        </p:nvPicPr>
+        <p:blipFill>
+          <a:blip r:embed="rId2"/>
+          <a:stretch>
+            <a:fillRect/>
+          </a:stretch>
+        </p:blipFill>
+        <p:spPr>
+          <a:xfrm>
+            <a:off x="6539697" y="923536"/>
+            <a:ext cx="5138196" cy="5934466"/>
+          </a:xfrm>
+          <a:prstGeom prst="rect">
+            <a:avLst/>
+          </a:prstGeom>
+        </p:spPr>
+      </p:pic>
+      <p:pic>
+        <p:nvPicPr>
+          <p:cNvPr id="5" name="图片 4">
+            <a:extLst>
+              <a:ext uri="{FF2B5EF4-FFF2-40B4-BE49-F238E27FC236}">
+                <a16:creationId xmlns:a16="http://schemas.microsoft.com/office/drawing/2014/main" id="{F253777A-7D3E-401F-B30C-80AA9F6C9F7E}"/>
+              </a:ext>
+            </a:extLst>
+          </p:cNvPr>
+          <p:cNvPicPr>
+            <a:picLocks noChangeAspect="1"/>
+          </p:cNvPicPr>
+          <p:nvPr/>
+        </p:nvPicPr>
+        <p:blipFill>
+          <a:blip r:embed="rId3"/>
+          <a:stretch>
+            <a:fillRect/>
+          </a:stretch>
+        </p:blipFill>
+        <p:spPr>
+          <a:xfrm>
+            <a:off x="580624" y="4064805"/>
+            <a:ext cx="5515376" cy="2793195"/>
+          </a:xfrm>
+          <a:prstGeom prst="rect">
+            <a:avLst/>
+          </a:prstGeom>
+        </p:spPr>
+      </p:pic>
+      <p:sp>
+        <p:nvSpPr>
+          <p:cNvPr id="6" name="矩形 5">
+            <a:extLst>
+              <a:ext uri="{FF2B5EF4-FFF2-40B4-BE49-F238E27FC236}">
+                <a16:creationId xmlns:a16="http://schemas.microsoft.com/office/drawing/2014/main" id="{F827D956-D51D-48A3-B496-4429F0A08225}"/>
+              </a:ext>
+            </a:extLst>
+          </p:cNvPr>
+          <p:cNvSpPr/>
+          <p:nvPr/>
+        </p:nvSpPr>
+        <p:spPr>
+          <a:xfrm>
+            <a:off x="8221883" y="1027906"/>
+            <a:ext cx="817945" cy="5830094"/>
+          </a:xfrm>
+          <a:prstGeom prst="rect">
+            <a:avLst/>
+          </a:prstGeom>
+          <a:noFill/>
+          <a:ln w="38100">
+            <a:solidFill>
+              <a:srgbClr val="FF0000"/>
+            </a:solidFill>
+          </a:ln>
+        </p:spPr>
+        <p:style>
+          <a:lnRef idx="2">
+            <a:schemeClr val="accent1">
+              <a:shade val="50000"/>
+            </a:schemeClr>
+          </a:lnRef>
+          <a:fillRef idx="1">
+            <a:schemeClr val="accent1"/>
+          </a:fillRef>
+          <a:effectRef idx="0">
+            <a:schemeClr val="accent1"/>
+          </a:effectRef>
+          <a:fontRef idx="minor">
+            <a:schemeClr val="lt1"/>
+          </a:fontRef>
+        </p:style>
+        <p:txBody>
+          <a:bodyPr rtlCol="0" anchor="ctr"/>
+          <a:lstStyle/>
+          <a:p>
+            <a:pPr algn="ctr"/>
+            <a:endParaRPr lang="zh-CN" altLang="en-US"/>
+          </a:p>
+        </p:txBody>
+      </p:sp>
+      <p:sp>
+        <p:nvSpPr>
+          <p:cNvPr id="7" name="矩形 6">
+            <a:extLst>
+              <a:ext uri="{FF2B5EF4-FFF2-40B4-BE49-F238E27FC236}">
+                <a16:creationId xmlns:a16="http://schemas.microsoft.com/office/drawing/2014/main" id="{D8B69E30-417B-4E98-AB41-D6E1C404C695}"/>
+              </a:ext>
+            </a:extLst>
+          </p:cNvPr>
+          <p:cNvSpPr/>
+          <p:nvPr/>
+        </p:nvSpPr>
+        <p:spPr>
+          <a:xfrm>
+            <a:off x="8221882" y="4629873"/>
+            <a:ext cx="3266957" cy="1082233"/>
+          </a:xfrm>
+          <a:prstGeom prst="rect">
+            <a:avLst/>
+          </a:prstGeom>
+          <a:noFill/>
+          <a:ln w="38100">
+            <a:solidFill>
+              <a:srgbClr val="7030A0"/>
+            </a:solidFill>
+          </a:ln>
+        </p:spPr>
+        <p:style>
+          <a:lnRef idx="2">
+            <a:schemeClr val="accent1">
+              <a:shade val="50000"/>
+            </a:schemeClr>
+          </a:lnRef>
+          <a:fillRef idx="1">
+            <a:schemeClr val="accent1"/>
+          </a:fillRef>
+          <a:effectRef idx="0">
+            <a:schemeClr val="accent1"/>
+          </a:effectRef>
+          <a:fontRef idx="minor">
+            <a:schemeClr val="lt1"/>
+          </a:fontRef>
+        </p:style>
+        <p:txBody>
+          <a:bodyPr rtlCol="0" anchor="ctr"/>
+          <a:lstStyle/>
+          <a:p>
+            <a:pPr algn="ctr"/>
+            <a:endParaRPr lang="zh-CN" altLang="en-US"/>
+          </a:p>
+        </p:txBody>
+      </p:sp>
+      <p:sp>
+        <p:nvSpPr>
+          <p:cNvPr id="10" name="矩形 9">
+            <a:extLst>
+              <a:ext uri="{FF2B5EF4-FFF2-40B4-BE49-F238E27FC236}">
+                <a16:creationId xmlns:a16="http://schemas.microsoft.com/office/drawing/2014/main" id="{E683DF4D-25E6-4C79-B80F-D7989AC641D3}"/>
+              </a:ext>
+            </a:extLst>
+          </p:cNvPr>
+          <p:cNvSpPr/>
+          <p:nvPr/>
+        </p:nvSpPr>
+        <p:spPr>
+          <a:xfrm>
+            <a:off x="8221881" y="5729468"/>
+            <a:ext cx="3266957" cy="1082233"/>
+          </a:xfrm>
+          <a:prstGeom prst="rect">
+            <a:avLst/>
+          </a:prstGeom>
+          <a:noFill/>
+          <a:ln w="38100">
+            <a:solidFill>
+              <a:srgbClr val="7030A0"/>
+            </a:solidFill>
+          </a:ln>
+        </p:spPr>
+        <p:style>
+          <a:lnRef idx="2">
+            <a:schemeClr val="accent1">
+              <a:shade val="50000"/>
+            </a:schemeClr>
+          </a:lnRef>
+          <a:fillRef idx="1">
+            <a:schemeClr val="accent1"/>
+          </a:fillRef>
+          <a:effectRef idx="0">
+            <a:schemeClr val="accent1"/>
+          </a:effectRef>
+          <a:fontRef idx="minor">
+            <a:schemeClr val="lt1"/>
+          </a:fontRef>
+        </p:style>
+        <p:txBody>
+          <a:bodyPr rtlCol="0" anchor="ctr"/>
+          <a:lstStyle/>
+          <a:p>
+            <a:pPr algn="ctr"/>
+            <a:endParaRPr lang="zh-CN" altLang="en-US"/>
+          </a:p>
+        </p:txBody>
+      </p:sp>
+      <p:sp>
+        <p:nvSpPr>
+          <p:cNvPr id="11" name="矩形 10">
+            <a:extLst>
+              <a:ext uri="{FF2B5EF4-FFF2-40B4-BE49-F238E27FC236}">
+                <a16:creationId xmlns:a16="http://schemas.microsoft.com/office/drawing/2014/main" id="{90189D4F-196F-4296-8BB0-2801EC3462D1}"/>
+              </a:ext>
+            </a:extLst>
+          </p:cNvPr>
+          <p:cNvSpPr/>
+          <p:nvPr/>
+        </p:nvSpPr>
+        <p:spPr>
+          <a:xfrm>
+            <a:off x="8221880" y="2419108"/>
+            <a:ext cx="3266959" cy="1082233"/>
+          </a:xfrm>
+          <a:prstGeom prst="rect">
+            <a:avLst/>
+          </a:prstGeom>
+          <a:noFill/>
+          <a:ln w="38100">
+            <a:solidFill>
+              <a:srgbClr val="7030A0"/>
+            </a:solidFill>
+          </a:ln>
+        </p:spPr>
+        <p:style>
+          <a:lnRef idx="2">
+            <a:schemeClr val="accent1">
+              <a:shade val="50000"/>
+            </a:schemeClr>
+          </a:lnRef>
+          <a:fillRef idx="1">
+            <a:schemeClr val="accent1"/>
+          </a:fillRef>
+          <a:effectRef idx="0">
+            <a:schemeClr val="accent1"/>
+          </a:effectRef>
+          <a:fontRef idx="minor">
+            <a:schemeClr val="lt1"/>
+          </a:fontRef>
+        </p:style>
+        <p:txBody>
+          <a:bodyPr rtlCol="0" anchor="ctr"/>
+          <a:lstStyle/>
+          <a:p>
+            <a:pPr algn="ctr"/>
+            <a:endParaRPr lang="zh-CN" altLang="en-US"/>
           </a:p>
         </p:txBody>
       </p:sp>

--- a/notes/组会20220506.pptx
+++ b/notes/组会20220506.pptx
@@ -110,6 +110,11 @@
       </a:defRPr>
     </a:lvl9pPr>
   </p:defaultTextStyle>
+  <p:extLst>
+    <p:ext uri="{EFAFB233-063F-42B5-8137-9DF3F51BA10A}">
+      <p15:sldGuideLst xmlns:p15="http://schemas.microsoft.com/office/powerpoint/2012/main"/>
+    </p:ext>
+  </p:extLst>
 </p:presentation>
 </file>
 
@@ -260,7 +265,7 @@
           <a:p>
             <a:fld id="{3A4C8CEB-F8BF-416D-8039-AAA63E3D103E}" type="datetimeFigureOut">
               <a:rPr lang="zh-CN" altLang="en-US" smtClean="0"/>
-              <a:t>2022/5/5</a:t>
+              <a:t>2022/5/6</a:t>
             </a:fld>
             <a:endParaRPr lang="zh-CN" altLang="en-US"/>
           </a:p>
@@ -458,7 +463,7 @@
           <a:p>
             <a:fld id="{3A4C8CEB-F8BF-416D-8039-AAA63E3D103E}" type="datetimeFigureOut">
               <a:rPr lang="zh-CN" altLang="en-US" smtClean="0"/>
-              <a:t>2022/5/5</a:t>
+              <a:t>2022/5/6</a:t>
             </a:fld>
             <a:endParaRPr lang="zh-CN" altLang="en-US"/>
           </a:p>
@@ -666,7 +671,7 @@
           <a:p>
             <a:fld id="{3A4C8CEB-F8BF-416D-8039-AAA63E3D103E}" type="datetimeFigureOut">
               <a:rPr lang="zh-CN" altLang="en-US" smtClean="0"/>
-              <a:t>2022/5/5</a:t>
+              <a:t>2022/5/6</a:t>
             </a:fld>
             <a:endParaRPr lang="zh-CN" altLang="en-US"/>
           </a:p>
@@ -864,7 +869,7 @@
           <a:p>
             <a:fld id="{3A4C8CEB-F8BF-416D-8039-AAA63E3D103E}" type="datetimeFigureOut">
               <a:rPr lang="zh-CN" altLang="en-US" smtClean="0"/>
-              <a:t>2022/5/5</a:t>
+              <a:t>2022/5/6</a:t>
             </a:fld>
             <a:endParaRPr lang="zh-CN" altLang="en-US"/>
           </a:p>
@@ -1139,7 +1144,7 @@
           <a:p>
             <a:fld id="{3A4C8CEB-F8BF-416D-8039-AAA63E3D103E}" type="datetimeFigureOut">
               <a:rPr lang="zh-CN" altLang="en-US" smtClean="0"/>
-              <a:t>2022/5/5</a:t>
+              <a:t>2022/5/6</a:t>
             </a:fld>
             <a:endParaRPr lang="zh-CN" altLang="en-US"/>
           </a:p>
@@ -1404,7 +1409,7 @@
           <a:p>
             <a:fld id="{3A4C8CEB-F8BF-416D-8039-AAA63E3D103E}" type="datetimeFigureOut">
               <a:rPr lang="zh-CN" altLang="en-US" smtClean="0"/>
-              <a:t>2022/5/5</a:t>
+              <a:t>2022/5/6</a:t>
             </a:fld>
             <a:endParaRPr lang="zh-CN" altLang="en-US"/>
           </a:p>
@@ -1816,7 +1821,7 @@
           <a:p>
             <a:fld id="{3A4C8CEB-F8BF-416D-8039-AAA63E3D103E}" type="datetimeFigureOut">
               <a:rPr lang="zh-CN" altLang="en-US" smtClean="0"/>
-              <a:t>2022/5/5</a:t>
+              <a:t>2022/5/6</a:t>
             </a:fld>
             <a:endParaRPr lang="zh-CN" altLang="en-US"/>
           </a:p>
@@ -1957,7 +1962,7 @@
           <a:p>
             <a:fld id="{3A4C8CEB-F8BF-416D-8039-AAA63E3D103E}" type="datetimeFigureOut">
               <a:rPr lang="zh-CN" altLang="en-US" smtClean="0"/>
-              <a:t>2022/5/5</a:t>
+              <a:t>2022/5/6</a:t>
             </a:fld>
             <a:endParaRPr lang="zh-CN" altLang="en-US"/>
           </a:p>
@@ -2070,7 +2075,7 @@
           <a:p>
             <a:fld id="{3A4C8CEB-F8BF-416D-8039-AAA63E3D103E}" type="datetimeFigureOut">
               <a:rPr lang="zh-CN" altLang="en-US" smtClean="0"/>
-              <a:t>2022/5/5</a:t>
+              <a:t>2022/5/6</a:t>
             </a:fld>
             <a:endParaRPr lang="zh-CN" altLang="en-US"/>
           </a:p>
@@ -2381,7 +2386,7 @@
           <a:p>
             <a:fld id="{3A4C8CEB-F8BF-416D-8039-AAA63E3D103E}" type="datetimeFigureOut">
               <a:rPr lang="zh-CN" altLang="en-US" smtClean="0"/>
-              <a:t>2022/5/5</a:t>
+              <a:t>2022/5/6</a:t>
             </a:fld>
             <a:endParaRPr lang="zh-CN" altLang="en-US"/>
           </a:p>
@@ -2669,7 +2674,7 @@
           <a:p>
             <a:fld id="{3A4C8CEB-F8BF-416D-8039-AAA63E3D103E}" type="datetimeFigureOut">
               <a:rPr lang="zh-CN" altLang="en-US" smtClean="0"/>
-              <a:t>2022/5/5</a:t>
+              <a:t>2022/5/6</a:t>
             </a:fld>
             <a:endParaRPr lang="zh-CN" altLang="en-US"/>
           </a:p>
@@ -2910,7 +2915,7 @@
           <a:p>
             <a:fld id="{3A4C8CEB-F8BF-416D-8039-AAA63E3D103E}" type="datetimeFigureOut">
               <a:rPr lang="zh-CN" altLang="en-US" smtClean="0"/>
-              <a:t>2022/5/5</a:t>
+              <a:t>2022/5/6</a:t>
             </a:fld>
             <a:endParaRPr lang="zh-CN" altLang="en-US"/>
           </a:p>
@@ -3928,7 +3933,7 @@
           <p:nvPr>
             <p:extLst>
               <p:ext uri="{D42A27DB-BD31-4B8C-83A1-F6EECF244321}">
-                <p14:modId xmlns:p14="http://schemas.microsoft.com/office/powerpoint/2010/main" val="3077862124"/>
+                <p14:modId xmlns:p14="http://schemas.microsoft.com/office/powerpoint/2010/main" val="517961194"/>
               </p:ext>
             </p:extLst>
           </p:nvPr>
@@ -4053,9 +4058,10 @@
                     <a:p>
                       <a:pPr algn="ctr"/>
                       <a:r>
-                        <a:rPr lang="en-US" altLang="zh-CN" dirty="0"/>
-                        <a:t>2.9s</a:t>
-                      </a:r>
+                        <a:rPr lang="en-US" altLang="zh-CN"/>
+                        <a:t>3.3s </a:t>
+                      </a:r>
+                      <a:endParaRPr lang="en-US" altLang="zh-CN" dirty="0"/>
                     </a:p>
                   </a:txBody>
                   <a:tcPr/>
@@ -4102,26 +4108,10 @@
                     <a:bodyPr/>
                     <a:lstStyle/>
                     <a:p>
-                      <a:pPr marL="0" marR="0" lvl="0" indent="0" algn="ctr" defTabSz="914400" rtl="0" eaLnBrk="1" fontAlgn="auto" latinLnBrk="0" hangingPunct="1">
-                        <a:lnSpc>
-                          <a:spcPct val="100000"/>
-                        </a:lnSpc>
-                        <a:spcBef>
-                          <a:spcPts val="0"/>
-                        </a:spcBef>
-                        <a:spcAft>
-                          <a:spcPts val="0"/>
-                        </a:spcAft>
-                        <a:buClrTx/>
-                        <a:buSzTx/>
-                        <a:buFontTx/>
-                        <a:buNone/>
-                        <a:tabLst/>
-                        <a:defRPr/>
-                      </a:pPr>
-                      <a:r>
-                        <a:rPr lang="en-US" altLang="zh-CN" dirty="0"/>
-                        <a:t>1.65s</a:t>
+                      <a:pPr algn="ctr"/>
+                      <a:r>
+                        <a:rPr lang="en-US" altLang="zh-CN" dirty="0"/>
+                        <a:t>1.85s</a:t>
                       </a:r>
                     </a:p>
                   </a:txBody>
@@ -4169,28 +4159,11 @@
                     <a:bodyPr/>
                     <a:lstStyle/>
                     <a:p>
-                      <a:pPr marL="0" marR="0" lvl="0" indent="0" algn="ctr" defTabSz="914400" rtl="0" eaLnBrk="1" fontAlgn="auto" latinLnBrk="0" hangingPunct="1">
-                        <a:lnSpc>
-                          <a:spcPct val="100000"/>
-                        </a:lnSpc>
-                        <a:spcBef>
-                          <a:spcPts val="0"/>
-                        </a:spcBef>
-                        <a:spcAft>
-                          <a:spcPts val="0"/>
-                        </a:spcAft>
-                        <a:buClrTx/>
-                        <a:buSzTx/>
-                        <a:buFontTx/>
-                        <a:buNone/>
-                        <a:tabLst/>
-                        <a:defRPr/>
-                      </a:pPr>
-                      <a:r>
-                        <a:rPr lang="en-US" altLang="zh-CN" dirty="0"/>
-                        <a:t>0.83s</a:t>
-                      </a:r>
-                      <a:endParaRPr lang="zh-CN" altLang="en-US" dirty="0"/>
+                      <a:pPr algn="ctr"/>
+                      <a:r>
+                        <a:rPr lang="en-US" altLang="zh-CN" dirty="0"/>
+                        <a:t>1.3s</a:t>
+                      </a:r>
                     </a:p>
                   </a:txBody>
                   <a:tcPr/>
@@ -4323,8 +4296,8 @@
           </a:p>
         </p:txBody>
       </p:sp>
-      <mc:AlternateContent xmlns:mc="http://schemas.openxmlformats.org/markup-compatibility/2006">
-        <mc:Choice xmlns:a14="http://schemas.microsoft.com/office/drawing/2010/main" Requires="a14">
+      <mc:AlternateContent xmlns:mc="http://schemas.openxmlformats.org/markup-compatibility/2006" xmlns:a14="http://schemas.microsoft.com/office/drawing/2010/main">
+        <mc:Choice Requires="a14">
           <p:sp>
             <p:nvSpPr>
               <p:cNvPr id="20" name="文本框 19">
@@ -4716,7 +4689,7 @@
             </p:txBody>
           </p:sp>
         </mc:Choice>
-        <mc:Fallback>
+        <mc:Fallback xmlns="">
           <p:sp>
             <p:nvSpPr>
               <p:cNvPr id="20" name="文本框 19">

--- a/notes/组会20220506.pptx
+++ b/notes/组会20220506.pptx
@@ -265,7 +265,7 @@
           <a:p>
             <a:fld id="{3A4C8CEB-F8BF-416D-8039-AAA63E3D103E}" type="datetimeFigureOut">
               <a:rPr lang="zh-CN" altLang="en-US" smtClean="0"/>
-              <a:t>2022/5/6</a:t>
+              <a:t>2022/5/9</a:t>
             </a:fld>
             <a:endParaRPr lang="zh-CN" altLang="en-US"/>
           </a:p>
@@ -463,7 +463,7 @@
           <a:p>
             <a:fld id="{3A4C8CEB-F8BF-416D-8039-AAA63E3D103E}" type="datetimeFigureOut">
               <a:rPr lang="zh-CN" altLang="en-US" smtClean="0"/>
-              <a:t>2022/5/6</a:t>
+              <a:t>2022/5/9</a:t>
             </a:fld>
             <a:endParaRPr lang="zh-CN" altLang="en-US"/>
           </a:p>
@@ -671,7 +671,7 @@
           <a:p>
             <a:fld id="{3A4C8CEB-F8BF-416D-8039-AAA63E3D103E}" type="datetimeFigureOut">
               <a:rPr lang="zh-CN" altLang="en-US" smtClean="0"/>
-              <a:t>2022/5/6</a:t>
+              <a:t>2022/5/9</a:t>
             </a:fld>
             <a:endParaRPr lang="zh-CN" altLang="en-US"/>
           </a:p>
@@ -869,7 +869,7 @@
           <a:p>
             <a:fld id="{3A4C8CEB-F8BF-416D-8039-AAA63E3D103E}" type="datetimeFigureOut">
               <a:rPr lang="zh-CN" altLang="en-US" smtClean="0"/>
-              <a:t>2022/5/6</a:t>
+              <a:t>2022/5/9</a:t>
             </a:fld>
             <a:endParaRPr lang="zh-CN" altLang="en-US"/>
           </a:p>
@@ -1144,7 +1144,7 @@
           <a:p>
             <a:fld id="{3A4C8CEB-F8BF-416D-8039-AAA63E3D103E}" type="datetimeFigureOut">
               <a:rPr lang="zh-CN" altLang="en-US" smtClean="0"/>
-              <a:t>2022/5/6</a:t>
+              <a:t>2022/5/9</a:t>
             </a:fld>
             <a:endParaRPr lang="zh-CN" altLang="en-US"/>
           </a:p>
@@ -1409,7 +1409,7 @@
           <a:p>
             <a:fld id="{3A4C8CEB-F8BF-416D-8039-AAA63E3D103E}" type="datetimeFigureOut">
               <a:rPr lang="zh-CN" altLang="en-US" smtClean="0"/>
-              <a:t>2022/5/6</a:t>
+              <a:t>2022/5/9</a:t>
             </a:fld>
             <a:endParaRPr lang="zh-CN" altLang="en-US"/>
           </a:p>
@@ -1821,7 +1821,7 @@
           <a:p>
             <a:fld id="{3A4C8CEB-F8BF-416D-8039-AAA63E3D103E}" type="datetimeFigureOut">
               <a:rPr lang="zh-CN" altLang="en-US" smtClean="0"/>
-              <a:t>2022/5/6</a:t>
+              <a:t>2022/5/9</a:t>
             </a:fld>
             <a:endParaRPr lang="zh-CN" altLang="en-US"/>
           </a:p>
@@ -1962,7 +1962,7 @@
           <a:p>
             <a:fld id="{3A4C8CEB-F8BF-416D-8039-AAA63E3D103E}" type="datetimeFigureOut">
               <a:rPr lang="zh-CN" altLang="en-US" smtClean="0"/>
-              <a:t>2022/5/6</a:t>
+              <a:t>2022/5/9</a:t>
             </a:fld>
             <a:endParaRPr lang="zh-CN" altLang="en-US"/>
           </a:p>
@@ -2075,7 +2075,7 @@
           <a:p>
             <a:fld id="{3A4C8CEB-F8BF-416D-8039-AAA63E3D103E}" type="datetimeFigureOut">
               <a:rPr lang="zh-CN" altLang="en-US" smtClean="0"/>
-              <a:t>2022/5/6</a:t>
+              <a:t>2022/5/9</a:t>
             </a:fld>
             <a:endParaRPr lang="zh-CN" altLang="en-US"/>
           </a:p>
@@ -2386,7 +2386,7 @@
           <a:p>
             <a:fld id="{3A4C8CEB-F8BF-416D-8039-AAA63E3D103E}" type="datetimeFigureOut">
               <a:rPr lang="zh-CN" altLang="en-US" smtClean="0"/>
-              <a:t>2022/5/6</a:t>
+              <a:t>2022/5/9</a:t>
             </a:fld>
             <a:endParaRPr lang="zh-CN" altLang="en-US"/>
           </a:p>
@@ -2674,7 +2674,7 @@
           <a:p>
             <a:fld id="{3A4C8CEB-F8BF-416D-8039-AAA63E3D103E}" type="datetimeFigureOut">
               <a:rPr lang="zh-CN" altLang="en-US" smtClean="0"/>
-              <a:t>2022/5/6</a:t>
+              <a:t>2022/5/9</a:t>
             </a:fld>
             <a:endParaRPr lang="zh-CN" altLang="en-US"/>
           </a:p>
@@ -2915,7 +2915,7 @@
           <a:p>
             <a:fld id="{3A4C8CEB-F8BF-416D-8039-AAA63E3D103E}" type="datetimeFigureOut">
               <a:rPr lang="zh-CN" altLang="en-US" smtClean="0"/>
-              <a:t>2022/5/6</a:t>
+              <a:t>2022/5/9</a:t>
             </a:fld>
             <a:endParaRPr lang="zh-CN" altLang="en-US"/>
           </a:p>
@@ -4058,10 +4058,9 @@
                     <a:p>
                       <a:pPr algn="ctr"/>
                       <a:r>
-                        <a:rPr lang="en-US" altLang="zh-CN"/>
+                        <a:rPr lang="en-US" altLang="zh-CN" dirty="0"/>
                         <a:t>3.3s </a:t>
                       </a:r>
-                      <a:endParaRPr lang="en-US" altLang="zh-CN" dirty="0"/>
                     </a:p>
                   </a:txBody>
                   <a:tcPr/>
@@ -5925,13 +5924,13 @@
             <p:ph idx="1"/>
             <p:extLst>
               <p:ext uri="{D42A27DB-BD31-4B8C-83A1-F6EECF244321}">
-                <p14:modId xmlns:p14="http://schemas.microsoft.com/office/powerpoint/2010/main" val="28615348"/>
+                <p14:modId xmlns:p14="http://schemas.microsoft.com/office/powerpoint/2010/main" val="2833772989"/>
               </p:ext>
             </p:extLst>
           </p:nvPr>
         </p:nvGraphicFramePr>
         <p:xfrm>
-          <a:off x="693420" y="1457005"/>
+          <a:off x="743524" y="1330325"/>
           <a:ext cx="10515600" cy="4197350"/>
         </p:xfrm>
         <a:graphic>

--- a/notes/组会20220506.pptx
+++ b/notes/组会20220506.pptx
@@ -11,7 +11,15 @@
     <p:sldId id="262" r:id="rId5"/>
     <p:sldId id="259" r:id="rId6"/>
     <p:sldId id="260" r:id="rId7"/>
-    <p:sldId id="258" r:id="rId8"/>
+    <p:sldId id="263" r:id="rId8"/>
+    <p:sldId id="264" r:id="rId9"/>
+    <p:sldId id="265" r:id="rId10"/>
+    <p:sldId id="266" r:id="rId11"/>
+    <p:sldId id="267" r:id="rId12"/>
+    <p:sldId id="268" r:id="rId13"/>
+    <p:sldId id="269" r:id="rId14"/>
+    <p:sldId id="270" r:id="rId15"/>
+    <p:sldId id="258" r:id="rId16"/>
   </p:sldIdLst>
   <p:sldSz cx="12192000" cy="6858000"/>
   <p:notesSz cx="6858000" cy="9144000"/>
@@ -265,7 +273,7 @@
           <a:p>
             <a:fld id="{3A4C8CEB-F8BF-416D-8039-AAA63E3D103E}" type="datetimeFigureOut">
               <a:rPr lang="zh-CN" altLang="en-US" smtClean="0"/>
-              <a:t>2022/5/9</a:t>
+              <a:t>2022/5/13</a:t>
             </a:fld>
             <a:endParaRPr lang="zh-CN" altLang="en-US"/>
           </a:p>
@@ -463,7 +471,7 @@
           <a:p>
             <a:fld id="{3A4C8CEB-F8BF-416D-8039-AAA63E3D103E}" type="datetimeFigureOut">
               <a:rPr lang="zh-CN" altLang="en-US" smtClean="0"/>
-              <a:t>2022/5/9</a:t>
+              <a:t>2022/5/13</a:t>
             </a:fld>
             <a:endParaRPr lang="zh-CN" altLang="en-US"/>
           </a:p>
@@ -671,7 +679,7 @@
           <a:p>
             <a:fld id="{3A4C8CEB-F8BF-416D-8039-AAA63E3D103E}" type="datetimeFigureOut">
               <a:rPr lang="zh-CN" altLang="en-US" smtClean="0"/>
-              <a:t>2022/5/9</a:t>
+              <a:t>2022/5/13</a:t>
             </a:fld>
             <a:endParaRPr lang="zh-CN" altLang="en-US"/>
           </a:p>
@@ -869,7 +877,7 @@
           <a:p>
             <a:fld id="{3A4C8CEB-F8BF-416D-8039-AAA63E3D103E}" type="datetimeFigureOut">
               <a:rPr lang="zh-CN" altLang="en-US" smtClean="0"/>
-              <a:t>2022/5/9</a:t>
+              <a:t>2022/5/13</a:t>
             </a:fld>
             <a:endParaRPr lang="zh-CN" altLang="en-US"/>
           </a:p>
@@ -1144,7 +1152,7 @@
           <a:p>
             <a:fld id="{3A4C8CEB-F8BF-416D-8039-AAA63E3D103E}" type="datetimeFigureOut">
               <a:rPr lang="zh-CN" altLang="en-US" smtClean="0"/>
-              <a:t>2022/5/9</a:t>
+              <a:t>2022/5/13</a:t>
             </a:fld>
             <a:endParaRPr lang="zh-CN" altLang="en-US"/>
           </a:p>
@@ -1409,7 +1417,7 @@
           <a:p>
             <a:fld id="{3A4C8CEB-F8BF-416D-8039-AAA63E3D103E}" type="datetimeFigureOut">
               <a:rPr lang="zh-CN" altLang="en-US" smtClean="0"/>
-              <a:t>2022/5/9</a:t>
+              <a:t>2022/5/13</a:t>
             </a:fld>
             <a:endParaRPr lang="zh-CN" altLang="en-US"/>
           </a:p>
@@ -1821,7 +1829,7 @@
           <a:p>
             <a:fld id="{3A4C8CEB-F8BF-416D-8039-AAA63E3D103E}" type="datetimeFigureOut">
               <a:rPr lang="zh-CN" altLang="en-US" smtClean="0"/>
-              <a:t>2022/5/9</a:t>
+              <a:t>2022/5/13</a:t>
             </a:fld>
             <a:endParaRPr lang="zh-CN" altLang="en-US"/>
           </a:p>
@@ -1962,7 +1970,7 @@
           <a:p>
             <a:fld id="{3A4C8CEB-F8BF-416D-8039-AAA63E3D103E}" type="datetimeFigureOut">
               <a:rPr lang="zh-CN" altLang="en-US" smtClean="0"/>
-              <a:t>2022/5/9</a:t>
+              <a:t>2022/5/13</a:t>
             </a:fld>
             <a:endParaRPr lang="zh-CN" altLang="en-US"/>
           </a:p>
@@ -2075,7 +2083,7 @@
           <a:p>
             <a:fld id="{3A4C8CEB-F8BF-416D-8039-AAA63E3D103E}" type="datetimeFigureOut">
               <a:rPr lang="zh-CN" altLang="en-US" smtClean="0"/>
-              <a:t>2022/5/9</a:t>
+              <a:t>2022/5/13</a:t>
             </a:fld>
             <a:endParaRPr lang="zh-CN" altLang="en-US"/>
           </a:p>
@@ -2386,7 +2394,7 @@
           <a:p>
             <a:fld id="{3A4C8CEB-F8BF-416D-8039-AAA63E3D103E}" type="datetimeFigureOut">
               <a:rPr lang="zh-CN" altLang="en-US" smtClean="0"/>
-              <a:t>2022/5/9</a:t>
+              <a:t>2022/5/13</a:t>
             </a:fld>
             <a:endParaRPr lang="zh-CN" altLang="en-US"/>
           </a:p>
@@ -2674,7 +2682,7 @@
           <a:p>
             <a:fld id="{3A4C8CEB-F8BF-416D-8039-AAA63E3D103E}" type="datetimeFigureOut">
               <a:rPr lang="zh-CN" altLang="en-US" smtClean="0"/>
-              <a:t>2022/5/9</a:t>
+              <a:t>2022/5/13</a:t>
             </a:fld>
             <a:endParaRPr lang="zh-CN" altLang="en-US"/>
           </a:p>
@@ -2915,7 +2923,7 @@
           <a:p>
             <a:fld id="{3A4C8CEB-F8BF-416D-8039-AAA63E3D103E}" type="datetimeFigureOut">
               <a:rPr lang="zh-CN" altLang="en-US" smtClean="0"/>
-              <a:t>2022/5/9</a:t>
+              <a:t>2022/5/13</a:t>
             </a:fld>
             <a:endParaRPr lang="zh-CN" altLang="en-US"/>
           </a:p>
@@ -3395,6 +3403,3820 @@
 </p:sld>
 </file>
 
+<file path=ppt/slides/slide10.xml><?xml version="1.0" encoding="utf-8"?>
+<p:sld xmlns:a="http://schemas.openxmlformats.org/drawingml/2006/main" xmlns:r="http://schemas.openxmlformats.org/officeDocument/2006/relationships" xmlns:p="http://schemas.openxmlformats.org/presentationml/2006/main">
+  <p:cSld>
+    <p:spTree>
+      <p:nvGrpSpPr>
+        <p:cNvPr id="1" name=""/>
+        <p:cNvGrpSpPr/>
+        <p:nvPr/>
+      </p:nvGrpSpPr>
+      <p:grpSpPr>
+        <a:xfrm>
+          <a:off x="0" y="0"/>
+          <a:ext cx="0" cy="0"/>
+          <a:chOff x="0" y="0"/>
+          <a:chExt cx="0" cy="0"/>
+        </a:xfrm>
+      </p:grpSpPr>
+      <p:sp>
+        <p:nvSpPr>
+          <p:cNvPr id="2" name="标题 1">
+            <a:extLst>
+              <a:ext uri="{FF2B5EF4-FFF2-40B4-BE49-F238E27FC236}">
+                <a16:creationId xmlns:a16="http://schemas.microsoft.com/office/drawing/2014/main" id="{B214CF42-B6CB-4B50-ADF9-E326C7ED63A1}"/>
+              </a:ext>
+            </a:extLst>
+          </p:cNvPr>
+          <p:cNvSpPr>
+            <a:spLocks noGrp="1"/>
+          </p:cNvSpPr>
+          <p:nvPr>
+            <p:ph type="title"/>
+          </p:nvPr>
+        </p:nvSpPr>
+        <p:spPr/>
+        <p:txBody>
+          <a:bodyPr/>
+          <a:lstStyle/>
+          <a:p>
+            <a:r>
+              <a:rPr lang="zh-CN" altLang="en-US" dirty="0"/>
+              <a:t>新的改进措施</a:t>
+            </a:r>
+          </a:p>
+        </p:txBody>
+      </p:sp>
+      <p:sp>
+        <p:nvSpPr>
+          <p:cNvPr id="3" name="内容占位符 2">
+            <a:extLst>
+              <a:ext uri="{FF2B5EF4-FFF2-40B4-BE49-F238E27FC236}">
+                <a16:creationId xmlns:a16="http://schemas.microsoft.com/office/drawing/2014/main" id="{2E20B3E3-8C0D-4E31-820E-4A4272C84561}"/>
+              </a:ext>
+            </a:extLst>
+          </p:cNvPr>
+          <p:cNvSpPr>
+            <a:spLocks noGrp="1"/>
+          </p:cNvSpPr>
+          <p:nvPr>
+            <p:ph idx="1"/>
+          </p:nvPr>
+        </p:nvSpPr>
+        <p:spPr/>
+        <p:txBody>
+          <a:bodyPr/>
+          <a:lstStyle/>
+          <a:p>
+            <a:pPr marL="0" indent="0">
+              <a:buNone/>
+            </a:pPr>
+            <a:endParaRPr lang="en-US" altLang="zh-CN" dirty="0"/>
+          </a:p>
+          <a:p>
+            <a:r>
+              <a:rPr lang="zh-CN" altLang="en-US" dirty="0"/>
+              <a:t>壁面泛函权比例（相对内边）</a:t>
+            </a:r>
+            <a:endParaRPr lang="en-US" altLang="zh-CN" dirty="0"/>
+          </a:p>
+          <a:p>
+            <a:pPr lvl="1"/>
+            <a:r>
+              <a:rPr lang="zh-CN" altLang="en-US" dirty="0"/>
+              <a:t>基准</a:t>
+            </a:r>
+            <a:r>
+              <a:rPr lang="en-US" altLang="zh-CN" dirty="0"/>
+              <a:t>+</a:t>
+            </a:r>
+            <a:r>
+              <a:rPr lang="zh-CN" altLang="en-US" dirty="0"/>
+              <a:t>壁面权重大小</a:t>
+            </a:r>
+            <a:r>
+              <a:rPr lang="en-US" altLang="zh-CN" dirty="0"/>
+              <a:t>1</a:t>
+            </a:r>
+            <a:r>
+              <a:rPr lang="zh-CN" altLang="en-US" dirty="0"/>
+              <a:t>：</a:t>
+            </a:r>
+            <a:r>
+              <a:rPr lang="en-US" altLang="zh-CN" b="1" dirty="0"/>
+              <a:t>2.12e-3/6.60e-1</a:t>
+            </a:r>
+            <a:r>
+              <a:rPr lang="zh-CN" altLang="en-US" dirty="0"/>
+              <a:t>；壁面</a:t>
+            </a:r>
+            <a:r>
+              <a:rPr lang="en-US" altLang="zh-CN" dirty="0"/>
+              <a:t>10</a:t>
+            </a:r>
+            <a:r>
+              <a:rPr lang="zh-CN" altLang="en-US" dirty="0"/>
+              <a:t>：</a:t>
+            </a:r>
+            <a:r>
+              <a:rPr lang="en-US" altLang="zh-CN" b="1" dirty="0"/>
+              <a:t>1.30e-3/2.32e-1</a:t>
+            </a:r>
+          </a:p>
+          <a:p>
+            <a:pPr lvl="1"/>
+            <a:endParaRPr lang="en-US" altLang="zh-CN" dirty="0"/>
+          </a:p>
+          <a:p>
+            <a:pPr lvl="1"/>
+            <a:endParaRPr lang="en-US" altLang="zh-CN" dirty="0"/>
+          </a:p>
+          <a:p>
+            <a:r>
+              <a:rPr lang="zh-CN" altLang="en-US" dirty="0"/>
+              <a:t>有关曲线坐标</a:t>
+            </a:r>
+            <a:endParaRPr lang="en-US" altLang="zh-CN" dirty="0"/>
+          </a:p>
+          <a:p>
+            <a:endParaRPr lang="zh-CN" altLang="en-US" dirty="0"/>
+          </a:p>
+        </p:txBody>
+      </p:sp>
+    </p:spTree>
+    <p:extLst>
+      <p:ext uri="{BB962C8B-B14F-4D97-AF65-F5344CB8AC3E}">
+        <p14:creationId xmlns:p14="http://schemas.microsoft.com/office/powerpoint/2010/main" val="3356063870"/>
+      </p:ext>
+    </p:extLst>
+  </p:cSld>
+  <p:clrMapOvr>
+    <a:masterClrMapping/>
+  </p:clrMapOvr>
+</p:sld>
+</file>
+
+<file path=ppt/slides/slide11.xml><?xml version="1.0" encoding="utf-8"?>
+<p:sld xmlns:a="http://schemas.openxmlformats.org/drawingml/2006/main" xmlns:r="http://schemas.openxmlformats.org/officeDocument/2006/relationships" xmlns:p="http://schemas.openxmlformats.org/presentationml/2006/main">
+  <p:cSld>
+    <p:spTree>
+      <p:nvGrpSpPr>
+        <p:cNvPr id="1" name=""/>
+        <p:cNvGrpSpPr/>
+        <p:nvPr/>
+      </p:nvGrpSpPr>
+      <p:grpSpPr>
+        <a:xfrm>
+          <a:off x="0" y="0"/>
+          <a:ext cx="0" cy="0"/>
+          <a:chOff x="0" y="0"/>
+          <a:chExt cx="0" cy="0"/>
+        </a:xfrm>
+      </p:grpSpPr>
+      <p:sp>
+        <p:nvSpPr>
+          <p:cNvPr id="2" name="标题 1">
+            <a:extLst>
+              <a:ext uri="{FF2B5EF4-FFF2-40B4-BE49-F238E27FC236}">
+                <a16:creationId xmlns:a16="http://schemas.microsoft.com/office/drawing/2014/main" id="{B214CF42-B6CB-4B50-ADF9-E326C7ED63A1}"/>
+              </a:ext>
+            </a:extLst>
+          </p:cNvPr>
+          <p:cNvSpPr>
+            <a:spLocks noGrp="1"/>
+          </p:cNvSpPr>
+          <p:nvPr>
+            <p:ph type="title"/>
+          </p:nvPr>
+        </p:nvSpPr>
+        <p:spPr/>
+        <p:txBody>
+          <a:bodyPr/>
+          <a:lstStyle/>
+          <a:p>
+            <a:r>
+              <a:rPr lang="zh-CN" altLang="en-US" dirty="0"/>
+              <a:t>曲线坐标显式估测</a:t>
+            </a:r>
+          </a:p>
+        </p:txBody>
+      </p:sp>
+      <mc:AlternateContent xmlns:mc="http://schemas.openxmlformats.org/markup-compatibility/2006">
+        <mc:Choice xmlns:a14="http://schemas.microsoft.com/office/drawing/2010/main" Requires="a14">
+          <p:sp>
+            <p:nvSpPr>
+              <p:cNvPr id="3" name="内容占位符 2">
+                <a:extLst>
+                  <a:ext uri="{FF2B5EF4-FFF2-40B4-BE49-F238E27FC236}">
+                    <a16:creationId xmlns:a16="http://schemas.microsoft.com/office/drawing/2014/main" id="{2E20B3E3-8C0D-4E31-820E-4A4272C84561}"/>
+                  </a:ext>
+                </a:extLst>
+              </p:cNvPr>
+              <p:cNvSpPr>
+                <a:spLocks noGrp="1"/>
+              </p:cNvSpPr>
+              <p:nvPr>
+                <p:ph idx="1"/>
+              </p:nvPr>
+            </p:nvSpPr>
+            <p:spPr/>
+            <p:txBody>
+              <a:bodyPr>
+                <a:normAutofit/>
+              </a:bodyPr>
+              <a:lstStyle/>
+              <a:p>
+                <a:pPr marL="0" indent="0">
+                  <a:buNone/>
+                </a:pPr>
+                <a:endParaRPr lang="en-US" altLang="zh-CN" dirty="0"/>
+              </a:p>
+              <a:p>
+                <a:r>
+                  <a:rPr lang="zh-CN" altLang="en-US" dirty="0"/>
+                  <a:t>单元内，基函数为</a:t>
+                </a:r>
+                <a:endParaRPr lang="en-US" altLang="zh-CN" dirty="0"/>
+              </a:p>
+              <a:p>
+                <a14:m>
+                  <m:oMath xmlns:m="http://schemas.openxmlformats.org/officeDocument/2006/math">
+                    <m:sSub>
+                      <m:sSubPr>
+                        <m:ctrlPr>
+                          <a:rPr lang="en-US" altLang="zh-CN" b="0" i="1" smtClean="0">
+                            <a:latin typeface="Cambria Math" panose="02040503050406030204" pitchFamily="18" charset="0"/>
+                          </a:rPr>
+                        </m:ctrlPr>
+                      </m:sSubPr>
+                      <m:e>
+                        <m:r>
+                          <a:rPr lang="en-US" altLang="zh-CN" b="0" i="1" smtClean="0">
+                            <a:latin typeface="Cambria Math" panose="02040503050406030204" pitchFamily="18" charset="0"/>
+                          </a:rPr>
+                          <m:t>𝜑</m:t>
+                        </m:r>
+                      </m:e>
+                      <m:sub>
+                        <m:r>
+                          <a:rPr lang="en-US" altLang="zh-CN" b="0" i="1" smtClean="0">
+                            <a:latin typeface="Cambria Math" panose="02040503050406030204" pitchFamily="18" charset="0"/>
+                          </a:rPr>
+                          <m:t>𝑖</m:t>
+                        </m:r>
+                      </m:sub>
+                    </m:sSub>
+                    <m:r>
+                      <a:rPr lang="en-US" altLang="zh-CN" b="0" i="1" smtClean="0">
+                        <a:latin typeface="Cambria Math" panose="02040503050406030204" pitchFamily="18" charset="0"/>
+                      </a:rPr>
+                      <m:t>=</m:t>
+                    </m:r>
+                    <m:sSubSup>
+                      <m:sSubSupPr>
+                        <m:ctrlPr>
+                          <a:rPr lang="en-US" altLang="zh-CN" b="0" i="1" smtClean="0">
+                            <a:latin typeface="Cambria Math" panose="02040503050406030204" pitchFamily="18" charset="0"/>
+                          </a:rPr>
+                        </m:ctrlPr>
+                      </m:sSubSupPr>
+                      <m:e>
+                        <m:r>
+                          <a:rPr lang="en-US" altLang="zh-CN" b="0" i="1" smtClean="0">
+                            <a:latin typeface="Cambria Math" panose="02040503050406030204" pitchFamily="18" charset="0"/>
+                          </a:rPr>
+                          <m:t>𝜁</m:t>
+                        </m:r>
+                      </m:e>
+                      <m:sub>
+                        <m:r>
+                          <a:rPr lang="en-US" altLang="zh-CN" b="0" i="1" smtClean="0">
+                            <a:latin typeface="Cambria Math" panose="02040503050406030204" pitchFamily="18" charset="0"/>
+                          </a:rPr>
+                          <m:t>1</m:t>
+                        </m:r>
+                      </m:sub>
+                      <m:sup>
+                        <m:sSub>
+                          <m:sSubPr>
+                            <m:ctrlPr>
+                              <a:rPr lang="en-US" altLang="zh-CN" b="0" i="1" smtClean="0">
+                                <a:latin typeface="Cambria Math" panose="02040503050406030204" pitchFamily="18" charset="0"/>
+                              </a:rPr>
+                            </m:ctrlPr>
+                          </m:sSubPr>
+                          <m:e>
+                            <m:r>
+                              <a:rPr lang="en-US" altLang="zh-CN" b="0" i="1" smtClean="0">
+                                <a:latin typeface="Cambria Math" panose="02040503050406030204" pitchFamily="18" charset="0"/>
+                              </a:rPr>
+                              <m:t>𝑝</m:t>
+                            </m:r>
+                          </m:e>
+                          <m:sub>
+                            <m:r>
+                              <a:rPr lang="en-US" altLang="zh-CN" b="0" i="1" smtClean="0">
+                                <a:latin typeface="Cambria Math" panose="02040503050406030204" pitchFamily="18" charset="0"/>
+                              </a:rPr>
+                              <m:t>1</m:t>
+                            </m:r>
+                            <m:r>
+                              <a:rPr lang="en-US" altLang="zh-CN" b="0" i="1" smtClean="0">
+                                <a:latin typeface="Cambria Math" panose="02040503050406030204" pitchFamily="18" charset="0"/>
+                              </a:rPr>
+                              <m:t>𝑖</m:t>
+                            </m:r>
+                          </m:sub>
+                        </m:sSub>
+                      </m:sup>
+                    </m:sSubSup>
+                    <m:sSubSup>
+                      <m:sSubSupPr>
+                        <m:ctrlPr>
+                          <a:rPr lang="en-US" altLang="zh-CN" b="0" i="1" smtClean="0">
+                            <a:latin typeface="Cambria Math" panose="02040503050406030204" pitchFamily="18" charset="0"/>
+                          </a:rPr>
+                        </m:ctrlPr>
+                      </m:sSubSupPr>
+                      <m:e>
+                        <m:r>
+                          <a:rPr lang="en-US" altLang="zh-CN" i="1">
+                            <a:latin typeface="Cambria Math" panose="02040503050406030204" pitchFamily="18" charset="0"/>
+                          </a:rPr>
+                          <m:t>𝜁</m:t>
+                        </m:r>
+                      </m:e>
+                      <m:sub>
+                        <m:r>
+                          <a:rPr lang="en-US" altLang="zh-CN" b="0" i="1" smtClean="0">
+                            <a:latin typeface="Cambria Math" panose="02040503050406030204" pitchFamily="18" charset="0"/>
+                          </a:rPr>
+                          <m:t>2</m:t>
+                        </m:r>
+                      </m:sub>
+                      <m:sup>
+                        <m:sSub>
+                          <m:sSubPr>
+                            <m:ctrlPr>
+                              <a:rPr lang="en-US" altLang="zh-CN" i="1">
+                                <a:latin typeface="Cambria Math" panose="02040503050406030204" pitchFamily="18" charset="0"/>
+                              </a:rPr>
+                            </m:ctrlPr>
+                          </m:sSubPr>
+                          <m:e>
+                            <m:r>
+                              <a:rPr lang="en-US" altLang="zh-CN" i="1">
+                                <a:latin typeface="Cambria Math" panose="02040503050406030204" pitchFamily="18" charset="0"/>
+                              </a:rPr>
+                              <m:t>𝑝</m:t>
+                            </m:r>
+                          </m:e>
+                          <m:sub>
+                            <m:r>
+                              <a:rPr lang="en-US" altLang="zh-CN" b="0" i="1" smtClean="0">
+                                <a:latin typeface="Cambria Math" panose="02040503050406030204" pitchFamily="18" charset="0"/>
+                              </a:rPr>
+                              <m:t>2</m:t>
+                            </m:r>
+                            <m:r>
+                              <a:rPr lang="en-US" altLang="zh-CN" i="1">
+                                <a:latin typeface="Cambria Math" panose="02040503050406030204" pitchFamily="18" charset="0"/>
+                              </a:rPr>
+                              <m:t>𝑖</m:t>
+                            </m:r>
+                          </m:sub>
+                        </m:sSub>
+                      </m:sup>
+                    </m:sSubSup>
+                    <m:sSubSup>
+                      <m:sSubSupPr>
+                        <m:ctrlPr>
+                          <a:rPr lang="en-US" altLang="zh-CN" b="0" i="1" smtClean="0">
+                            <a:latin typeface="Cambria Math" panose="02040503050406030204" pitchFamily="18" charset="0"/>
+                          </a:rPr>
+                        </m:ctrlPr>
+                      </m:sSubSupPr>
+                      <m:e>
+                        <m:r>
+                          <a:rPr lang="en-US" altLang="zh-CN" i="1">
+                            <a:latin typeface="Cambria Math" panose="02040503050406030204" pitchFamily="18" charset="0"/>
+                          </a:rPr>
+                          <m:t>𝜁</m:t>
+                        </m:r>
+                      </m:e>
+                      <m:sub>
+                        <m:r>
+                          <a:rPr lang="en-US" altLang="zh-CN" b="0" i="1" smtClean="0">
+                            <a:latin typeface="Cambria Math" panose="02040503050406030204" pitchFamily="18" charset="0"/>
+                          </a:rPr>
+                          <m:t>3</m:t>
+                        </m:r>
+                      </m:sub>
+                      <m:sup>
+                        <m:sSub>
+                          <m:sSubPr>
+                            <m:ctrlPr>
+                              <a:rPr lang="en-US" altLang="zh-CN" i="1">
+                                <a:latin typeface="Cambria Math" panose="02040503050406030204" pitchFamily="18" charset="0"/>
+                              </a:rPr>
+                            </m:ctrlPr>
+                          </m:sSubPr>
+                          <m:e>
+                            <m:r>
+                              <a:rPr lang="en-US" altLang="zh-CN" i="1">
+                                <a:latin typeface="Cambria Math" panose="02040503050406030204" pitchFamily="18" charset="0"/>
+                              </a:rPr>
+                              <m:t>𝑝</m:t>
+                            </m:r>
+                          </m:e>
+                          <m:sub>
+                            <m:r>
+                              <a:rPr lang="en-US" altLang="zh-CN" b="0" i="1" smtClean="0">
+                                <a:latin typeface="Cambria Math" panose="02040503050406030204" pitchFamily="18" charset="0"/>
+                              </a:rPr>
+                              <m:t>3</m:t>
+                            </m:r>
+                            <m:r>
+                              <a:rPr lang="en-US" altLang="zh-CN" i="1">
+                                <a:latin typeface="Cambria Math" panose="02040503050406030204" pitchFamily="18" charset="0"/>
+                              </a:rPr>
+                              <m:t>𝑖</m:t>
+                            </m:r>
+                          </m:sub>
+                        </m:sSub>
+                      </m:sup>
+                    </m:sSubSup>
+                  </m:oMath>
+                </a14:m>
+                <a:endParaRPr lang="en-US" altLang="zh-CN" dirty="0"/>
+              </a:p>
+              <a:p>
+                <a:r>
+                  <a:rPr lang="zh-CN" altLang="en-US" dirty="0"/>
+                  <a:t>其中</a:t>
+                </a:r>
+                <a14:m>
+                  <m:oMath xmlns:m="http://schemas.openxmlformats.org/officeDocument/2006/math">
+                    <m:sSub>
+                      <m:sSubPr>
+                        <m:ctrlPr>
+                          <a:rPr lang="en-US" altLang="zh-CN" b="0" i="1" smtClean="0">
+                            <a:latin typeface="Cambria Math" panose="02040503050406030204" pitchFamily="18" charset="0"/>
+                          </a:rPr>
+                        </m:ctrlPr>
+                      </m:sSubPr>
+                      <m:e>
+                        <m:r>
+                          <a:rPr lang="en-US" altLang="zh-CN" b="0" i="1" smtClean="0">
+                            <a:latin typeface="Cambria Math" panose="02040503050406030204" pitchFamily="18" charset="0"/>
+                          </a:rPr>
+                          <m:t>𝜁</m:t>
+                        </m:r>
+                      </m:e>
+                      <m:sub>
+                        <m:r>
+                          <a:rPr lang="en-US" altLang="zh-CN" b="0" i="1" smtClean="0">
+                            <a:latin typeface="Cambria Math" panose="02040503050406030204" pitchFamily="18" charset="0"/>
+                          </a:rPr>
+                          <m:t>𝑖</m:t>
+                        </m:r>
+                      </m:sub>
+                    </m:sSub>
+                    <m:r>
+                      <a:rPr lang="en-US" altLang="zh-CN" b="0" i="1" smtClean="0">
+                        <a:latin typeface="Cambria Math" panose="02040503050406030204" pitchFamily="18" charset="0"/>
+                      </a:rPr>
+                      <m:t>=</m:t>
+                    </m:r>
+                    <m:sSub>
+                      <m:sSubPr>
+                        <m:ctrlPr>
+                          <a:rPr lang="en-US" altLang="zh-CN" b="0" i="1" smtClean="0">
+                            <a:latin typeface="Cambria Math" panose="02040503050406030204" pitchFamily="18" charset="0"/>
+                          </a:rPr>
+                        </m:ctrlPr>
+                      </m:sSubPr>
+                      <m:e>
+                        <m:r>
+                          <a:rPr lang="en-US" altLang="zh-CN" b="0" i="1" smtClean="0">
+                            <a:latin typeface="Cambria Math" panose="02040503050406030204" pitchFamily="18" charset="0"/>
+                          </a:rPr>
+                          <m:t>𝜁</m:t>
+                        </m:r>
+                      </m:e>
+                      <m:sub>
+                        <m:r>
+                          <a:rPr lang="en-US" altLang="zh-CN" b="0" i="1" smtClean="0">
+                            <a:latin typeface="Cambria Math" panose="02040503050406030204" pitchFamily="18" charset="0"/>
+                          </a:rPr>
+                          <m:t>𝑖</m:t>
+                        </m:r>
+                      </m:sub>
+                    </m:sSub>
+                    <m:r>
+                      <a:rPr lang="en-US" altLang="zh-CN" b="0" i="1" smtClean="0">
+                        <a:latin typeface="Cambria Math" panose="02040503050406030204" pitchFamily="18" charset="0"/>
+                      </a:rPr>
+                      <m:t>(</m:t>
+                    </m:r>
+                    <m:sSub>
+                      <m:sSubPr>
+                        <m:ctrlPr>
+                          <a:rPr lang="en-US" altLang="zh-CN" b="0" i="1" smtClean="0">
+                            <a:latin typeface="Cambria Math" panose="02040503050406030204" pitchFamily="18" charset="0"/>
+                          </a:rPr>
+                        </m:ctrlPr>
+                      </m:sSubPr>
+                      <m:e>
+                        <m:r>
+                          <a:rPr lang="en-US" altLang="zh-CN" b="0" i="1" smtClean="0">
+                            <a:latin typeface="Cambria Math" panose="02040503050406030204" pitchFamily="18" charset="0"/>
+                          </a:rPr>
+                          <m:t>𝜉</m:t>
+                        </m:r>
+                      </m:e>
+                      <m:sub>
+                        <m:r>
+                          <a:rPr lang="en-US" altLang="zh-CN" b="0" i="1" smtClean="0">
+                            <a:latin typeface="Cambria Math" panose="02040503050406030204" pitchFamily="18" charset="0"/>
+                          </a:rPr>
+                          <m:t>1</m:t>
+                        </m:r>
+                      </m:sub>
+                    </m:sSub>
+                    <m:r>
+                      <a:rPr lang="en-US" altLang="zh-CN" b="0" i="1" smtClean="0">
+                        <a:latin typeface="Cambria Math" panose="02040503050406030204" pitchFamily="18" charset="0"/>
+                      </a:rPr>
+                      <m:t>,</m:t>
+                    </m:r>
+                    <m:sSub>
+                      <m:sSubPr>
+                        <m:ctrlPr>
+                          <a:rPr lang="en-US" altLang="zh-CN" b="0" i="1" smtClean="0">
+                            <a:latin typeface="Cambria Math" panose="02040503050406030204" pitchFamily="18" charset="0"/>
+                          </a:rPr>
+                        </m:ctrlPr>
+                      </m:sSubPr>
+                      <m:e>
+                        <m:r>
+                          <a:rPr lang="en-US" altLang="zh-CN" b="0" i="1" smtClean="0">
+                            <a:latin typeface="Cambria Math" panose="02040503050406030204" pitchFamily="18" charset="0"/>
+                          </a:rPr>
+                          <m:t>𝜉</m:t>
+                        </m:r>
+                      </m:e>
+                      <m:sub>
+                        <m:r>
+                          <a:rPr lang="en-US" altLang="zh-CN" b="0" i="1" smtClean="0">
+                            <a:latin typeface="Cambria Math" panose="02040503050406030204" pitchFamily="18" charset="0"/>
+                          </a:rPr>
+                          <m:t>2</m:t>
+                        </m:r>
+                      </m:sub>
+                    </m:sSub>
+                    <m:r>
+                      <a:rPr lang="en-US" altLang="zh-CN" b="0" i="1" smtClean="0">
+                        <a:latin typeface="Cambria Math" panose="02040503050406030204" pitchFamily="18" charset="0"/>
+                      </a:rPr>
+                      <m:t>,</m:t>
+                    </m:r>
+                    <m:sSub>
+                      <m:sSubPr>
+                        <m:ctrlPr>
+                          <a:rPr lang="en-US" altLang="zh-CN" b="0" i="1" smtClean="0">
+                            <a:latin typeface="Cambria Math" panose="02040503050406030204" pitchFamily="18" charset="0"/>
+                          </a:rPr>
+                        </m:ctrlPr>
+                      </m:sSubPr>
+                      <m:e>
+                        <m:r>
+                          <a:rPr lang="en-US" altLang="zh-CN" b="0" i="1" smtClean="0">
+                            <a:latin typeface="Cambria Math" panose="02040503050406030204" pitchFamily="18" charset="0"/>
+                          </a:rPr>
+                          <m:t>𝜉</m:t>
+                        </m:r>
+                      </m:e>
+                      <m:sub>
+                        <m:r>
+                          <a:rPr lang="en-US" altLang="zh-CN" b="0" i="1" smtClean="0">
+                            <a:latin typeface="Cambria Math" panose="02040503050406030204" pitchFamily="18" charset="0"/>
+                          </a:rPr>
+                          <m:t>3</m:t>
+                        </m:r>
+                      </m:sub>
+                    </m:sSub>
+                    <m:r>
+                      <a:rPr lang="en-US" altLang="zh-CN" b="0" i="1" smtClean="0">
+                        <a:latin typeface="Cambria Math" panose="02040503050406030204" pitchFamily="18" charset="0"/>
+                      </a:rPr>
+                      <m:t>)</m:t>
+                    </m:r>
+                    <m:r>
+                      <a:rPr lang="zh-CN" altLang="en-US" i="1">
+                        <a:latin typeface="Cambria Math" panose="02040503050406030204" pitchFamily="18" charset="0"/>
+                      </a:rPr>
+                      <m:t>是</m:t>
+                    </m:r>
+                    <m:r>
+                      <a:rPr lang="zh-CN" altLang="en-US" i="1" smtClean="0">
+                        <a:latin typeface="Cambria Math" panose="02040503050406030204" pitchFamily="18" charset="0"/>
+                      </a:rPr>
+                      <m:t>多项式</m:t>
+                    </m:r>
+                  </m:oMath>
+                </a14:m>
+                <a:r>
+                  <a:rPr lang="zh-CN" altLang="en-US" dirty="0"/>
+                  <a:t>函数</a:t>
+                </a:r>
+                <a:endParaRPr lang="en-US" altLang="zh-CN" dirty="0"/>
+              </a:p>
+              <a:p>
+                <a14:m>
+                  <m:oMath xmlns:m="http://schemas.openxmlformats.org/officeDocument/2006/math">
+                    <m:sSub>
+                      <m:sSubPr>
+                        <m:ctrlPr>
+                          <a:rPr lang="en-US" altLang="zh-CN" b="0" i="1" smtClean="0">
+                            <a:latin typeface="Cambria Math" panose="02040503050406030204" pitchFamily="18" charset="0"/>
+                          </a:rPr>
+                        </m:ctrlPr>
+                      </m:sSubPr>
+                      <m:e>
+                        <m:r>
+                          <a:rPr lang="en-US" altLang="zh-CN" b="0" i="1" smtClean="0">
+                            <a:latin typeface="Cambria Math" panose="02040503050406030204" pitchFamily="18" charset="0"/>
+                          </a:rPr>
+                          <m:t>𝜉</m:t>
+                        </m:r>
+                      </m:e>
+                      <m:sub>
+                        <m:r>
+                          <a:rPr lang="en-US" altLang="zh-CN" b="0" i="1" smtClean="0">
+                            <a:latin typeface="Cambria Math" panose="02040503050406030204" pitchFamily="18" charset="0"/>
+                          </a:rPr>
+                          <m:t>𝑖</m:t>
+                        </m:r>
+                      </m:sub>
+                    </m:sSub>
+                  </m:oMath>
+                </a14:m>
+                <a:r>
+                  <a:rPr lang="zh-CN" altLang="en-US" dirty="0"/>
+                  <a:t>是此前的旋转</a:t>
+                </a:r>
+                <a:r>
+                  <a:rPr lang="en-US" altLang="zh-CN" dirty="0"/>
+                  <a:t>+</a:t>
+                </a:r>
+                <a:r>
+                  <a:rPr lang="zh-CN" altLang="en-US" dirty="0"/>
+                  <a:t>缩放的局部坐标，与</a:t>
+                </a:r>
+                <a14:m>
+                  <m:oMath xmlns:m="http://schemas.openxmlformats.org/officeDocument/2006/math">
+                    <m:sSub>
+                      <m:sSubPr>
+                        <m:ctrlPr>
+                          <a:rPr lang="en-US" altLang="zh-CN" b="0" i="1" smtClean="0">
+                            <a:latin typeface="Cambria Math" panose="02040503050406030204" pitchFamily="18" charset="0"/>
+                          </a:rPr>
+                        </m:ctrlPr>
+                      </m:sSubPr>
+                      <m:e>
+                        <m:r>
+                          <a:rPr lang="en-US" altLang="zh-CN" b="0" i="1" smtClean="0">
+                            <a:latin typeface="Cambria Math" panose="02040503050406030204" pitchFamily="18" charset="0"/>
+                          </a:rPr>
+                          <m:t>𝑥</m:t>
+                        </m:r>
+                      </m:e>
+                      <m:sub>
+                        <m:r>
+                          <a:rPr lang="en-US" altLang="zh-CN" b="0" i="1" smtClean="0">
+                            <a:latin typeface="Cambria Math" panose="02040503050406030204" pitchFamily="18" charset="0"/>
+                          </a:rPr>
+                          <m:t>𝑖</m:t>
+                        </m:r>
+                      </m:sub>
+                    </m:sSub>
+                  </m:oMath>
+                </a14:m>
+                <a:r>
+                  <a:rPr lang="zh-CN" altLang="en-US" dirty="0"/>
+                  <a:t>成线性保角变换</a:t>
+                </a:r>
+                <a:endParaRPr lang="en-US" altLang="zh-CN" dirty="0"/>
+              </a:p>
+              <a:p>
+                <a:r>
+                  <a:rPr lang="zh-CN" altLang="en-US" dirty="0"/>
+                  <a:t>多项式的选取，也应是一个保角变换（</a:t>
+                </a:r>
+                <a:r>
+                  <a:rPr lang="en-US" altLang="zh-CN" dirty="0"/>
+                  <a:t> </a:t>
+                </a:r>
+                <a14:m>
+                  <m:oMath xmlns:m="http://schemas.openxmlformats.org/officeDocument/2006/math">
+                    <m:sSub>
+                      <m:sSubPr>
+                        <m:ctrlPr>
+                          <a:rPr lang="en-US" altLang="zh-CN" i="1">
+                            <a:latin typeface="Cambria Math" panose="02040503050406030204" pitchFamily="18" charset="0"/>
+                          </a:rPr>
+                        </m:ctrlPr>
+                      </m:sSubPr>
+                      <m:e>
+                        <m:r>
+                          <a:rPr lang="en-US" altLang="zh-CN" i="1">
+                            <a:latin typeface="Cambria Math" panose="02040503050406030204" pitchFamily="18" charset="0"/>
+                          </a:rPr>
+                          <m:t>𝜁</m:t>
+                        </m:r>
+                      </m:e>
+                      <m:sub>
+                        <m:r>
+                          <a:rPr lang="en-US" altLang="zh-CN" i="1">
+                            <a:latin typeface="Cambria Math" panose="02040503050406030204" pitchFamily="18" charset="0"/>
+                          </a:rPr>
+                          <m:t>𝑖</m:t>
+                        </m:r>
+                      </m:sub>
+                    </m:sSub>
+                  </m:oMath>
+                </a14:m>
+                <a:r>
+                  <a:rPr lang="zh-CN" altLang="en-US" dirty="0"/>
+                  <a:t>基函数的一阶导正交）</a:t>
+                </a:r>
+                <a:endParaRPr lang="en-US" altLang="zh-CN" dirty="0"/>
+              </a:p>
+              <a:p>
+                <a:endParaRPr lang="en-US" altLang="zh-CN" dirty="0"/>
+              </a:p>
+              <a:p>
+                <a:pPr lvl="1"/>
+                <a:endParaRPr lang="en-US" altLang="zh-CN" dirty="0"/>
+              </a:p>
+              <a:p>
+                <a:endParaRPr lang="zh-CN" altLang="en-US" dirty="0"/>
+              </a:p>
+            </p:txBody>
+          </p:sp>
+        </mc:Choice>
+        <mc:Fallback>
+          <p:sp>
+            <p:nvSpPr>
+              <p:cNvPr id="3" name="内容占位符 2">
+                <a:extLst>
+                  <a:ext uri="{FF2B5EF4-FFF2-40B4-BE49-F238E27FC236}">
+                    <a16:creationId xmlns:a16="http://schemas.microsoft.com/office/drawing/2014/main" id="{2E20B3E3-8C0D-4E31-820E-4A4272C84561}"/>
+                  </a:ext>
+                </a:extLst>
+              </p:cNvPr>
+              <p:cNvSpPr>
+                <a:spLocks noGrp="1" noRot="1" noChangeAspect="1" noMove="1" noResize="1" noEditPoints="1" noAdjustHandles="1" noChangeArrowheads="1" noChangeShapeType="1" noTextEdit="1"/>
+              </p:cNvSpPr>
+              <p:nvPr>
+                <p:ph idx="1"/>
+              </p:nvPr>
+            </p:nvSpPr>
+            <p:spPr>
+              <a:blipFill>
+                <a:blip r:embed="rId2"/>
+                <a:stretch>
+                  <a:fillRect l="-1043"/>
+                </a:stretch>
+              </a:blipFill>
+            </p:spPr>
+            <p:txBody>
+              <a:bodyPr/>
+              <a:lstStyle/>
+              <a:p>
+                <a:r>
+                  <a:rPr lang="zh-CN" altLang="en-US">
+                    <a:noFill/>
+                  </a:rPr>
+                  <a:t> </a:t>
+                </a:r>
+              </a:p>
+            </p:txBody>
+          </p:sp>
+        </mc:Fallback>
+      </mc:AlternateContent>
+    </p:spTree>
+    <p:extLst>
+      <p:ext uri="{BB962C8B-B14F-4D97-AF65-F5344CB8AC3E}">
+        <p14:creationId xmlns:p14="http://schemas.microsoft.com/office/powerpoint/2010/main" val="4044957944"/>
+      </p:ext>
+    </p:extLst>
+  </p:cSld>
+  <p:clrMapOvr>
+    <a:masterClrMapping/>
+  </p:clrMapOvr>
+</p:sld>
+</file>
+
+<file path=ppt/slides/slide12.xml><?xml version="1.0" encoding="utf-8"?>
+<p:sld xmlns:a="http://schemas.openxmlformats.org/drawingml/2006/main" xmlns:r="http://schemas.openxmlformats.org/officeDocument/2006/relationships" xmlns:p="http://schemas.openxmlformats.org/presentationml/2006/main">
+  <p:cSld>
+    <p:spTree>
+      <p:nvGrpSpPr>
+        <p:cNvPr id="1" name=""/>
+        <p:cNvGrpSpPr/>
+        <p:nvPr/>
+      </p:nvGrpSpPr>
+      <p:grpSpPr>
+        <a:xfrm>
+          <a:off x="0" y="0"/>
+          <a:ext cx="0" cy="0"/>
+          <a:chOff x="0" y="0"/>
+          <a:chExt cx="0" cy="0"/>
+        </a:xfrm>
+      </p:grpSpPr>
+      <p:sp>
+        <p:nvSpPr>
+          <p:cNvPr id="2" name="标题 1">
+            <a:extLst>
+              <a:ext uri="{FF2B5EF4-FFF2-40B4-BE49-F238E27FC236}">
+                <a16:creationId xmlns:a16="http://schemas.microsoft.com/office/drawing/2014/main" id="{B214CF42-B6CB-4B50-ADF9-E326C7ED63A1}"/>
+              </a:ext>
+            </a:extLst>
+          </p:cNvPr>
+          <p:cNvSpPr>
+            <a:spLocks noGrp="1"/>
+          </p:cNvSpPr>
+          <p:nvPr>
+            <p:ph type="title"/>
+          </p:nvPr>
+        </p:nvSpPr>
+        <p:spPr/>
+        <p:txBody>
+          <a:bodyPr/>
+          <a:lstStyle/>
+          <a:p>
+            <a:r>
+              <a:rPr lang="zh-CN" altLang="en-US" dirty="0"/>
+              <a:t>曲线坐标显式估测</a:t>
+            </a:r>
+          </a:p>
+        </p:txBody>
+      </p:sp>
+      <mc:AlternateContent xmlns:mc="http://schemas.openxmlformats.org/markup-compatibility/2006">
+        <mc:Choice xmlns:a14="http://schemas.microsoft.com/office/drawing/2010/main" Requires="a14">
+          <p:sp>
+            <p:nvSpPr>
+              <p:cNvPr id="3" name="内容占位符 2">
+                <a:extLst>
+                  <a:ext uri="{FF2B5EF4-FFF2-40B4-BE49-F238E27FC236}">
+                    <a16:creationId xmlns:a16="http://schemas.microsoft.com/office/drawing/2014/main" id="{2E20B3E3-8C0D-4E31-820E-4A4272C84561}"/>
+                  </a:ext>
+                </a:extLst>
+              </p:cNvPr>
+              <p:cNvSpPr>
+                <a:spLocks noGrp="1"/>
+              </p:cNvSpPr>
+              <p:nvPr>
+                <p:ph idx="1"/>
+              </p:nvPr>
+            </p:nvSpPr>
+            <p:spPr>
+              <a:xfrm>
+                <a:off x="838200" y="1512473"/>
+                <a:ext cx="10515600" cy="4769329"/>
+              </a:xfrm>
+            </p:spPr>
+            <p:txBody>
+              <a:bodyPr>
+                <a:normAutofit/>
+              </a:bodyPr>
+              <a:lstStyle/>
+              <a:p>
+                <a:pPr marL="0" indent="0">
+                  <a:buNone/>
+                </a:pPr>
+                <a:endParaRPr lang="en-US" altLang="zh-CN" dirty="0"/>
+              </a:p>
+              <a:p>
+                <a:r>
+                  <a:rPr lang="zh-CN" altLang="en-US" dirty="0"/>
+                  <a:t>考虑笛卡尔分量形式的完全多项式：（常数基不取）</a:t>
+                </a:r>
+                <a:endParaRPr lang="en-US" altLang="zh-CN" dirty="0"/>
+              </a:p>
+              <a:p>
+                <a14:m>
+                  <m:oMath xmlns:m="http://schemas.openxmlformats.org/officeDocument/2006/math">
+                    <m:sSub>
+                      <m:sSubPr>
+                        <m:ctrlPr>
+                          <a:rPr lang="en-US" altLang="zh-CN" b="0" i="1" smtClean="0">
+                            <a:latin typeface="Cambria Math" panose="02040503050406030204" pitchFamily="18" charset="0"/>
+                          </a:rPr>
+                        </m:ctrlPr>
+                      </m:sSubPr>
+                      <m:e>
+                        <m:r>
+                          <a:rPr lang="en-US" altLang="zh-CN" b="0" i="1" smtClean="0">
+                            <a:latin typeface="Cambria Math" panose="02040503050406030204" pitchFamily="18" charset="0"/>
+                          </a:rPr>
+                          <m:t>𝜁</m:t>
+                        </m:r>
+                      </m:e>
+                      <m:sub>
+                        <m:r>
+                          <a:rPr lang="en-US" altLang="zh-CN" b="0" i="1" smtClean="0">
+                            <a:latin typeface="Cambria Math" panose="02040503050406030204" pitchFamily="18" charset="0"/>
+                          </a:rPr>
+                          <m:t>1</m:t>
+                        </m:r>
+                      </m:sub>
+                    </m:sSub>
+                    <m:r>
+                      <a:rPr lang="en-US" altLang="zh-CN" b="0" i="1" smtClean="0">
+                        <a:latin typeface="Cambria Math" panose="02040503050406030204" pitchFamily="18" charset="0"/>
+                      </a:rPr>
+                      <m:t>=</m:t>
+                    </m:r>
+                    <m:sPre>
+                      <m:sPrePr>
+                        <m:ctrlPr>
+                          <a:rPr lang="en-US" altLang="zh-CN" b="0" i="1" smtClean="0">
+                            <a:latin typeface="Cambria Math" panose="02040503050406030204" pitchFamily="18" charset="0"/>
+                          </a:rPr>
+                        </m:ctrlPr>
+                      </m:sPrePr>
+                      <m:sub>
+                        <m:r>
+                          <a:rPr lang="en-US" altLang="zh-CN" b="0" i="1" smtClean="0">
+                            <a:latin typeface="Cambria Math" panose="02040503050406030204" pitchFamily="18" charset="0"/>
+                          </a:rPr>
+                          <m:t> </m:t>
+                        </m:r>
+                      </m:sub>
+                      <m:sup>
+                        <m:r>
+                          <a:rPr lang="en-US" altLang="zh-CN" b="0" i="1" smtClean="0">
+                            <a:latin typeface="Cambria Math" panose="02040503050406030204" pitchFamily="18" charset="0"/>
+                          </a:rPr>
+                          <m:t>1</m:t>
+                        </m:r>
+                      </m:sup>
+                      <m:e>
+                        <m:sSubSup>
+                          <m:sSubSupPr>
+                            <m:ctrlPr>
+                              <a:rPr lang="en-US" altLang="zh-CN" i="1">
+                                <a:latin typeface="Cambria Math" panose="02040503050406030204" pitchFamily="18" charset="0"/>
+                              </a:rPr>
+                            </m:ctrlPr>
+                          </m:sSubSupPr>
+                          <m:e>
+                            <m:r>
+                              <a:rPr lang="en-US" altLang="zh-CN" i="1">
+                                <a:latin typeface="Cambria Math" panose="02040503050406030204" pitchFamily="18" charset="0"/>
+                              </a:rPr>
+                              <m:t>𝑎</m:t>
+                            </m:r>
+                          </m:e>
+                          <m:sub>
+                            <m:r>
+                              <a:rPr lang="en-US" altLang="zh-CN" i="1">
+                                <a:latin typeface="Cambria Math" panose="02040503050406030204" pitchFamily="18" charset="0"/>
+                              </a:rPr>
+                              <m:t>𝑖</m:t>
+                            </m:r>
+                          </m:sub>
+                          <m:sup>
+                            <m:r>
+                              <a:rPr lang="en-US" altLang="zh-CN" i="1">
+                                <a:latin typeface="Cambria Math" panose="02040503050406030204" pitchFamily="18" charset="0"/>
+                              </a:rPr>
+                              <m:t> </m:t>
+                            </m:r>
+                          </m:sup>
+                        </m:sSubSup>
+                      </m:e>
+                    </m:sPre>
+                    <m:sSub>
+                      <m:sSubPr>
+                        <m:ctrlPr>
+                          <a:rPr lang="en-US" altLang="zh-CN" b="0" i="1" smtClean="0">
+                            <a:latin typeface="Cambria Math" panose="02040503050406030204" pitchFamily="18" charset="0"/>
+                          </a:rPr>
+                        </m:ctrlPr>
+                      </m:sSubPr>
+                      <m:e>
+                        <m:r>
+                          <a:rPr lang="en-US" altLang="zh-CN" b="0" i="1" smtClean="0">
+                            <a:latin typeface="Cambria Math" panose="02040503050406030204" pitchFamily="18" charset="0"/>
+                          </a:rPr>
+                          <m:t>𝜉</m:t>
+                        </m:r>
+                      </m:e>
+                      <m:sub>
+                        <m:r>
+                          <a:rPr lang="en-US" altLang="zh-CN" b="0" i="1" smtClean="0">
+                            <a:latin typeface="Cambria Math" panose="02040503050406030204" pitchFamily="18" charset="0"/>
+                          </a:rPr>
+                          <m:t>𝑖</m:t>
+                        </m:r>
+                      </m:sub>
+                    </m:sSub>
+                    <m:r>
+                      <a:rPr lang="en-US" altLang="zh-CN" b="0" i="1" smtClean="0">
+                        <a:latin typeface="Cambria Math" panose="02040503050406030204" pitchFamily="18" charset="0"/>
+                      </a:rPr>
+                      <m:t>+</m:t>
+                    </m:r>
+                    <m:sPre>
+                      <m:sPrePr>
+                        <m:ctrlPr>
+                          <a:rPr lang="en-US" altLang="zh-CN" i="1">
+                            <a:latin typeface="Cambria Math" panose="02040503050406030204" pitchFamily="18" charset="0"/>
+                          </a:rPr>
+                        </m:ctrlPr>
+                      </m:sPrePr>
+                      <m:sub>
+                        <m:r>
+                          <a:rPr lang="en-US" altLang="zh-CN" i="1">
+                            <a:latin typeface="Cambria Math" panose="02040503050406030204" pitchFamily="18" charset="0"/>
+                          </a:rPr>
+                          <m:t> </m:t>
+                        </m:r>
+                      </m:sub>
+                      <m:sup>
+                        <m:r>
+                          <a:rPr lang="en-US" altLang="zh-CN" b="0" i="1" smtClean="0">
+                            <a:latin typeface="Cambria Math" panose="02040503050406030204" pitchFamily="18" charset="0"/>
+                          </a:rPr>
+                          <m:t>2</m:t>
+                        </m:r>
+                      </m:sup>
+                      <m:e>
+                        <m:sSubSup>
+                          <m:sSubSupPr>
+                            <m:ctrlPr>
+                              <a:rPr lang="en-US" altLang="zh-CN" i="1">
+                                <a:latin typeface="Cambria Math" panose="02040503050406030204" pitchFamily="18" charset="0"/>
+                              </a:rPr>
+                            </m:ctrlPr>
+                          </m:sSubSupPr>
+                          <m:e>
+                            <m:r>
+                              <a:rPr lang="en-US" altLang="zh-CN" i="1">
+                                <a:latin typeface="Cambria Math" panose="02040503050406030204" pitchFamily="18" charset="0"/>
+                              </a:rPr>
+                              <m:t>𝑎</m:t>
+                            </m:r>
+                          </m:e>
+                          <m:sub>
+                            <m:r>
+                              <a:rPr lang="en-US" altLang="zh-CN" i="1">
+                                <a:latin typeface="Cambria Math" panose="02040503050406030204" pitchFamily="18" charset="0"/>
+                              </a:rPr>
+                              <m:t>𝑖</m:t>
+                            </m:r>
+                            <m:r>
+                              <a:rPr lang="en-US" altLang="zh-CN" b="0" i="1" smtClean="0">
+                                <a:latin typeface="Cambria Math" panose="02040503050406030204" pitchFamily="18" charset="0"/>
+                              </a:rPr>
+                              <m:t>𝑗</m:t>
+                            </m:r>
+                          </m:sub>
+                          <m:sup>
+                            <m:r>
+                              <a:rPr lang="en-US" altLang="zh-CN" i="1">
+                                <a:latin typeface="Cambria Math" panose="02040503050406030204" pitchFamily="18" charset="0"/>
+                              </a:rPr>
+                              <m:t> </m:t>
+                            </m:r>
+                          </m:sup>
+                        </m:sSubSup>
+                      </m:e>
+                    </m:sPre>
+                    <m:sSub>
+                      <m:sSubPr>
+                        <m:ctrlPr>
+                          <a:rPr lang="en-US" altLang="zh-CN" b="0" i="1" smtClean="0">
+                            <a:latin typeface="Cambria Math" panose="02040503050406030204" pitchFamily="18" charset="0"/>
+                          </a:rPr>
+                        </m:ctrlPr>
+                      </m:sSubPr>
+                      <m:e>
+                        <m:r>
+                          <a:rPr lang="en-US" altLang="zh-CN" b="0" i="1" smtClean="0">
+                            <a:latin typeface="Cambria Math" panose="02040503050406030204" pitchFamily="18" charset="0"/>
+                          </a:rPr>
+                          <m:t>𝜉</m:t>
+                        </m:r>
+                      </m:e>
+                      <m:sub>
+                        <m:r>
+                          <a:rPr lang="en-US" altLang="zh-CN" b="0" i="1" smtClean="0">
+                            <a:latin typeface="Cambria Math" panose="02040503050406030204" pitchFamily="18" charset="0"/>
+                          </a:rPr>
+                          <m:t>𝑖</m:t>
+                        </m:r>
+                      </m:sub>
+                    </m:sSub>
+                    <m:sSub>
+                      <m:sSubPr>
+                        <m:ctrlPr>
+                          <a:rPr lang="en-US" altLang="zh-CN" b="0" i="1" smtClean="0">
+                            <a:latin typeface="Cambria Math" panose="02040503050406030204" pitchFamily="18" charset="0"/>
+                          </a:rPr>
+                        </m:ctrlPr>
+                      </m:sSubPr>
+                      <m:e>
+                        <m:r>
+                          <a:rPr lang="en-US" altLang="zh-CN" b="0" i="1" smtClean="0">
+                            <a:latin typeface="Cambria Math" panose="02040503050406030204" pitchFamily="18" charset="0"/>
+                          </a:rPr>
+                          <m:t>𝜉</m:t>
+                        </m:r>
+                      </m:e>
+                      <m:sub>
+                        <m:r>
+                          <a:rPr lang="en-US" altLang="zh-CN" b="0" i="1" smtClean="0">
+                            <a:latin typeface="Cambria Math" panose="02040503050406030204" pitchFamily="18" charset="0"/>
+                          </a:rPr>
+                          <m:t>𝑗</m:t>
+                        </m:r>
+                      </m:sub>
+                    </m:sSub>
+                    <m:r>
+                      <a:rPr lang="en-US" altLang="zh-CN" b="0" i="1" smtClean="0">
+                        <a:latin typeface="Cambria Math" panose="02040503050406030204" pitchFamily="18" charset="0"/>
+                      </a:rPr>
+                      <m:t>+</m:t>
+                    </m:r>
+                    <m:sPre>
+                      <m:sPrePr>
+                        <m:ctrlPr>
+                          <a:rPr lang="en-US" altLang="zh-CN" i="1">
+                            <a:latin typeface="Cambria Math" panose="02040503050406030204" pitchFamily="18" charset="0"/>
+                          </a:rPr>
+                        </m:ctrlPr>
+                      </m:sPrePr>
+                      <m:sub>
+                        <m:r>
+                          <a:rPr lang="en-US" altLang="zh-CN" i="1">
+                            <a:latin typeface="Cambria Math" panose="02040503050406030204" pitchFamily="18" charset="0"/>
+                          </a:rPr>
+                          <m:t> </m:t>
+                        </m:r>
+                      </m:sub>
+                      <m:sup>
+                        <m:r>
+                          <a:rPr lang="en-US" altLang="zh-CN" b="0" i="1" smtClean="0">
+                            <a:latin typeface="Cambria Math" panose="02040503050406030204" pitchFamily="18" charset="0"/>
+                          </a:rPr>
+                          <m:t>3</m:t>
+                        </m:r>
+                      </m:sup>
+                      <m:e>
+                        <m:sSubSup>
+                          <m:sSubSupPr>
+                            <m:ctrlPr>
+                              <a:rPr lang="en-US" altLang="zh-CN" i="1">
+                                <a:latin typeface="Cambria Math" panose="02040503050406030204" pitchFamily="18" charset="0"/>
+                              </a:rPr>
+                            </m:ctrlPr>
+                          </m:sSubSupPr>
+                          <m:e>
+                            <m:r>
+                              <a:rPr lang="en-US" altLang="zh-CN" i="1">
+                                <a:latin typeface="Cambria Math" panose="02040503050406030204" pitchFamily="18" charset="0"/>
+                              </a:rPr>
+                              <m:t>𝑎</m:t>
+                            </m:r>
+                          </m:e>
+                          <m:sub>
+                            <m:r>
+                              <a:rPr lang="en-US" altLang="zh-CN" i="1">
+                                <a:latin typeface="Cambria Math" panose="02040503050406030204" pitchFamily="18" charset="0"/>
+                              </a:rPr>
+                              <m:t>𝑖</m:t>
+                            </m:r>
+                            <m:r>
+                              <a:rPr lang="en-US" altLang="zh-CN" b="0" i="1" smtClean="0">
+                                <a:latin typeface="Cambria Math" panose="02040503050406030204" pitchFamily="18" charset="0"/>
+                              </a:rPr>
+                              <m:t>𝑗𝑘</m:t>
+                            </m:r>
+                          </m:sub>
+                          <m:sup>
+                            <m:r>
+                              <a:rPr lang="en-US" altLang="zh-CN" i="1">
+                                <a:latin typeface="Cambria Math" panose="02040503050406030204" pitchFamily="18" charset="0"/>
+                              </a:rPr>
+                              <m:t> </m:t>
+                            </m:r>
+                          </m:sup>
+                        </m:sSubSup>
+                      </m:e>
+                    </m:sPre>
+                    <m:sSub>
+                      <m:sSubPr>
+                        <m:ctrlPr>
+                          <a:rPr lang="en-US" altLang="zh-CN" b="0" i="1" smtClean="0">
+                            <a:latin typeface="Cambria Math" panose="02040503050406030204" pitchFamily="18" charset="0"/>
+                          </a:rPr>
+                        </m:ctrlPr>
+                      </m:sSubPr>
+                      <m:e>
+                        <m:r>
+                          <a:rPr lang="en-US" altLang="zh-CN" b="0" i="1" smtClean="0">
+                            <a:latin typeface="Cambria Math" panose="02040503050406030204" pitchFamily="18" charset="0"/>
+                          </a:rPr>
+                          <m:t>𝜉</m:t>
+                        </m:r>
+                      </m:e>
+                      <m:sub>
+                        <m:r>
+                          <a:rPr lang="en-US" altLang="zh-CN" b="0" i="1" smtClean="0">
+                            <a:latin typeface="Cambria Math" panose="02040503050406030204" pitchFamily="18" charset="0"/>
+                          </a:rPr>
+                          <m:t>𝑖</m:t>
+                        </m:r>
+                      </m:sub>
+                    </m:sSub>
+                    <m:sSub>
+                      <m:sSubPr>
+                        <m:ctrlPr>
+                          <a:rPr lang="en-US" altLang="zh-CN" b="0" i="1" smtClean="0">
+                            <a:latin typeface="Cambria Math" panose="02040503050406030204" pitchFamily="18" charset="0"/>
+                          </a:rPr>
+                        </m:ctrlPr>
+                      </m:sSubPr>
+                      <m:e>
+                        <m:r>
+                          <a:rPr lang="en-US" altLang="zh-CN" b="0" i="1" smtClean="0">
+                            <a:latin typeface="Cambria Math" panose="02040503050406030204" pitchFamily="18" charset="0"/>
+                          </a:rPr>
+                          <m:t>𝜉</m:t>
+                        </m:r>
+                      </m:e>
+                      <m:sub>
+                        <m:r>
+                          <a:rPr lang="en-US" altLang="zh-CN" b="0" i="1" smtClean="0">
+                            <a:latin typeface="Cambria Math" panose="02040503050406030204" pitchFamily="18" charset="0"/>
+                          </a:rPr>
+                          <m:t>𝑗</m:t>
+                        </m:r>
+                      </m:sub>
+                    </m:sSub>
+                    <m:sSub>
+                      <m:sSubPr>
+                        <m:ctrlPr>
+                          <a:rPr lang="en-US" altLang="zh-CN" b="0" i="1" smtClean="0">
+                            <a:latin typeface="Cambria Math" panose="02040503050406030204" pitchFamily="18" charset="0"/>
+                          </a:rPr>
+                        </m:ctrlPr>
+                      </m:sSubPr>
+                      <m:e>
+                        <m:r>
+                          <a:rPr lang="en-US" altLang="zh-CN" b="0" i="1" smtClean="0">
+                            <a:latin typeface="Cambria Math" panose="02040503050406030204" pitchFamily="18" charset="0"/>
+                          </a:rPr>
+                          <m:t>𝜉</m:t>
+                        </m:r>
+                      </m:e>
+                      <m:sub>
+                        <m:r>
+                          <a:rPr lang="en-US" altLang="zh-CN" b="0" i="1" smtClean="0">
+                            <a:latin typeface="Cambria Math" panose="02040503050406030204" pitchFamily="18" charset="0"/>
+                          </a:rPr>
+                          <m:t>𝑘</m:t>
+                        </m:r>
+                      </m:sub>
+                    </m:sSub>
+                  </m:oMath>
+                </a14:m>
+                <a:endParaRPr lang="en-US" altLang="zh-CN" dirty="0"/>
+              </a:p>
+              <a:p>
+                <a:r>
+                  <a:rPr lang="zh-CN" altLang="en-US" dirty="0"/>
+                  <a:t>其中</a:t>
+                </a:r>
+                <a14:m>
+                  <m:oMath xmlns:m="http://schemas.openxmlformats.org/officeDocument/2006/math">
+                    <m:sPre>
+                      <m:sPrePr>
+                        <m:ctrlPr>
+                          <a:rPr lang="en-US" altLang="zh-CN" i="1">
+                            <a:latin typeface="Cambria Math" panose="02040503050406030204" pitchFamily="18" charset="0"/>
+                          </a:rPr>
+                        </m:ctrlPr>
+                      </m:sPrePr>
+                      <m:sub>
+                        <m:r>
+                          <a:rPr lang="en-US" altLang="zh-CN" i="1">
+                            <a:latin typeface="Cambria Math" panose="02040503050406030204" pitchFamily="18" charset="0"/>
+                          </a:rPr>
+                          <m:t> </m:t>
+                        </m:r>
+                      </m:sub>
+                      <m:sup>
+                        <m:r>
+                          <a:rPr lang="en-US" altLang="zh-CN" i="1">
+                            <a:latin typeface="Cambria Math" panose="02040503050406030204" pitchFamily="18" charset="0"/>
+                          </a:rPr>
+                          <m:t>1</m:t>
+                        </m:r>
+                      </m:sup>
+                      <m:e>
+                        <m:sSubSup>
+                          <m:sSubSupPr>
+                            <m:ctrlPr>
+                              <a:rPr lang="en-US" altLang="zh-CN" i="1">
+                                <a:latin typeface="Cambria Math" panose="02040503050406030204" pitchFamily="18" charset="0"/>
+                              </a:rPr>
+                            </m:ctrlPr>
+                          </m:sSubSupPr>
+                          <m:e>
+                            <m:r>
+                              <a:rPr lang="en-US" altLang="zh-CN" i="1">
+                                <a:latin typeface="Cambria Math" panose="02040503050406030204" pitchFamily="18" charset="0"/>
+                              </a:rPr>
+                              <m:t>𝑎</m:t>
+                            </m:r>
+                          </m:e>
+                          <m:sub>
+                            <m:r>
+                              <a:rPr lang="en-US" altLang="zh-CN" b="0" i="1" smtClean="0">
+                                <a:latin typeface="Cambria Math" panose="02040503050406030204" pitchFamily="18" charset="0"/>
+                              </a:rPr>
+                              <m:t> </m:t>
+                            </m:r>
+                          </m:sub>
+                          <m:sup>
+                            <m:r>
+                              <a:rPr lang="en-US" altLang="zh-CN" i="1">
+                                <a:latin typeface="Cambria Math" panose="02040503050406030204" pitchFamily="18" charset="0"/>
+                              </a:rPr>
+                              <m:t> </m:t>
+                            </m:r>
+                          </m:sup>
+                        </m:sSubSup>
+                      </m:e>
+                    </m:sPre>
+                    <m:r>
+                      <a:rPr lang="en-US" altLang="zh-CN" b="0" i="1" smtClean="0">
+                        <a:latin typeface="Cambria Math" panose="02040503050406030204" pitchFamily="18" charset="0"/>
+                      </a:rPr>
+                      <m:t>,</m:t>
+                    </m:r>
+                    <m:sPre>
+                      <m:sPrePr>
+                        <m:ctrlPr>
+                          <a:rPr lang="en-US" altLang="zh-CN" i="1">
+                            <a:latin typeface="Cambria Math" panose="02040503050406030204" pitchFamily="18" charset="0"/>
+                          </a:rPr>
+                        </m:ctrlPr>
+                      </m:sPrePr>
+                      <m:sub>
+                        <m:r>
+                          <a:rPr lang="en-US" altLang="zh-CN" i="1">
+                            <a:latin typeface="Cambria Math" panose="02040503050406030204" pitchFamily="18" charset="0"/>
+                          </a:rPr>
+                          <m:t> </m:t>
+                        </m:r>
+                      </m:sub>
+                      <m:sup>
+                        <m:r>
+                          <a:rPr lang="en-US" altLang="zh-CN" b="0" i="1" smtClean="0">
+                            <a:latin typeface="Cambria Math" panose="02040503050406030204" pitchFamily="18" charset="0"/>
+                          </a:rPr>
+                          <m:t>2</m:t>
+                        </m:r>
+                      </m:sup>
+                      <m:e>
+                        <m:sSubSup>
+                          <m:sSubSupPr>
+                            <m:ctrlPr>
+                              <a:rPr lang="en-US" altLang="zh-CN" i="1">
+                                <a:latin typeface="Cambria Math" panose="02040503050406030204" pitchFamily="18" charset="0"/>
+                              </a:rPr>
+                            </m:ctrlPr>
+                          </m:sSubSupPr>
+                          <m:e>
+                            <m:r>
+                              <a:rPr lang="en-US" altLang="zh-CN" i="1">
+                                <a:latin typeface="Cambria Math" panose="02040503050406030204" pitchFamily="18" charset="0"/>
+                              </a:rPr>
+                              <m:t>𝑎</m:t>
+                            </m:r>
+                          </m:e>
+                          <m:sub>
+                            <m:r>
+                              <a:rPr lang="en-US" altLang="zh-CN" b="0" i="1" smtClean="0">
+                                <a:latin typeface="Cambria Math" panose="02040503050406030204" pitchFamily="18" charset="0"/>
+                              </a:rPr>
+                              <m:t> </m:t>
+                            </m:r>
+                          </m:sub>
+                          <m:sup>
+                            <m:r>
+                              <a:rPr lang="en-US" altLang="zh-CN" i="1">
+                                <a:latin typeface="Cambria Math" panose="02040503050406030204" pitchFamily="18" charset="0"/>
+                              </a:rPr>
+                              <m:t> </m:t>
+                            </m:r>
+                          </m:sup>
+                        </m:sSubSup>
+                      </m:e>
+                    </m:sPre>
+                    <m:r>
+                      <a:rPr lang="en-US" altLang="zh-CN" b="0" i="1" smtClean="0">
+                        <a:latin typeface="Cambria Math" panose="02040503050406030204" pitchFamily="18" charset="0"/>
+                      </a:rPr>
+                      <m:t>,</m:t>
+                    </m:r>
+                    <m:sPre>
+                      <m:sPrePr>
+                        <m:ctrlPr>
+                          <a:rPr lang="en-US" altLang="zh-CN" i="1">
+                            <a:latin typeface="Cambria Math" panose="02040503050406030204" pitchFamily="18" charset="0"/>
+                          </a:rPr>
+                        </m:ctrlPr>
+                      </m:sPrePr>
+                      <m:sub>
+                        <m:r>
+                          <a:rPr lang="en-US" altLang="zh-CN" i="1">
+                            <a:latin typeface="Cambria Math" panose="02040503050406030204" pitchFamily="18" charset="0"/>
+                          </a:rPr>
+                          <m:t> </m:t>
+                        </m:r>
+                      </m:sub>
+                      <m:sup>
+                        <m:r>
+                          <a:rPr lang="en-US" altLang="zh-CN" b="0" i="1" smtClean="0">
+                            <a:latin typeface="Cambria Math" panose="02040503050406030204" pitchFamily="18" charset="0"/>
+                          </a:rPr>
+                          <m:t>3</m:t>
+                        </m:r>
+                      </m:sup>
+                      <m:e>
+                        <m:sSubSup>
+                          <m:sSubSupPr>
+                            <m:ctrlPr>
+                              <a:rPr lang="en-US" altLang="zh-CN" i="1">
+                                <a:latin typeface="Cambria Math" panose="02040503050406030204" pitchFamily="18" charset="0"/>
+                              </a:rPr>
+                            </m:ctrlPr>
+                          </m:sSubSupPr>
+                          <m:e>
+                            <m:r>
+                              <a:rPr lang="en-US" altLang="zh-CN" i="1">
+                                <a:latin typeface="Cambria Math" panose="02040503050406030204" pitchFamily="18" charset="0"/>
+                              </a:rPr>
+                              <m:t>𝑎</m:t>
+                            </m:r>
+                          </m:e>
+                          <m:sub>
+                            <m:r>
+                              <a:rPr lang="en-US" altLang="zh-CN" b="0" i="1" smtClean="0">
+                                <a:latin typeface="Cambria Math" panose="02040503050406030204" pitchFamily="18" charset="0"/>
+                              </a:rPr>
+                              <m:t> </m:t>
+                            </m:r>
+                          </m:sub>
+                          <m:sup>
+                            <m:r>
+                              <a:rPr lang="en-US" altLang="zh-CN" i="1">
+                                <a:latin typeface="Cambria Math" panose="02040503050406030204" pitchFamily="18" charset="0"/>
+                              </a:rPr>
+                              <m:t> </m:t>
+                            </m:r>
+                          </m:sup>
+                        </m:sSubSup>
+                      </m:e>
+                    </m:sPre>
+                  </m:oMath>
+                </a14:m>
+                <a:r>
+                  <a:rPr lang="zh-CN" altLang="en-US" dirty="0"/>
+                  <a:t>都是任意张量，则一阶导</a:t>
+                </a:r>
+                <a:endParaRPr lang="en-US" altLang="zh-CN" dirty="0"/>
+              </a:p>
+              <a:p>
+                <a14:m>
+                  <m:oMath xmlns:m="http://schemas.openxmlformats.org/officeDocument/2006/math">
+                    <m:f>
+                      <m:fPr>
+                        <m:ctrlPr>
+                          <a:rPr lang="en-US" altLang="zh-CN" b="0" i="1" smtClean="0">
+                            <a:latin typeface="Cambria Math" panose="02040503050406030204" pitchFamily="18" charset="0"/>
+                          </a:rPr>
+                        </m:ctrlPr>
+                      </m:fPr>
+                      <m:num>
+                        <m:r>
+                          <a:rPr lang="en-US" altLang="zh-CN" b="0" i="1" smtClean="0">
+                            <a:latin typeface="Cambria Math" panose="02040503050406030204" pitchFamily="18" charset="0"/>
+                          </a:rPr>
+                          <m:t>𝜕</m:t>
+                        </m:r>
+                      </m:num>
+                      <m:den>
+                        <m:r>
+                          <a:rPr lang="en-US" altLang="zh-CN" b="0" i="1" smtClean="0">
+                            <a:latin typeface="Cambria Math" panose="02040503050406030204" pitchFamily="18" charset="0"/>
+                          </a:rPr>
+                          <m:t>𝜕</m:t>
+                        </m:r>
+                        <m:sSub>
+                          <m:sSubPr>
+                            <m:ctrlPr>
+                              <a:rPr lang="en-US" altLang="zh-CN" b="0" i="1" smtClean="0">
+                                <a:latin typeface="Cambria Math" panose="02040503050406030204" pitchFamily="18" charset="0"/>
+                              </a:rPr>
+                            </m:ctrlPr>
+                          </m:sSubPr>
+                          <m:e>
+                            <m:r>
+                              <a:rPr lang="en-US" altLang="zh-CN" b="0" i="1" smtClean="0">
+                                <a:latin typeface="Cambria Math" panose="02040503050406030204" pitchFamily="18" charset="0"/>
+                              </a:rPr>
+                              <m:t>𝜉</m:t>
+                            </m:r>
+                          </m:e>
+                          <m:sub>
+                            <m:r>
+                              <a:rPr lang="en-US" altLang="zh-CN" b="0" i="1" smtClean="0">
+                                <a:latin typeface="Cambria Math" panose="02040503050406030204" pitchFamily="18" charset="0"/>
+                              </a:rPr>
+                              <m:t>𝑖</m:t>
+                            </m:r>
+                          </m:sub>
+                        </m:sSub>
+                      </m:den>
+                    </m:f>
+                    <m:sSub>
+                      <m:sSubPr>
+                        <m:ctrlPr>
+                          <a:rPr lang="en-US" altLang="zh-CN" i="1">
+                            <a:latin typeface="Cambria Math" panose="02040503050406030204" pitchFamily="18" charset="0"/>
+                          </a:rPr>
+                        </m:ctrlPr>
+                      </m:sSubPr>
+                      <m:e>
+                        <m:r>
+                          <a:rPr lang="en-US" altLang="zh-CN" i="1">
+                            <a:latin typeface="Cambria Math" panose="02040503050406030204" pitchFamily="18" charset="0"/>
+                          </a:rPr>
+                          <m:t>𝜁</m:t>
+                        </m:r>
+                      </m:e>
+                      <m:sub>
+                        <m:r>
+                          <a:rPr lang="en-US" altLang="zh-CN" i="1">
+                            <a:latin typeface="Cambria Math" panose="02040503050406030204" pitchFamily="18" charset="0"/>
+                          </a:rPr>
+                          <m:t>1</m:t>
+                        </m:r>
+                      </m:sub>
+                    </m:sSub>
+                    <m:r>
+                      <a:rPr lang="en-US" altLang="zh-CN" i="1">
+                        <a:latin typeface="Cambria Math" panose="02040503050406030204" pitchFamily="18" charset="0"/>
+                      </a:rPr>
+                      <m:t>=</m:t>
+                    </m:r>
+                    <m:sPre>
+                      <m:sPrePr>
+                        <m:ctrlPr>
+                          <a:rPr lang="en-US" altLang="zh-CN" i="1">
+                            <a:latin typeface="Cambria Math" panose="02040503050406030204" pitchFamily="18" charset="0"/>
+                          </a:rPr>
+                        </m:ctrlPr>
+                      </m:sPrePr>
+                      <m:sub>
+                        <m:r>
+                          <a:rPr lang="en-US" altLang="zh-CN" i="1">
+                            <a:latin typeface="Cambria Math" panose="02040503050406030204" pitchFamily="18" charset="0"/>
+                          </a:rPr>
+                          <m:t> </m:t>
+                        </m:r>
+                      </m:sub>
+                      <m:sup>
+                        <m:r>
+                          <a:rPr lang="en-US" altLang="zh-CN" i="1">
+                            <a:latin typeface="Cambria Math" panose="02040503050406030204" pitchFamily="18" charset="0"/>
+                          </a:rPr>
+                          <m:t>1</m:t>
+                        </m:r>
+                      </m:sup>
+                      <m:e>
+                        <m:sSubSup>
+                          <m:sSubSupPr>
+                            <m:ctrlPr>
+                              <a:rPr lang="en-US" altLang="zh-CN" i="1">
+                                <a:latin typeface="Cambria Math" panose="02040503050406030204" pitchFamily="18" charset="0"/>
+                              </a:rPr>
+                            </m:ctrlPr>
+                          </m:sSubSupPr>
+                          <m:e>
+                            <m:r>
+                              <a:rPr lang="en-US" altLang="zh-CN" i="1">
+                                <a:latin typeface="Cambria Math" panose="02040503050406030204" pitchFamily="18" charset="0"/>
+                              </a:rPr>
+                              <m:t>𝑎</m:t>
+                            </m:r>
+                          </m:e>
+                          <m:sub>
+                            <m:r>
+                              <a:rPr lang="en-US" altLang="zh-CN" i="1">
+                                <a:latin typeface="Cambria Math" panose="02040503050406030204" pitchFamily="18" charset="0"/>
+                              </a:rPr>
+                              <m:t>𝑖</m:t>
+                            </m:r>
+                          </m:sub>
+                          <m:sup>
+                            <m:r>
+                              <a:rPr lang="en-US" altLang="zh-CN" i="1">
+                                <a:latin typeface="Cambria Math" panose="02040503050406030204" pitchFamily="18" charset="0"/>
+                              </a:rPr>
+                              <m:t> </m:t>
+                            </m:r>
+                          </m:sup>
+                        </m:sSubSup>
+                      </m:e>
+                    </m:sPre>
+                    <m:sSub>
+                      <m:sSubPr>
+                        <m:ctrlPr>
+                          <a:rPr lang="en-US" altLang="zh-CN" i="1">
+                            <a:latin typeface="Cambria Math" panose="02040503050406030204" pitchFamily="18" charset="0"/>
+                          </a:rPr>
+                        </m:ctrlPr>
+                      </m:sSubPr>
+                      <m:e>
+                        <m:r>
+                          <a:rPr lang="en-US" altLang="zh-CN" i="1">
+                            <a:latin typeface="Cambria Math" panose="02040503050406030204" pitchFamily="18" charset="0"/>
+                          </a:rPr>
+                          <m:t>𝜉</m:t>
+                        </m:r>
+                      </m:e>
+                      <m:sub>
+                        <m:r>
+                          <a:rPr lang="en-US" altLang="zh-CN" i="1">
+                            <a:latin typeface="Cambria Math" panose="02040503050406030204" pitchFamily="18" charset="0"/>
+                          </a:rPr>
+                          <m:t>𝑗</m:t>
+                        </m:r>
+                      </m:sub>
+                    </m:sSub>
+                    <m:r>
+                      <a:rPr lang="en-US" altLang="zh-CN" i="1">
+                        <a:latin typeface="Cambria Math" panose="02040503050406030204" pitchFamily="18" charset="0"/>
+                      </a:rPr>
+                      <m:t>+(</m:t>
+                    </m:r>
+                    <m:sPre>
+                      <m:sPrePr>
+                        <m:ctrlPr>
+                          <a:rPr lang="en-US" altLang="zh-CN" i="1">
+                            <a:latin typeface="Cambria Math" panose="02040503050406030204" pitchFamily="18" charset="0"/>
+                          </a:rPr>
+                        </m:ctrlPr>
+                      </m:sPrePr>
+                      <m:sub>
+                        <m:r>
+                          <a:rPr lang="en-US" altLang="zh-CN" i="1">
+                            <a:latin typeface="Cambria Math" panose="02040503050406030204" pitchFamily="18" charset="0"/>
+                          </a:rPr>
+                          <m:t> </m:t>
+                        </m:r>
+                      </m:sub>
+                      <m:sup>
+                        <m:r>
+                          <a:rPr lang="en-US" altLang="zh-CN" i="1">
+                            <a:latin typeface="Cambria Math" panose="02040503050406030204" pitchFamily="18" charset="0"/>
+                          </a:rPr>
+                          <m:t>2</m:t>
+                        </m:r>
+                      </m:sup>
+                      <m:e>
+                        <m:sSubSup>
+                          <m:sSubSupPr>
+                            <m:ctrlPr>
+                              <a:rPr lang="en-US" altLang="zh-CN" i="1">
+                                <a:latin typeface="Cambria Math" panose="02040503050406030204" pitchFamily="18" charset="0"/>
+                              </a:rPr>
+                            </m:ctrlPr>
+                          </m:sSubSupPr>
+                          <m:e>
+                            <m:r>
+                              <a:rPr lang="en-US" altLang="zh-CN" i="1">
+                                <a:latin typeface="Cambria Math" panose="02040503050406030204" pitchFamily="18" charset="0"/>
+                              </a:rPr>
+                              <m:t>𝑎</m:t>
+                            </m:r>
+                          </m:e>
+                          <m:sub>
+                            <m:r>
+                              <a:rPr lang="en-US" altLang="zh-CN" i="1">
+                                <a:latin typeface="Cambria Math" panose="02040503050406030204" pitchFamily="18" charset="0"/>
+                              </a:rPr>
+                              <m:t>𝑖𝑗</m:t>
+                            </m:r>
+                          </m:sub>
+                          <m:sup>
+                            <m:r>
+                              <a:rPr lang="en-US" altLang="zh-CN" i="1">
+                                <a:latin typeface="Cambria Math" panose="02040503050406030204" pitchFamily="18" charset="0"/>
+                              </a:rPr>
+                              <m:t> </m:t>
+                            </m:r>
+                          </m:sup>
+                        </m:sSubSup>
+                      </m:e>
+                    </m:sPre>
+                    <m:r>
+                      <a:rPr lang="en-US" altLang="zh-CN" i="1">
+                        <a:latin typeface="Cambria Math" panose="02040503050406030204" pitchFamily="18" charset="0"/>
+                      </a:rPr>
+                      <m:t>+</m:t>
+                    </m:r>
+                    <m:sPre>
+                      <m:sPrePr>
+                        <m:ctrlPr>
+                          <a:rPr lang="en-US" altLang="zh-CN" i="1">
+                            <a:latin typeface="Cambria Math" panose="02040503050406030204" pitchFamily="18" charset="0"/>
+                          </a:rPr>
+                        </m:ctrlPr>
+                      </m:sPrePr>
+                      <m:sub>
+                        <m:r>
+                          <a:rPr lang="en-US" altLang="zh-CN" i="1">
+                            <a:latin typeface="Cambria Math" panose="02040503050406030204" pitchFamily="18" charset="0"/>
+                          </a:rPr>
+                          <m:t> </m:t>
+                        </m:r>
+                      </m:sub>
+                      <m:sup>
+                        <m:r>
+                          <a:rPr lang="en-US" altLang="zh-CN" i="1">
+                            <a:latin typeface="Cambria Math" panose="02040503050406030204" pitchFamily="18" charset="0"/>
+                          </a:rPr>
+                          <m:t>2</m:t>
+                        </m:r>
+                      </m:sup>
+                      <m:e>
+                        <m:sSubSup>
+                          <m:sSubSupPr>
+                            <m:ctrlPr>
+                              <a:rPr lang="en-US" altLang="zh-CN" i="1">
+                                <a:latin typeface="Cambria Math" panose="02040503050406030204" pitchFamily="18" charset="0"/>
+                              </a:rPr>
+                            </m:ctrlPr>
+                          </m:sSubSupPr>
+                          <m:e>
+                            <m:r>
+                              <a:rPr lang="en-US" altLang="zh-CN" i="1">
+                                <a:latin typeface="Cambria Math" panose="02040503050406030204" pitchFamily="18" charset="0"/>
+                              </a:rPr>
+                              <m:t>𝑎</m:t>
+                            </m:r>
+                          </m:e>
+                          <m:sub>
+                            <m:r>
+                              <a:rPr lang="en-US" altLang="zh-CN" i="1">
+                                <a:latin typeface="Cambria Math" panose="02040503050406030204" pitchFamily="18" charset="0"/>
+                              </a:rPr>
+                              <m:t>𝑖𝑗</m:t>
+                            </m:r>
+                          </m:sub>
+                          <m:sup>
+                            <m:r>
+                              <a:rPr lang="en-US" altLang="zh-CN" i="1">
+                                <a:latin typeface="Cambria Math" panose="02040503050406030204" pitchFamily="18" charset="0"/>
+                              </a:rPr>
+                              <m:t> </m:t>
+                            </m:r>
+                          </m:sup>
+                        </m:sSubSup>
+                      </m:e>
+                    </m:sPre>
+                    <m:r>
+                      <a:rPr lang="en-US" altLang="zh-CN" i="1">
+                        <a:latin typeface="Cambria Math" panose="02040503050406030204" pitchFamily="18" charset="0"/>
+                      </a:rPr>
+                      <m:t>)</m:t>
+                    </m:r>
+                    <m:sSub>
+                      <m:sSubPr>
+                        <m:ctrlPr>
+                          <a:rPr lang="en-US" altLang="zh-CN" i="1">
+                            <a:latin typeface="Cambria Math" panose="02040503050406030204" pitchFamily="18" charset="0"/>
+                          </a:rPr>
+                        </m:ctrlPr>
+                      </m:sSubPr>
+                      <m:e>
+                        <m:r>
+                          <a:rPr lang="en-US" altLang="zh-CN" i="1">
+                            <a:latin typeface="Cambria Math" panose="02040503050406030204" pitchFamily="18" charset="0"/>
+                          </a:rPr>
+                          <m:t>𝜉</m:t>
+                        </m:r>
+                      </m:e>
+                      <m:sub>
+                        <m:r>
+                          <a:rPr lang="en-US" altLang="zh-CN" i="1">
+                            <a:latin typeface="Cambria Math" panose="02040503050406030204" pitchFamily="18" charset="0"/>
+                          </a:rPr>
+                          <m:t>𝑗</m:t>
+                        </m:r>
+                      </m:sub>
+                    </m:sSub>
+                    <m:r>
+                      <a:rPr lang="en-US" altLang="zh-CN" i="1">
+                        <a:latin typeface="Cambria Math" panose="02040503050406030204" pitchFamily="18" charset="0"/>
+                      </a:rPr>
+                      <m:t>+</m:t>
+                    </m:r>
+                    <m:d>
+                      <m:dPr>
+                        <m:ctrlPr>
+                          <a:rPr lang="en-US" altLang="zh-CN" b="0" i="1" smtClean="0">
+                            <a:latin typeface="Cambria Math" panose="02040503050406030204" pitchFamily="18" charset="0"/>
+                          </a:rPr>
+                        </m:ctrlPr>
+                      </m:dPr>
+                      <m:e>
+                        <m:sPre>
+                          <m:sPrePr>
+                            <m:ctrlPr>
+                              <a:rPr lang="en-US" altLang="zh-CN" i="1">
+                                <a:latin typeface="Cambria Math" panose="02040503050406030204" pitchFamily="18" charset="0"/>
+                              </a:rPr>
+                            </m:ctrlPr>
+                          </m:sPrePr>
+                          <m:sub>
+                            <m:r>
+                              <a:rPr lang="en-US" altLang="zh-CN" i="1">
+                                <a:latin typeface="Cambria Math" panose="02040503050406030204" pitchFamily="18" charset="0"/>
+                              </a:rPr>
+                              <m:t> </m:t>
+                            </m:r>
+                          </m:sub>
+                          <m:sup>
+                            <m:r>
+                              <a:rPr lang="en-US" altLang="zh-CN" i="1">
+                                <a:latin typeface="Cambria Math" panose="02040503050406030204" pitchFamily="18" charset="0"/>
+                              </a:rPr>
+                              <m:t>3</m:t>
+                            </m:r>
+                          </m:sup>
+                          <m:e>
+                            <m:sSubSup>
+                              <m:sSubSupPr>
+                                <m:ctrlPr>
+                                  <a:rPr lang="en-US" altLang="zh-CN" i="1">
+                                    <a:latin typeface="Cambria Math" panose="02040503050406030204" pitchFamily="18" charset="0"/>
+                                  </a:rPr>
+                                </m:ctrlPr>
+                              </m:sSubSupPr>
+                              <m:e>
+                                <m:r>
+                                  <a:rPr lang="en-US" altLang="zh-CN" i="1">
+                                    <a:latin typeface="Cambria Math" panose="02040503050406030204" pitchFamily="18" charset="0"/>
+                                  </a:rPr>
+                                  <m:t>𝑎</m:t>
+                                </m:r>
+                              </m:e>
+                              <m:sub>
+                                <m:r>
+                                  <a:rPr lang="en-US" altLang="zh-CN" i="1">
+                                    <a:latin typeface="Cambria Math" panose="02040503050406030204" pitchFamily="18" charset="0"/>
+                                  </a:rPr>
+                                  <m:t>𝑖</m:t>
+                                </m:r>
+                                <m:r>
+                                  <a:rPr lang="en-US" altLang="zh-CN" i="1">
+                                    <a:latin typeface="Cambria Math" panose="02040503050406030204" pitchFamily="18" charset="0"/>
+                                  </a:rPr>
+                                  <m:t>𝑗𝑘</m:t>
+                                </m:r>
+                              </m:sub>
+                              <m:sup>
+                                <m:r>
+                                  <a:rPr lang="en-US" altLang="zh-CN" i="1">
+                                    <a:latin typeface="Cambria Math" panose="02040503050406030204" pitchFamily="18" charset="0"/>
+                                  </a:rPr>
+                                  <m:t> </m:t>
+                                </m:r>
+                              </m:sup>
+                            </m:sSubSup>
+                          </m:e>
+                        </m:sPre>
+                        <m:r>
+                          <a:rPr lang="en-US" altLang="zh-CN" b="0" i="1" smtClean="0">
+                            <a:latin typeface="Cambria Math" panose="02040503050406030204" pitchFamily="18" charset="0"/>
+                          </a:rPr>
+                          <m:t>+</m:t>
+                        </m:r>
+                        <m:sPre>
+                          <m:sPrePr>
+                            <m:ctrlPr>
+                              <a:rPr lang="en-US" altLang="zh-CN" i="1">
+                                <a:latin typeface="Cambria Math" panose="02040503050406030204" pitchFamily="18" charset="0"/>
+                              </a:rPr>
+                            </m:ctrlPr>
+                          </m:sPrePr>
+                          <m:sub>
+                            <m:r>
+                              <a:rPr lang="en-US" altLang="zh-CN" i="1">
+                                <a:latin typeface="Cambria Math" panose="02040503050406030204" pitchFamily="18" charset="0"/>
+                              </a:rPr>
+                              <m:t> </m:t>
+                            </m:r>
+                          </m:sub>
+                          <m:sup>
+                            <m:r>
+                              <a:rPr lang="en-US" altLang="zh-CN" i="1">
+                                <a:latin typeface="Cambria Math" panose="02040503050406030204" pitchFamily="18" charset="0"/>
+                              </a:rPr>
+                              <m:t>3</m:t>
+                            </m:r>
+                          </m:sup>
+                          <m:e>
+                            <m:sSubSup>
+                              <m:sSubSupPr>
+                                <m:ctrlPr>
+                                  <a:rPr lang="en-US" altLang="zh-CN" i="1">
+                                    <a:latin typeface="Cambria Math" panose="02040503050406030204" pitchFamily="18" charset="0"/>
+                                  </a:rPr>
+                                </m:ctrlPr>
+                              </m:sSubSupPr>
+                              <m:e>
+                                <m:r>
+                                  <a:rPr lang="en-US" altLang="zh-CN" i="1">
+                                    <a:latin typeface="Cambria Math" panose="02040503050406030204" pitchFamily="18" charset="0"/>
+                                  </a:rPr>
+                                  <m:t>𝑎</m:t>
+                                </m:r>
+                              </m:e>
+                              <m:sub>
+                                <m:r>
+                                  <a:rPr lang="en-US" altLang="zh-CN" b="0" i="1" smtClean="0">
+                                    <a:latin typeface="Cambria Math" panose="02040503050406030204" pitchFamily="18" charset="0"/>
+                                  </a:rPr>
+                                  <m:t>𝑘𝑖𝑗</m:t>
+                                </m:r>
+                              </m:sub>
+                              <m:sup>
+                                <m:r>
+                                  <a:rPr lang="en-US" altLang="zh-CN" i="1">
+                                    <a:latin typeface="Cambria Math" panose="02040503050406030204" pitchFamily="18" charset="0"/>
+                                  </a:rPr>
+                                  <m:t> </m:t>
+                                </m:r>
+                              </m:sup>
+                            </m:sSubSup>
+                          </m:e>
+                        </m:sPre>
+                        <m:r>
+                          <a:rPr lang="en-US" altLang="zh-CN" b="0" i="1" smtClean="0">
+                            <a:latin typeface="Cambria Math" panose="02040503050406030204" pitchFamily="18" charset="0"/>
+                          </a:rPr>
+                          <m:t>+</m:t>
+                        </m:r>
+                        <m:sPre>
+                          <m:sPrePr>
+                            <m:ctrlPr>
+                              <a:rPr lang="en-US" altLang="zh-CN" i="1">
+                                <a:latin typeface="Cambria Math" panose="02040503050406030204" pitchFamily="18" charset="0"/>
+                              </a:rPr>
+                            </m:ctrlPr>
+                          </m:sPrePr>
+                          <m:sub>
+                            <m:r>
+                              <a:rPr lang="en-US" altLang="zh-CN" i="1">
+                                <a:latin typeface="Cambria Math" panose="02040503050406030204" pitchFamily="18" charset="0"/>
+                              </a:rPr>
+                              <m:t> </m:t>
+                            </m:r>
+                          </m:sub>
+                          <m:sup>
+                            <m:r>
+                              <a:rPr lang="en-US" altLang="zh-CN" i="1">
+                                <a:latin typeface="Cambria Math" panose="02040503050406030204" pitchFamily="18" charset="0"/>
+                              </a:rPr>
+                              <m:t>3</m:t>
+                            </m:r>
+                          </m:sup>
+                          <m:e>
+                            <m:sSubSup>
+                              <m:sSubSupPr>
+                                <m:ctrlPr>
+                                  <a:rPr lang="en-US" altLang="zh-CN" i="1">
+                                    <a:latin typeface="Cambria Math" panose="02040503050406030204" pitchFamily="18" charset="0"/>
+                                  </a:rPr>
+                                </m:ctrlPr>
+                              </m:sSubSupPr>
+                              <m:e>
+                                <m:r>
+                                  <a:rPr lang="en-US" altLang="zh-CN" i="1">
+                                    <a:latin typeface="Cambria Math" panose="02040503050406030204" pitchFamily="18" charset="0"/>
+                                  </a:rPr>
+                                  <m:t>𝑎</m:t>
+                                </m:r>
+                              </m:e>
+                              <m:sub>
+                                <m:r>
+                                  <a:rPr lang="en-US" altLang="zh-CN" b="0" i="1" smtClean="0">
+                                    <a:latin typeface="Cambria Math" panose="02040503050406030204" pitchFamily="18" charset="0"/>
+                                  </a:rPr>
+                                  <m:t>𝑗𝑘𝑖</m:t>
+                                </m:r>
+                              </m:sub>
+                              <m:sup>
+                                <m:r>
+                                  <a:rPr lang="en-US" altLang="zh-CN" i="1">
+                                    <a:latin typeface="Cambria Math" panose="02040503050406030204" pitchFamily="18" charset="0"/>
+                                  </a:rPr>
+                                  <m:t> </m:t>
+                                </m:r>
+                              </m:sup>
+                            </m:sSubSup>
+                          </m:e>
+                        </m:sPre>
+                      </m:e>
+                    </m:d>
+                    <m:sSub>
+                      <m:sSubPr>
+                        <m:ctrlPr>
+                          <a:rPr lang="en-US" altLang="zh-CN" i="1">
+                            <a:latin typeface="Cambria Math" panose="02040503050406030204" pitchFamily="18" charset="0"/>
+                          </a:rPr>
+                        </m:ctrlPr>
+                      </m:sSubPr>
+                      <m:e>
+                        <m:r>
+                          <a:rPr lang="en-US" altLang="zh-CN" i="1">
+                            <a:latin typeface="Cambria Math" panose="02040503050406030204" pitchFamily="18" charset="0"/>
+                          </a:rPr>
+                          <m:t>𝜉</m:t>
+                        </m:r>
+                      </m:e>
+                      <m:sub>
+                        <m:r>
+                          <a:rPr lang="en-US" altLang="zh-CN" i="1">
+                            <a:latin typeface="Cambria Math" panose="02040503050406030204" pitchFamily="18" charset="0"/>
+                          </a:rPr>
+                          <m:t>𝑗</m:t>
+                        </m:r>
+                      </m:sub>
+                    </m:sSub>
+                    <m:sSub>
+                      <m:sSubPr>
+                        <m:ctrlPr>
+                          <a:rPr lang="en-US" altLang="zh-CN" i="1">
+                            <a:latin typeface="Cambria Math" panose="02040503050406030204" pitchFamily="18" charset="0"/>
+                          </a:rPr>
+                        </m:ctrlPr>
+                      </m:sSubPr>
+                      <m:e>
+                        <m:r>
+                          <a:rPr lang="en-US" altLang="zh-CN" i="1">
+                            <a:latin typeface="Cambria Math" panose="02040503050406030204" pitchFamily="18" charset="0"/>
+                          </a:rPr>
+                          <m:t>𝜉</m:t>
+                        </m:r>
+                      </m:e>
+                      <m:sub>
+                        <m:r>
+                          <a:rPr lang="en-US" altLang="zh-CN" i="1">
+                            <a:latin typeface="Cambria Math" panose="02040503050406030204" pitchFamily="18" charset="0"/>
+                          </a:rPr>
+                          <m:t>𝑘</m:t>
+                        </m:r>
+                      </m:sub>
+                    </m:sSub>
+                  </m:oMath>
+                </a14:m>
+                <a:endParaRPr lang="en-US" altLang="zh-CN" dirty="0"/>
+              </a:p>
+              <a:p>
+                <a:r>
+                  <a:rPr lang="zh-CN" altLang="en-US" dirty="0"/>
+                  <a:t>更高阶导数以此类推</a:t>
+                </a:r>
+                <a:endParaRPr lang="en-US" altLang="zh-CN" dirty="0"/>
+              </a:p>
+              <a:p>
+                <a:r>
+                  <a:rPr lang="zh-CN" altLang="en-US" dirty="0"/>
+                  <a:t>定义泛函</a:t>
+                </a:r>
+                <a14:m>
+                  <m:oMath xmlns:m="http://schemas.openxmlformats.org/officeDocument/2006/math">
+                    <m:nary>
+                      <m:naryPr>
+                        <m:supHide m:val="on"/>
+                        <m:ctrlPr>
+                          <a:rPr lang="en-US" altLang="zh-CN" b="0" i="1" smtClean="0">
+                            <a:latin typeface="Cambria Math" panose="02040503050406030204" pitchFamily="18" charset="0"/>
+                          </a:rPr>
+                        </m:ctrlPr>
+                      </m:naryPr>
+                      <m:sub>
+                        <m:r>
+                          <m:rPr>
+                            <m:brk m:alnAt="7"/>
+                          </m:rPr>
+                          <a:rPr lang="en-US" altLang="zh-CN" b="0" i="1" smtClean="0">
+                            <a:latin typeface="Cambria Math" panose="02040503050406030204" pitchFamily="18" charset="0"/>
+                          </a:rPr>
+                          <m:t>𝑉</m:t>
+                        </m:r>
+                      </m:sub>
+                      <m:sup/>
+                      <m:e>
+                        <m:f>
+                          <m:fPr>
+                            <m:ctrlPr>
+                              <a:rPr lang="en-US" altLang="zh-CN" i="1">
+                                <a:latin typeface="Cambria Math" panose="02040503050406030204" pitchFamily="18" charset="0"/>
+                              </a:rPr>
+                            </m:ctrlPr>
+                          </m:fPr>
+                          <m:num>
+                            <m:r>
+                              <a:rPr lang="en-US" altLang="zh-CN" i="1">
+                                <a:latin typeface="Cambria Math" panose="02040503050406030204" pitchFamily="18" charset="0"/>
+                              </a:rPr>
+                              <m:t>𝜕</m:t>
+                            </m:r>
+                          </m:num>
+                          <m:den>
+                            <m:r>
+                              <a:rPr lang="en-US" altLang="zh-CN" i="1">
+                                <a:latin typeface="Cambria Math" panose="02040503050406030204" pitchFamily="18" charset="0"/>
+                              </a:rPr>
+                              <m:t>𝜕</m:t>
+                            </m:r>
+                            <m:sSub>
+                              <m:sSubPr>
+                                <m:ctrlPr>
+                                  <a:rPr lang="en-US" altLang="zh-CN" i="1">
+                                    <a:latin typeface="Cambria Math" panose="02040503050406030204" pitchFamily="18" charset="0"/>
+                                  </a:rPr>
+                                </m:ctrlPr>
+                              </m:sSubPr>
+                              <m:e>
+                                <m:r>
+                                  <a:rPr lang="en-US" altLang="zh-CN" b="0" i="1" smtClean="0">
+                                    <a:latin typeface="Cambria Math" panose="02040503050406030204" pitchFamily="18" charset="0"/>
+                                  </a:rPr>
+                                  <m:t>𝑥</m:t>
+                                </m:r>
+                              </m:e>
+                              <m:sub>
+                                <m:r>
+                                  <a:rPr lang="en-US" altLang="zh-CN" i="1">
+                                    <a:latin typeface="Cambria Math" panose="02040503050406030204" pitchFamily="18" charset="0"/>
+                                  </a:rPr>
+                                  <m:t>𝑖</m:t>
+                                </m:r>
+                              </m:sub>
+                            </m:sSub>
+                          </m:den>
+                        </m:f>
+                        <m:r>
+                          <a:rPr lang="en-US" altLang="zh-CN" b="0" i="1" smtClean="0">
+                            <a:latin typeface="Cambria Math" panose="02040503050406030204" pitchFamily="18" charset="0"/>
+                          </a:rPr>
+                          <m:t>(</m:t>
+                        </m:r>
+                        <m:sSub>
+                          <m:sSubPr>
+                            <m:ctrlPr>
+                              <a:rPr lang="en-US" altLang="zh-CN" b="0" i="1" smtClean="0">
+                                <a:latin typeface="Cambria Math" panose="02040503050406030204" pitchFamily="18" charset="0"/>
+                              </a:rPr>
+                            </m:ctrlPr>
+                          </m:sSubPr>
+                          <m:e>
+                            <m:r>
+                              <a:rPr lang="en-US" altLang="zh-CN" b="0" i="1" smtClean="0">
+                                <a:latin typeface="Cambria Math" panose="02040503050406030204" pitchFamily="18" charset="0"/>
+                              </a:rPr>
+                              <m:t>𝜁</m:t>
+                            </m:r>
+                          </m:e>
+                          <m:sub>
+                            <m:r>
+                              <a:rPr lang="en-US" altLang="zh-CN" b="0" i="1" smtClean="0">
+                                <a:latin typeface="Cambria Math" panose="02040503050406030204" pitchFamily="18" charset="0"/>
+                              </a:rPr>
+                              <m:t>1</m:t>
+                            </m:r>
+                          </m:sub>
+                        </m:sSub>
+                        <m:r>
+                          <a:rPr lang="en-US" altLang="zh-CN" b="0" i="1" smtClean="0">
+                            <a:latin typeface="Cambria Math" panose="02040503050406030204" pitchFamily="18" charset="0"/>
+                          </a:rPr>
+                          <m:t>−</m:t>
+                        </m:r>
+                        <m:sSub>
+                          <m:sSubPr>
+                            <m:ctrlPr>
+                              <a:rPr lang="en-US" altLang="zh-CN" b="0" i="1" smtClean="0">
+                                <a:latin typeface="Cambria Math" panose="02040503050406030204" pitchFamily="18" charset="0"/>
+                              </a:rPr>
+                            </m:ctrlPr>
+                          </m:sSubPr>
+                          <m:e>
+                            <m:r>
+                              <a:rPr lang="en-US" altLang="zh-CN" b="0" i="1" smtClean="0">
+                                <a:latin typeface="Cambria Math" panose="02040503050406030204" pitchFamily="18" charset="0"/>
+                              </a:rPr>
+                              <m:t>𝑢</m:t>
+                            </m:r>
+                          </m:e>
+                          <m:sub>
+                            <m:r>
+                              <a:rPr lang="en-US" altLang="zh-CN" b="0" i="1" smtClean="0">
+                                <a:latin typeface="Cambria Math" panose="02040503050406030204" pitchFamily="18" charset="0"/>
+                              </a:rPr>
+                              <m:t>𝑐𝑒𝑙𝑙</m:t>
+                            </m:r>
+                          </m:sub>
+                        </m:sSub>
+                        <m:r>
+                          <a:rPr lang="en-US" altLang="zh-CN" b="0" i="1" smtClean="0">
+                            <a:latin typeface="Cambria Math" panose="02040503050406030204" pitchFamily="18" charset="0"/>
+                          </a:rPr>
+                          <m:t>)</m:t>
+                        </m:r>
+                        <m:f>
+                          <m:fPr>
+                            <m:ctrlPr>
+                              <a:rPr lang="en-US" altLang="zh-CN" i="1">
+                                <a:latin typeface="Cambria Math" panose="02040503050406030204" pitchFamily="18" charset="0"/>
+                              </a:rPr>
+                            </m:ctrlPr>
+                          </m:fPr>
+                          <m:num>
+                            <m:r>
+                              <a:rPr lang="en-US" altLang="zh-CN" i="1">
+                                <a:latin typeface="Cambria Math" panose="02040503050406030204" pitchFamily="18" charset="0"/>
+                              </a:rPr>
+                              <m:t>𝜕</m:t>
+                            </m:r>
+                          </m:num>
+                          <m:den>
+                            <m:r>
+                              <a:rPr lang="en-US" altLang="zh-CN" i="1">
+                                <a:latin typeface="Cambria Math" panose="02040503050406030204" pitchFamily="18" charset="0"/>
+                              </a:rPr>
+                              <m:t>𝜕</m:t>
+                            </m:r>
+                            <m:sSub>
+                              <m:sSubPr>
+                                <m:ctrlPr>
+                                  <a:rPr lang="en-US" altLang="zh-CN" i="1">
+                                    <a:latin typeface="Cambria Math" panose="02040503050406030204" pitchFamily="18" charset="0"/>
+                                  </a:rPr>
+                                </m:ctrlPr>
+                              </m:sSubPr>
+                              <m:e>
+                                <m:r>
+                                  <a:rPr lang="en-US" altLang="zh-CN" i="1">
+                                    <a:latin typeface="Cambria Math" panose="02040503050406030204" pitchFamily="18" charset="0"/>
+                                  </a:rPr>
+                                  <m:t>𝑥</m:t>
+                                </m:r>
+                              </m:e>
+                              <m:sub>
+                                <m:r>
+                                  <a:rPr lang="en-US" altLang="zh-CN" i="1">
+                                    <a:latin typeface="Cambria Math" panose="02040503050406030204" pitchFamily="18" charset="0"/>
+                                  </a:rPr>
+                                  <m:t>𝑖</m:t>
+                                </m:r>
+                              </m:sub>
+                            </m:sSub>
+                          </m:den>
+                        </m:f>
+                        <m:r>
+                          <a:rPr lang="en-US" altLang="zh-CN" i="1">
+                            <a:latin typeface="Cambria Math" panose="02040503050406030204" pitchFamily="18" charset="0"/>
+                          </a:rPr>
+                          <m:t>(</m:t>
+                        </m:r>
+                        <m:sSub>
+                          <m:sSubPr>
+                            <m:ctrlPr>
+                              <a:rPr lang="en-US" altLang="zh-CN" i="1">
+                                <a:latin typeface="Cambria Math" panose="02040503050406030204" pitchFamily="18" charset="0"/>
+                              </a:rPr>
+                            </m:ctrlPr>
+                          </m:sSubPr>
+                          <m:e>
+                            <m:r>
+                              <a:rPr lang="en-US" altLang="zh-CN" i="1">
+                                <a:latin typeface="Cambria Math" panose="02040503050406030204" pitchFamily="18" charset="0"/>
+                              </a:rPr>
+                              <m:t>𝜁</m:t>
+                            </m:r>
+                          </m:e>
+                          <m:sub>
+                            <m:r>
+                              <a:rPr lang="en-US" altLang="zh-CN" i="1">
+                                <a:latin typeface="Cambria Math" panose="02040503050406030204" pitchFamily="18" charset="0"/>
+                              </a:rPr>
+                              <m:t>1</m:t>
+                            </m:r>
+                          </m:sub>
+                        </m:sSub>
+                        <m:r>
+                          <a:rPr lang="en-US" altLang="zh-CN" i="1">
+                            <a:latin typeface="Cambria Math" panose="02040503050406030204" pitchFamily="18" charset="0"/>
+                          </a:rPr>
+                          <m:t>−</m:t>
+                        </m:r>
+                        <m:sSub>
+                          <m:sSubPr>
+                            <m:ctrlPr>
+                              <a:rPr lang="en-US" altLang="zh-CN" i="1">
+                                <a:latin typeface="Cambria Math" panose="02040503050406030204" pitchFamily="18" charset="0"/>
+                              </a:rPr>
+                            </m:ctrlPr>
+                          </m:sSubPr>
+                          <m:e>
+                            <m:r>
+                              <a:rPr lang="en-US" altLang="zh-CN" i="1">
+                                <a:latin typeface="Cambria Math" panose="02040503050406030204" pitchFamily="18" charset="0"/>
+                              </a:rPr>
+                              <m:t>𝑢</m:t>
+                            </m:r>
+                          </m:e>
+                          <m:sub>
+                            <m:r>
+                              <a:rPr lang="en-US" altLang="zh-CN" i="1">
+                                <a:latin typeface="Cambria Math" panose="02040503050406030204" pitchFamily="18" charset="0"/>
+                              </a:rPr>
+                              <m:t>𝑐𝑒𝑙𝑙</m:t>
+                            </m:r>
+                          </m:sub>
+                        </m:sSub>
+                        <m:r>
+                          <a:rPr lang="en-US" altLang="zh-CN" i="1">
+                            <a:latin typeface="Cambria Math" panose="02040503050406030204" pitchFamily="18" charset="0"/>
+                          </a:rPr>
+                          <m:t>)</m:t>
+                        </m:r>
+                        <m:r>
+                          <a:rPr lang="en-US" altLang="zh-CN" b="0" i="1" smtClean="0">
+                            <a:latin typeface="Cambria Math" panose="02040503050406030204" pitchFamily="18" charset="0"/>
+                          </a:rPr>
+                          <m:t>𝑑𝑣</m:t>
+                        </m:r>
+                      </m:e>
+                    </m:nary>
+                  </m:oMath>
+                </a14:m>
+                <a:endParaRPr lang="en-US" altLang="zh-CN" dirty="0"/>
+              </a:p>
+              <a:p>
+                <a:r>
+                  <a:rPr lang="zh-CN" altLang="en-US" dirty="0"/>
+                  <a:t>（配合缩放）可解出沿着</a:t>
+                </a:r>
+                <a:r>
+                  <a:rPr lang="en-US" altLang="zh-CN" dirty="0" err="1"/>
+                  <a:t>Eikonal</a:t>
+                </a:r>
+                <a:r>
+                  <a:rPr lang="zh-CN" altLang="en-US" dirty="0"/>
+                  <a:t>解的“法向”坐标（梯度沿法向）</a:t>
+                </a:r>
+                <a:endParaRPr lang="en-US" altLang="zh-CN" dirty="0"/>
+              </a:p>
+              <a:p>
+                <a:endParaRPr lang="zh-CN" altLang="en-US" dirty="0"/>
+              </a:p>
+            </p:txBody>
+          </p:sp>
+        </mc:Choice>
+        <mc:Fallback>
+          <p:sp>
+            <p:nvSpPr>
+              <p:cNvPr id="3" name="内容占位符 2">
+                <a:extLst>
+                  <a:ext uri="{FF2B5EF4-FFF2-40B4-BE49-F238E27FC236}">
+                    <a16:creationId xmlns:a16="http://schemas.microsoft.com/office/drawing/2014/main" id="{2E20B3E3-8C0D-4E31-820E-4A4272C84561}"/>
+                  </a:ext>
+                </a:extLst>
+              </p:cNvPr>
+              <p:cNvSpPr>
+                <a:spLocks noGrp="1" noRot="1" noChangeAspect="1" noMove="1" noResize="1" noEditPoints="1" noAdjustHandles="1" noChangeArrowheads="1" noChangeShapeType="1" noTextEdit="1"/>
+              </p:cNvSpPr>
+              <p:nvPr>
+                <p:ph idx="1"/>
+              </p:nvPr>
+            </p:nvSpPr>
+            <p:spPr>
+              <a:xfrm>
+                <a:off x="838200" y="1512473"/>
+                <a:ext cx="10515600" cy="4769329"/>
+              </a:xfrm>
+              <a:blipFill>
+                <a:blip r:embed="rId2"/>
+                <a:stretch>
+                  <a:fillRect l="-1043"/>
+                </a:stretch>
+              </a:blipFill>
+            </p:spPr>
+            <p:txBody>
+              <a:bodyPr/>
+              <a:lstStyle/>
+              <a:p>
+                <a:r>
+                  <a:rPr lang="zh-CN" altLang="en-US">
+                    <a:noFill/>
+                  </a:rPr>
+                  <a:t> </a:t>
+                </a:r>
+              </a:p>
+            </p:txBody>
+          </p:sp>
+        </mc:Fallback>
+      </mc:AlternateContent>
+    </p:spTree>
+    <p:extLst>
+      <p:ext uri="{BB962C8B-B14F-4D97-AF65-F5344CB8AC3E}">
+        <p14:creationId xmlns:p14="http://schemas.microsoft.com/office/powerpoint/2010/main" val="4245960723"/>
+      </p:ext>
+    </p:extLst>
+  </p:cSld>
+  <p:clrMapOvr>
+    <a:masterClrMapping/>
+  </p:clrMapOvr>
+</p:sld>
+</file>
+
+<file path=ppt/slides/slide13.xml><?xml version="1.0" encoding="utf-8"?>
+<p:sld xmlns:a="http://schemas.openxmlformats.org/drawingml/2006/main" xmlns:r="http://schemas.openxmlformats.org/officeDocument/2006/relationships" xmlns:p="http://schemas.openxmlformats.org/presentationml/2006/main">
+  <p:cSld>
+    <p:spTree>
+      <p:nvGrpSpPr>
+        <p:cNvPr id="1" name=""/>
+        <p:cNvGrpSpPr/>
+        <p:nvPr/>
+      </p:nvGrpSpPr>
+      <p:grpSpPr>
+        <a:xfrm>
+          <a:off x="0" y="0"/>
+          <a:ext cx="0" cy="0"/>
+          <a:chOff x="0" y="0"/>
+          <a:chExt cx="0" cy="0"/>
+        </a:xfrm>
+      </p:grpSpPr>
+      <p:sp>
+        <p:nvSpPr>
+          <p:cNvPr id="2" name="标题 1">
+            <a:extLst>
+              <a:ext uri="{FF2B5EF4-FFF2-40B4-BE49-F238E27FC236}">
+                <a16:creationId xmlns:a16="http://schemas.microsoft.com/office/drawing/2014/main" id="{B214CF42-B6CB-4B50-ADF9-E326C7ED63A1}"/>
+              </a:ext>
+            </a:extLst>
+          </p:cNvPr>
+          <p:cNvSpPr>
+            <a:spLocks noGrp="1"/>
+          </p:cNvSpPr>
+          <p:nvPr>
+            <p:ph type="title"/>
+          </p:nvPr>
+        </p:nvSpPr>
+        <p:spPr/>
+        <p:txBody>
+          <a:bodyPr/>
+          <a:lstStyle/>
+          <a:p>
+            <a:r>
+              <a:rPr lang="zh-CN" altLang="en-US" dirty="0"/>
+              <a:t>曲线坐标显式估测</a:t>
+            </a:r>
+          </a:p>
+        </p:txBody>
+      </p:sp>
+      <mc:AlternateContent xmlns:mc="http://schemas.openxmlformats.org/markup-compatibility/2006">
+        <mc:Choice xmlns:a14="http://schemas.microsoft.com/office/drawing/2010/main" Requires="a14">
+          <p:sp>
+            <p:nvSpPr>
+              <p:cNvPr id="3" name="内容占位符 2">
+                <a:extLst>
+                  <a:ext uri="{FF2B5EF4-FFF2-40B4-BE49-F238E27FC236}">
+                    <a16:creationId xmlns:a16="http://schemas.microsoft.com/office/drawing/2014/main" id="{2E20B3E3-8C0D-4E31-820E-4A4272C84561}"/>
+                  </a:ext>
+                </a:extLst>
+              </p:cNvPr>
+              <p:cNvSpPr>
+                <a:spLocks noGrp="1"/>
+              </p:cNvSpPr>
+              <p:nvPr>
+                <p:ph idx="1"/>
+              </p:nvPr>
+            </p:nvSpPr>
+            <p:spPr>
+              <a:xfrm>
+                <a:off x="838200" y="1512473"/>
+                <a:ext cx="10515600" cy="4769329"/>
+              </a:xfrm>
+            </p:spPr>
+            <p:txBody>
+              <a:bodyPr>
+                <a:normAutofit/>
+              </a:bodyPr>
+              <a:lstStyle/>
+              <a:p>
+                <a:pPr marL="0" indent="0">
+                  <a:buNone/>
+                </a:pPr>
+                <a:endParaRPr lang="en-US" altLang="zh-CN" dirty="0"/>
+              </a:p>
+              <a:p>
+                <a14:m>
+                  <m:oMath xmlns:m="http://schemas.openxmlformats.org/officeDocument/2006/math">
+                    <m:sSub>
+                      <m:sSubPr>
+                        <m:ctrlPr>
+                          <a:rPr lang="en-US" altLang="zh-CN" b="0" i="1" smtClean="0">
+                            <a:latin typeface="Cambria Math" panose="02040503050406030204" pitchFamily="18" charset="0"/>
+                          </a:rPr>
+                        </m:ctrlPr>
+                      </m:sSubPr>
+                      <m:e>
+                        <m:r>
+                          <a:rPr lang="en-US" altLang="zh-CN" b="0" i="1" smtClean="0">
+                            <a:latin typeface="Cambria Math" panose="02040503050406030204" pitchFamily="18" charset="0"/>
+                          </a:rPr>
+                          <m:t>𝜁</m:t>
+                        </m:r>
+                      </m:e>
+                      <m:sub>
+                        <m:r>
+                          <a:rPr lang="en-US" altLang="zh-CN" b="0" i="1" smtClean="0">
+                            <a:latin typeface="Cambria Math" panose="02040503050406030204" pitchFamily="18" charset="0"/>
+                          </a:rPr>
+                          <m:t>2</m:t>
+                        </m:r>
+                      </m:sub>
+                    </m:sSub>
+                    <m:r>
+                      <a:rPr lang="en-US" altLang="zh-CN" b="0" i="1" smtClean="0">
+                        <a:latin typeface="Cambria Math" panose="02040503050406030204" pitchFamily="18" charset="0"/>
+                      </a:rPr>
+                      <m:t>,</m:t>
+                    </m:r>
+                    <m:sSub>
+                      <m:sSubPr>
+                        <m:ctrlPr>
+                          <a:rPr lang="en-US" altLang="zh-CN" b="0" i="1" smtClean="0">
+                            <a:latin typeface="Cambria Math" panose="02040503050406030204" pitchFamily="18" charset="0"/>
+                          </a:rPr>
+                        </m:ctrlPr>
+                      </m:sSubPr>
+                      <m:e>
+                        <m:r>
+                          <a:rPr lang="en-US" altLang="zh-CN" b="0" i="1" smtClean="0">
+                            <a:latin typeface="Cambria Math" panose="02040503050406030204" pitchFamily="18" charset="0"/>
+                          </a:rPr>
+                          <m:t>𝜁</m:t>
+                        </m:r>
+                      </m:e>
+                      <m:sub>
+                        <m:r>
+                          <a:rPr lang="en-US" altLang="zh-CN" b="0" i="1" smtClean="0">
+                            <a:latin typeface="Cambria Math" panose="02040503050406030204" pitchFamily="18" charset="0"/>
+                          </a:rPr>
+                          <m:t>3</m:t>
+                        </m:r>
+                      </m:sub>
+                    </m:sSub>
+                    <m:r>
+                      <a:rPr lang="zh-CN" altLang="en-US" i="1">
+                        <a:latin typeface="Cambria Math" panose="02040503050406030204" pitchFamily="18" charset="0"/>
+                      </a:rPr>
+                      <m:t>可以</m:t>
+                    </m:r>
+                  </m:oMath>
+                </a14:m>
+                <a:r>
+                  <a:rPr lang="zh-CN" altLang="en-US" dirty="0"/>
+                  <a:t>复制计算过程，参考方向是根据</a:t>
+                </a:r>
+                <a14:m>
+                  <m:oMath xmlns:m="http://schemas.openxmlformats.org/officeDocument/2006/math">
+                    <m:f>
+                      <m:fPr>
+                        <m:ctrlPr>
+                          <a:rPr lang="en-US" altLang="zh-CN" i="1">
+                            <a:latin typeface="Cambria Math" panose="02040503050406030204" pitchFamily="18" charset="0"/>
+                          </a:rPr>
+                        </m:ctrlPr>
+                      </m:fPr>
+                      <m:num>
+                        <m:r>
+                          <a:rPr lang="en-US" altLang="zh-CN" i="1">
+                            <a:latin typeface="Cambria Math" panose="02040503050406030204" pitchFamily="18" charset="0"/>
+                          </a:rPr>
+                          <m:t>𝜕</m:t>
+                        </m:r>
+                      </m:num>
+                      <m:den>
+                        <m:r>
+                          <a:rPr lang="en-US" altLang="zh-CN" i="1">
+                            <a:latin typeface="Cambria Math" panose="02040503050406030204" pitchFamily="18" charset="0"/>
+                          </a:rPr>
+                          <m:t>𝜕</m:t>
+                        </m:r>
+                        <m:sSub>
+                          <m:sSubPr>
+                            <m:ctrlPr>
+                              <a:rPr lang="en-US" altLang="zh-CN" i="1">
+                                <a:latin typeface="Cambria Math" panose="02040503050406030204" pitchFamily="18" charset="0"/>
+                              </a:rPr>
+                            </m:ctrlPr>
+                          </m:sSubPr>
+                          <m:e>
+                            <m:r>
+                              <a:rPr lang="en-US" altLang="zh-CN" i="1">
+                                <a:latin typeface="Cambria Math" panose="02040503050406030204" pitchFamily="18" charset="0"/>
+                              </a:rPr>
+                              <m:t>𝑥</m:t>
+                            </m:r>
+                          </m:e>
+                          <m:sub>
+                            <m:r>
+                              <a:rPr lang="en-US" altLang="zh-CN" i="1">
+                                <a:latin typeface="Cambria Math" panose="02040503050406030204" pitchFamily="18" charset="0"/>
+                              </a:rPr>
+                              <m:t>𝑖</m:t>
+                            </m:r>
+                          </m:sub>
+                        </m:sSub>
+                      </m:den>
+                    </m:f>
+                    <m:sSub>
+                      <m:sSubPr>
+                        <m:ctrlPr>
+                          <a:rPr lang="en-US" altLang="zh-CN" b="0" i="1" smtClean="0">
+                            <a:latin typeface="Cambria Math" panose="02040503050406030204" pitchFamily="18" charset="0"/>
+                          </a:rPr>
+                        </m:ctrlPr>
+                      </m:sSubPr>
+                      <m:e>
+                        <m:r>
+                          <a:rPr lang="en-US" altLang="zh-CN" b="0" i="1" smtClean="0">
+                            <a:latin typeface="Cambria Math" panose="02040503050406030204" pitchFamily="18" charset="0"/>
+                          </a:rPr>
+                          <m:t>𝑢</m:t>
+                        </m:r>
+                      </m:e>
+                      <m:sub>
+                        <m:r>
+                          <a:rPr lang="en-US" altLang="zh-CN" b="0" i="1" smtClean="0">
+                            <a:latin typeface="Cambria Math" panose="02040503050406030204" pitchFamily="18" charset="0"/>
+                          </a:rPr>
+                          <m:t>𝑐𝑒𝑙𝑙</m:t>
+                        </m:r>
+                      </m:sub>
+                    </m:sSub>
+                    <m:r>
+                      <a:rPr lang="zh-CN" altLang="en-US" i="1">
+                        <a:latin typeface="Cambria Math" panose="02040503050406030204" pitchFamily="18" charset="0"/>
+                      </a:rPr>
+                      <m:t>构造</m:t>
+                    </m:r>
+                  </m:oMath>
+                </a14:m>
+                <a:r>
+                  <a:rPr lang="zh-CN" altLang="en-US" dirty="0"/>
+                  <a:t>的另外两个正交基</a:t>
+                </a:r>
+                <a:endParaRPr lang="en-US" altLang="zh-CN" dirty="0"/>
+              </a:p>
+              <a:p>
+                <a:r>
+                  <a:rPr lang="zh-CN" altLang="en-US" dirty="0"/>
+                  <a:t>问题：没法严格保障</a:t>
+                </a:r>
+                <a14:m>
+                  <m:oMath xmlns:m="http://schemas.openxmlformats.org/officeDocument/2006/math">
+                    <m:sSub>
+                      <m:sSubPr>
+                        <m:ctrlPr>
+                          <a:rPr lang="en-US" altLang="zh-CN" b="0" i="1" smtClean="0">
+                            <a:latin typeface="Cambria Math" panose="02040503050406030204" pitchFamily="18" charset="0"/>
+                          </a:rPr>
+                        </m:ctrlPr>
+                      </m:sSubPr>
+                      <m:e>
+                        <m:r>
+                          <a:rPr lang="en-US" altLang="zh-CN" b="0" i="1" smtClean="0">
+                            <a:latin typeface="Cambria Math" panose="02040503050406030204" pitchFamily="18" charset="0"/>
+                          </a:rPr>
+                          <m:t>𝜁</m:t>
+                        </m:r>
+                      </m:e>
+                      <m:sub>
+                        <m:r>
+                          <a:rPr lang="en-US" altLang="zh-CN" b="0" i="1" smtClean="0">
+                            <a:latin typeface="Cambria Math" panose="02040503050406030204" pitchFamily="18" charset="0"/>
+                          </a:rPr>
+                          <m:t>1</m:t>
+                        </m:r>
+                      </m:sub>
+                    </m:sSub>
+                    <m:r>
+                      <a:rPr lang="en-US" altLang="zh-CN" b="0" i="1" smtClean="0">
+                        <a:latin typeface="Cambria Math" panose="02040503050406030204" pitchFamily="18" charset="0"/>
+                      </a:rPr>
+                      <m:t>,</m:t>
+                    </m:r>
+                    <m:sSub>
+                      <m:sSubPr>
+                        <m:ctrlPr>
+                          <a:rPr lang="en-US" altLang="zh-CN" b="0" i="1" smtClean="0">
+                            <a:latin typeface="Cambria Math" panose="02040503050406030204" pitchFamily="18" charset="0"/>
+                          </a:rPr>
+                        </m:ctrlPr>
+                      </m:sSubPr>
+                      <m:e>
+                        <m:r>
+                          <a:rPr lang="en-US" altLang="zh-CN" b="0" i="1" smtClean="0">
+                            <a:latin typeface="Cambria Math" panose="02040503050406030204" pitchFamily="18" charset="0"/>
+                          </a:rPr>
+                          <m:t>𝜁</m:t>
+                        </m:r>
+                      </m:e>
+                      <m:sub>
+                        <m:r>
+                          <a:rPr lang="en-US" altLang="zh-CN" b="0" i="1" smtClean="0">
+                            <a:latin typeface="Cambria Math" panose="02040503050406030204" pitchFamily="18" charset="0"/>
+                          </a:rPr>
+                          <m:t>2</m:t>
+                        </m:r>
+                      </m:sub>
+                    </m:sSub>
+                    <m:r>
+                      <a:rPr lang="en-US" altLang="zh-CN" b="0" i="1" smtClean="0">
+                        <a:latin typeface="Cambria Math" panose="02040503050406030204" pitchFamily="18" charset="0"/>
+                      </a:rPr>
+                      <m:t>,</m:t>
+                    </m:r>
+                    <m:sSub>
+                      <m:sSubPr>
+                        <m:ctrlPr>
+                          <a:rPr lang="en-US" altLang="zh-CN" b="0" i="1" smtClean="0">
+                            <a:latin typeface="Cambria Math" panose="02040503050406030204" pitchFamily="18" charset="0"/>
+                          </a:rPr>
+                        </m:ctrlPr>
+                      </m:sSubPr>
+                      <m:e>
+                        <m:r>
+                          <a:rPr lang="en-US" altLang="zh-CN" b="0" i="1" smtClean="0">
+                            <a:latin typeface="Cambria Math" panose="02040503050406030204" pitchFamily="18" charset="0"/>
+                          </a:rPr>
+                          <m:t>𝜁</m:t>
+                        </m:r>
+                      </m:e>
+                      <m:sub>
+                        <m:r>
+                          <a:rPr lang="en-US" altLang="zh-CN" b="0" i="1" smtClean="0">
+                            <a:latin typeface="Cambria Math" panose="02040503050406030204" pitchFamily="18" charset="0"/>
+                          </a:rPr>
+                          <m:t>3</m:t>
+                        </m:r>
+                      </m:sub>
+                    </m:sSub>
+                  </m:oMath>
+                </a14:m>
+                <a:r>
+                  <a:rPr lang="zh-CN" altLang="en-US" dirty="0"/>
+                  <a:t>的保角性</a:t>
+                </a:r>
+                <a:endParaRPr lang="en-US" altLang="zh-CN" dirty="0"/>
+              </a:p>
+              <a:p>
+                <a:pPr lvl="1"/>
+                <a:r>
+                  <a:rPr lang="zh-CN" altLang="en-US" dirty="0"/>
+                  <a:t>怎样完备表述一个“多项式”类型的三维保角变换？</a:t>
+                </a:r>
+                <a:endParaRPr lang="en-US" altLang="zh-CN" dirty="0"/>
+              </a:p>
+              <a:p>
+                <a:pPr lvl="1"/>
+                <a:r>
+                  <a:rPr lang="zh-CN" altLang="en-US" dirty="0"/>
+                  <a:t>二维可以改进：</a:t>
+                </a:r>
+                <a14:m>
+                  <m:oMath xmlns:m="http://schemas.openxmlformats.org/officeDocument/2006/math">
+                    <m:r>
+                      <a:rPr lang="en-US" altLang="zh-CN" b="0" i="1" smtClean="0">
+                        <a:latin typeface="Cambria Math" panose="02040503050406030204" pitchFamily="18" charset="0"/>
+                      </a:rPr>
+                      <m:t>𝜒</m:t>
+                    </m:r>
+                    <m:r>
+                      <a:rPr lang="en-US" altLang="zh-CN" b="0" i="1" smtClean="0">
+                        <a:latin typeface="Cambria Math" panose="02040503050406030204" pitchFamily="18" charset="0"/>
+                      </a:rPr>
+                      <m:t>=</m:t>
+                    </m:r>
+                    <m:sSub>
+                      <m:sSubPr>
+                        <m:ctrlPr>
+                          <a:rPr lang="en-US" altLang="zh-CN" b="0" i="1" smtClean="0">
+                            <a:latin typeface="Cambria Math" panose="02040503050406030204" pitchFamily="18" charset="0"/>
+                          </a:rPr>
+                        </m:ctrlPr>
+                      </m:sSubPr>
+                      <m:e>
+                        <m:r>
+                          <a:rPr lang="en-US" altLang="zh-CN" b="0" i="1" smtClean="0">
+                            <a:latin typeface="Cambria Math" panose="02040503050406030204" pitchFamily="18" charset="0"/>
+                          </a:rPr>
+                          <m:t>𝜉</m:t>
+                        </m:r>
+                      </m:e>
+                      <m:sub>
+                        <m:r>
+                          <a:rPr lang="en-US" altLang="zh-CN" b="0" i="1" smtClean="0">
+                            <a:latin typeface="Cambria Math" panose="02040503050406030204" pitchFamily="18" charset="0"/>
+                          </a:rPr>
+                          <m:t>1</m:t>
+                        </m:r>
+                      </m:sub>
+                    </m:sSub>
+                    <m:r>
+                      <a:rPr lang="en-US" altLang="zh-CN" b="0" i="1" smtClean="0">
+                        <a:latin typeface="Cambria Math" panose="02040503050406030204" pitchFamily="18" charset="0"/>
+                      </a:rPr>
+                      <m:t>+</m:t>
+                    </m:r>
+                    <m:r>
+                      <a:rPr lang="en-US" altLang="zh-CN" b="0" i="1" smtClean="0">
+                        <a:latin typeface="Cambria Math" panose="02040503050406030204" pitchFamily="18" charset="0"/>
+                      </a:rPr>
+                      <m:t>𝑖</m:t>
+                    </m:r>
+                    <m:sSub>
+                      <m:sSubPr>
+                        <m:ctrlPr>
+                          <a:rPr lang="en-US" altLang="zh-CN" b="0" i="1" smtClean="0">
+                            <a:latin typeface="Cambria Math" panose="02040503050406030204" pitchFamily="18" charset="0"/>
+                          </a:rPr>
+                        </m:ctrlPr>
+                      </m:sSubPr>
+                      <m:e>
+                        <m:r>
+                          <a:rPr lang="en-US" altLang="zh-CN" b="0" i="1" smtClean="0">
+                            <a:latin typeface="Cambria Math" panose="02040503050406030204" pitchFamily="18" charset="0"/>
+                          </a:rPr>
+                          <m:t>𝜉</m:t>
+                        </m:r>
+                      </m:e>
+                      <m:sub>
+                        <m:r>
+                          <a:rPr lang="en-US" altLang="zh-CN" b="0" i="1" smtClean="0">
+                            <a:latin typeface="Cambria Math" panose="02040503050406030204" pitchFamily="18" charset="0"/>
+                          </a:rPr>
+                          <m:t>2</m:t>
+                        </m:r>
+                      </m:sub>
+                    </m:sSub>
+                    <m:r>
+                      <a:rPr lang="zh-CN" altLang="en-US" i="1">
+                        <a:latin typeface="Cambria Math" panose="02040503050406030204" pitchFamily="18" charset="0"/>
+                      </a:rPr>
+                      <m:t>，</m:t>
+                    </m:r>
+                    <m:sSub>
+                      <m:sSubPr>
+                        <m:ctrlPr>
+                          <a:rPr lang="en-US" altLang="zh-CN" b="0" i="1" smtClean="0">
+                            <a:latin typeface="Cambria Math" panose="02040503050406030204" pitchFamily="18" charset="0"/>
+                          </a:rPr>
+                        </m:ctrlPr>
+                      </m:sSubPr>
+                      <m:e>
+                        <m:r>
+                          <a:rPr lang="en-US" altLang="zh-CN" b="0" i="1" smtClean="0">
+                            <a:latin typeface="Cambria Math" panose="02040503050406030204" pitchFamily="18" charset="0"/>
+                          </a:rPr>
+                          <m:t>𝜁</m:t>
+                        </m:r>
+                      </m:e>
+                      <m:sub>
+                        <m:r>
+                          <a:rPr lang="en-US" altLang="zh-CN" b="0" i="1" smtClean="0">
+                            <a:latin typeface="Cambria Math" panose="02040503050406030204" pitchFamily="18" charset="0"/>
+                          </a:rPr>
+                          <m:t>1</m:t>
+                        </m:r>
+                      </m:sub>
+                    </m:sSub>
+                    <m:r>
+                      <a:rPr lang="en-US" altLang="zh-CN" b="0" i="1" smtClean="0">
+                        <a:latin typeface="Cambria Math" panose="02040503050406030204" pitchFamily="18" charset="0"/>
+                      </a:rPr>
+                      <m:t>+</m:t>
+                    </m:r>
+                    <m:r>
+                      <a:rPr lang="en-US" altLang="zh-CN" b="0" i="1" smtClean="0">
+                        <a:latin typeface="Cambria Math" panose="02040503050406030204" pitchFamily="18" charset="0"/>
+                      </a:rPr>
+                      <m:t>𝑖</m:t>
+                    </m:r>
+                    <m:sSub>
+                      <m:sSubPr>
+                        <m:ctrlPr>
+                          <a:rPr lang="en-US" altLang="zh-CN" b="0" i="1" smtClean="0">
+                            <a:latin typeface="Cambria Math" panose="02040503050406030204" pitchFamily="18" charset="0"/>
+                          </a:rPr>
+                        </m:ctrlPr>
+                      </m:sSubPr>
+                      <m:e>
+                        <m:r>
+                          <a:rPr lang="en-US" altLang="zh-CN" b="0" i="1" smtClean="0">
+                            <a:latin typeface="Cambria Math" panose="02040503050406030204" pitchFamily="18" charset="0"/>
+                          </a:rPr>
+                          <m:t>𝜁</m:t>
+                        </m:r>
+                      </m:e>
+                      <m:sub>
+                        <m:r>
+                          <a:rPr lang="en-US" altLang="zh-CN" b="0" i="1" smtClean="0">
+                            <a:latin typeface="Cambria Math" panose="02040503050406030204" pitchFamily="18" charset="0"/>
+                          </a:rPr>
+                          <m:t>2</m:t>
+                        </m:r>
+                      </m:sub>
+                    </m:sSub>
+                    <m:r>
+                      <a:rPr lang="en-US" altLang="zh-CN" b="0" i="1" smtClean="0">
+                        <a:latin typeface="Cambria Math" panose="02040503050406030204" pitchFamily="18" charset="0"/>
+                      </a:rPr>
+                      <m:t>=</m:t>
+                    </m:r>
+                    <m:r>
+                      <a:rPr lang="en-US" altLang="zh-CN" b="0" i="1" smtClean="0">
+                        <a:latin typeface="Cambria Math" panose="02040503050406030204" pitchFamily="18" charset="0"/>
+                      </a:rPr>
+                      <m:t>𝑎</m:t>
+                    </m:r>
+                    <m:r>
+                      <a:rPr lang="en-US" altLang="zh-CN" b="0" i="1" smtClean="0">
+                        <a:latin typeface="Cambria Math" panose="02040503050406030204" pitchFamily="18" charset="0"/>
+                      </a:rPr>
+                      <m:t>𝜒</m:t>
+                    </m:r>
+                    <m:r>
+                      <a:rPr lang="en-US" altLang="zh-CN" b="0" i="1" smtClean="0">
+                        <a:latin typeface="Cambria Math" panose="02040503050406030204" pitchFamily="18" charset="0"/>
+                      </a:rPr>
+                      <m:t>+</m:t>
+                    </m:r>
+                    <m:r>
+                      <a:rPr lang="en-US" altLang="zh-CN" b="0" i="1" smtClean="0">
+                        <a:latin typeface="Cambria Math" panose="02040503050406030204" pitchFamily="18" charset="0"/>
+                      </a:rPr>
+                      <m:t>𝑏</m:t>
+                    </m:r>
+                    <m:sSup>
+                      <m:sSupPr>
+                        <m:ctrlPr>
+                          <a:rPr lang="en-US" altLang="zh-CN" b="0" i="1" smtClean="0">
+                            <a:latin typeface="Cambria Math" panose="02040503050406030204" pitchFamily="18" charset="0"/>
+                          </a:rPr>
+                        </m:ctrlPr>
+                      </m:sSupPr>
+                      <m:e>
+                        <m:r>
+                          <a:rPr lang="en-US" altLang="zh-CN" b="0" i="1" smtClean="0">
+                            <a:latin typeface="Cambria Math" panose="02040503050406030204" pitchFamily="18" charset="0"/>
+                          </a:rPr>
+                          <m:t>𝜒</m:t>
+                        </m:r>
+                      </m:e>
+                      <m:sup>
+                        <m:r>
+                          <a:rPr lang="en-US" altLang="zh-CN" b="0" i="1" smtClean="0">
+                            <a:latin typeface="Cambria Math" panose="02040503050406030204" pitchFamily="18" charset="0"/>
+                          </a:rPr>
+                          <m:t>2</m:t>
+                        </m:r>
+                      </m:sup>
+                    </m:sSup>
+                    <m:r>
+                      <a:rPr lang="en-US" altLang="zh-CN" b="0" i="1" smtClean="0">
+                        <a:latin typeface="Cambria Math" panose="02040503050406030204" pitchFamily="18" charset="0"/>
+                      </a:rPr>
+                      <m:t>+</m:t>
+                    </m:r>
+                    <m:r>
+                      <a:rPr lang="en-US" altLang="zh-CN" b="0" i="1" smtClean="0">
+                        <a:latin typeface="Cambria Math" panose="02040503050406030204" pitchFamily="18" charset="0"/>
+                      </a:rPr>
+                      <m:t>𝑐</m:t>
+                    </m:r>
+                    <m:sSup>
+                      <m:sSupPr>
+                        <m:ctrlPr>
+                          <a:rPr lang="en-US" altLang="zh-CN" b="0" i="1" smtClean="0">
+                            <a:latin typeface="Cambria Math" panose="02040503050406030204" pitchFamily="18" charset="0"/>
+                          </a:rPr>
+                        </m:ctrlPr>
+                      </m:sSupPr>
+                      <m:e>
+                        <m:r>
+                          <a:rPr lang="en-US" altLang="zh-CN" b="0" i="1" smtClean="0">
+                            <a:latin typeface="Cambria Math" panose="02040503050406030204" pitchFamily="18" charset="0"/>
+                          </a:rPr>
+                          <m:t>𝜒</m:t>
+                        </m:r>
+                      </m:e>
+                      <m:sup>
+                        <m:r>
+                          <a:rPr lang="en-US" altLang="zh-CN" b="0" i="1" smtClean="0">
+                            <a:latin typeface="Cambria Math" panose="02040503050406030204" pitchFamily="18" charset="0"/>
+                          </a:rPr>
+                          <m:t>3</m:t>
+                        </m:r>
+                      </m:sup>
+                    </m:sSup>
+                  </m:oMath>
+                </a14:m>
+                <a:endParaRPr lang="en-US" altLang="zh-CN" dirty="0"/>
+              </a:p>
+              <a:p>
+                <a:r>
+                  <a:rPr lang="zh-CN" altLang="en-US" dirty="0"/>
+                  <a:t>试验：分别估算完全多项式系数</a:t>
+                </a:r>
+                <a:endParaRPr lang="en-US" altLang="zh-CN" dirty="0"/>
+              </a:p>
+              <a:p>
+                <a:pPr lvl="1"/>
+                <a:endParaRPr lang="en-US" altLang="zh-CN" dirty="0"/>
+              </a:p>
+            </p:txBody>
+          </p:sp>
+        </mc:Choice>
+        <mc:Fallback>
+          <p:sp>
+            <p:nvSpPr>
+              <p:cNvPr id="3" name="内容占位符 2">
+                <a:extLst>
+                  <a:ext uri="{FF2B5EF4-FFF2-40B4-BE49-F238E27FC236}">
+                    <a16:creationId xmlns:a16="http://schemas.microsoft.com/office/drawing/2014/main" id="{2E20B3E3-8C0D-4E31-820E-4A4272C84561}"/>
+                  </a:ext>
+                </a:extLst>
+              </p:cNvPr>
+              <p:cNvSpPr>
+                <a:spLocks noGrp="1" noRot="1" noChangeAspect="1" noMove="1" noResize="1" noEditPoints="1" noAdjustHandles="1" noChangeArrowheads="1" noChangeShapeType="1" noTextEdit="1"/>
+              </p:cNvSpPr>
+              <p:nvPr>
+                <p:ph idx="1"/>
+              </p:nvPr>
+            </p:nvSpPr>
+            <p:spPr>
+              <a:xfrm>
+                <a:off x="838200" y="1512473"/>
+                <a:ext cx="10515600" cy="4769329"/>
+              </a:xfrm>
+              <a:blipFill>
+                <a:blip r:embed="rId2"/>
+                <a:stretch>
+                  <a:fillRect l="-1043" r="-754"/>
+                </a:stretch>
+              </a:blipFill>
+            </p:spPr>
+            <p:txBody>
+              <a:bodyPr/>
+              <a:lstStyle/>
+              <a:p>
+                <a:r>
+                  <a:rPr lang="zh-CN" altLang="en-US">
+                    <a:noFill/>
+                  </a:rPr>
+                  <a:t> </a:t>
+                </a:r>
+              </a:p>
+            </p:txBody>
+          </p:sp>
+        </mc:Fallback>
+      </mc:AlternateContent>
+    </p:spTree>
+    <p:extLst>
+      <p:ext uri="{BB962C8B-B14F-4D97-AF65-F5344CB8AC3E}">
+        <p14:creationId xmlns:p14="http://schemas.microsoft.com/office/powerpoint/2010/main" val="3748725692"/>
+      </p:ext>
+    </p:extLst>
+  </p:cSld>
+  <p:clrMapOvr>
+    <a:masterClrMapping/>
+  </p:clrMapOvr>
+</p:sld>
+</file>
+
+<file path=ppt/slides/slide14.xml><?xml version="1.0" encoding="utf-8"?>
+<p:sld xmlns:a="http://schemas.openxmlformats.org/drawingml/2006/main" xmlns:r="http://schemas.openxmlformats.org/officeDocument/2006/relationships" xmlns:p="http://schemas.openxmlformats.org/presentationml/2006/main">
+  <p:cSld>
+    <p:spTree>
+      <p:nvGrpSpPr>
+        <p:cNvPr id="1" name=""/>
+        <p:cNvGrpSpPr/>
+        <p:nvPr/>
+      </p:nvGrpSpPr>
+      <p:grpSpPr>
+        <a:xfrm>
+          <a:off x="0" y="0"/>
+          <a:ext cx="0" cy="0"/>
+          <a:chOff x="0" y="0"/>
+          <a:chExt cx="0" cy="0"/>
+        </a:xfrm>
+      </p:grpSpPr>
+      <p:sp>
+        <p:nvSpPr>
+          <p:cNvPr id="2" name="标题 1">
+            <a:extLst>
+              <a:ext uri="{FF2B5EF4-FFF2-40B4-BE49-F238E27FC236}">
+                <a16:creationId xmlns:a16="http://schemas.microsoft.com/office/drawing/2014/main" id="{B214CF42-B6CB-4B50-ADF9-E326C7ED63A1}"/>
+              </a:ext>
+            </a:extLst>
+          </p:cNvPr>
+          <p:cNvSpPr>
+            <a:spLocks noGrp="1"/>
+          </p:cNvSpPr>
+          <p:nvPr>
+            <p:ph type="title"/>
+          </p:nvPr>
+        </p:nvSpPr>
+        <p:spPr/>
+        <p:txBody>
+          <a:bodyPr/>
+          <a:lstStyle/>
+          <a:p>
+            <a:r>
+              <a:rPr lang="zh-CN" altLang="en-US" dirty="0"/>
+              <a:t>曲线坐标显式估测</a:t>
+            </a:r>
+          </a:p>
+        </p:txBody>
+      </p:sp>
+      <p:sp>
+        <p:nvSpPr>
+          <p:cNvPr id="3" name="内容占位符 2">
+            <a:extLst>
+              <a:ext uri="{FF2B5EF4-FFF2-40B4-BE49-F238E27FC236}">
+                <a16:creationId xmlns:a16="http://schemas.microsoft.com/office/drawing/2014/main" id="{2E20B3E3-8C0D-4E31-820E-4A4272C84561}"/>
+              </a:ext>
+            </a:extLst>
+          </p:cNvPr>
+          <p:cNvSpPr>
+            <a:spLocks noGrp="1"/>
+          </p:cNvSpPr>
+          <p:nvPr>
+            <p:ph idx="1"/>
+          </p:nvPr>
+        </p:nvSpPr>
+        <p:spPr>
+          <a:xfrm>
+            <a:off x="838200" y="1512473"/>
+            <a:ext cx="10515600" cy="4769329"/>
+          </a:xfrm>
+        </p:spPr>
+        <p:txBody>
+          <a:bodyPr>
+            <a:normAutofit/>
+          </a:bodyPr>
+          <a:lstStyle/>
+          <a:p>
+            <a:pPr marL="0" indent="0">
+              <a:buNone/>
+            </a:pPr>
+            <a:endParaRPr lang="en-US" altLang="zh-CN" dirty="0"/>
+          </a:p>
+          <a:p>
+            <a:endParaRPr lang="en-US" altLang="zh-CN" dirty="0"/>
+          </a:p>
+          <a:p>
+            <a:r>
+              <a:rPr lang="zh-CN" altLang="en-US" dirty="0"/>
+              <a:t>试验：</a:t>
+            </a:r>
+            <a:endParaRPr lang="en-US" altLang="zh-CN" dirty="0"/>
+          </a:p>
+          <a:p>
+            <a:pPr lvl="1"/>
+            <a:r>
+              <a:rPr lang="zh-CN" altLang="en-US" dirty="0"/>
+              <a:t>新基是在老基基础上更新，选取约</a:t>
+            </a:r>
+            <a:r>
+              <a:rPr lang="en-US" altLang="zh-CN" dirty="0"/>
+              <a:t>500~1000</a:t>
+            </a:r>
+            <a:r>
+              <a:rPr lang="zh-CN" altLang="en-US" dirty="0"/>
+              <a:t>步收敛较好的位置开始使用，只在壁面附近数值解</a:t>
+            </a:r>
+            <a:r>
+              <a:rPr lang="en-US" altLang="zh-CN" dirty="0"/>
+              <a:t>0.3</a:t>
+            </a:r>
+            <a:r>
+              <a:rPr lang="zh-CN" altLang="en-US" dirty="0"/>
+              <a:t>范围内使用，更新后重构单独迭代一定程度</a:t>
+            </a:r>
+            <a:endParaRPr lang="en-US" altLang="zh-CN" dirty="0"/>
+          </a:p>
+          <a:p>
+            <a:pPr lvl="1"/>
+            <a:r>
+              <a:rPr lang="zh-CN" altLang="en-US" dirty="0"/>
+              <a:t>测试表明，进行多次重复更新，有不稳定性，无益于精度</a:t>
+            </a:r>
+            <a:endParaRPr lang="en-US" altLang="zh-CN" dirty="0"/>
+          </a:p>
+          <a:p>
+            <a:pPr lvl="1"/>
+            <a:r>
+              <a:rPr lang="en-US" altLang="zh-CN" dirty="0"/>
+              <a:t>3</a:t>
+            </a:r>
+            <a:r>
+              <a:rPr lang="zh-CN" altLang="en-US" dirty="0"/>
+              <a:t>阶、</a:t>
+            </a:r>
+            <a:r>
+              <a:rPr lang="en-US" altLang="zh-CN" dirty="0"/>
+              <a:t>1</a:t>
+            </a:r>
+            <a:r>
+              <a:rPr lang="zh-CN" altLang="en-US" dirty="0"/>
+              <a:t>阶拟合的</a:t>
+            </a:r>
+            <a:r>
+              <a:rPr lang="en-US" altLang="zh-CN" dirty="0"/>
+              <a:t>1</a:t>
+            </a:r>
+            <a:r>
+              <a:rPr lang="zh-CN" altLang="en-US" dirty="0"/>
+              <a:t>次更新，精度变坏，</a:t>
+            </a:r>
+            <a:r>
+              <a:rPr lang="en-US" altLang="zh-CN" dirty="0"/>
+              <a:t>2</a:t>
+            </a:r>
+            <a:r>
+              <a:rPr lang="zh-CN" altLang="en-US" dirty="0"/>
+              <a:t>阶拟合的</a:t>
+            </a:r>
+            <a:r>
+              <a:rPr lang="en-US" altLang="zh-CN" dirty="0"/>
+              <a:t>1</a:t>
+            </a:r>
+            <a:r>
+              <a:rPr lang="zh-CN" altLang="en-US" dirty="0"/>
+              <a:t>次更新，精度变好</a:t>
+            </a:r>
+            <a:endParaRPr lang="en-US" altLang="zh-CN" dirty="0"/>
+          </a:p>
+          <a:p>
+            <a:pPr lvl="1"/>
+            <a:r>
+              <a:rPr lang="en-US" altLang="zh-CN" dirty="0"/>
+              <a:t>2</a:t>
+            </a:r>
+            <a:r>
+              <a:rPr lang="zh-CN" altLang="en-US" dirty="0"/>
+              <a:t>阶拟合的</a:t>
+            </a:r>
+            <a:r>
+              <a:rPr lang="en-US" altLang="zh-CN" dirty="0"/>
+              <a:t>1</a:t>
+            </a:r>
+            <a:r>
+              <a:rPr lang="zh-CN" altLang="en-US" dirty="0"/>
+              <a:t>次更新，基准</a:t>
+            </a:r>
+            <a:r>
+              <a:rPr lang="en-US" altLang="zh-CN" dirty="0"/>
+              <a:t>+</a:t>
+            </a:r>
+            <a:r>
+              <a:rPr lang="zh-CN" altLang="en-US" dirty="0"/>
+              <a:t>面权重</a:t>
+            </a:r>
+            <a:r>
+              <a:rPr lang="en-US" altLang="zh-CN" dirty="0"/>
+              <a:t>10</a:t>
+            </a:r>
+          </a:p>
+          <a:p>
+            <a:pPr lvl="2"/>
+            <a:r>
+              <a:rPr lang="en-US" altLang="zh-CN" dirty="0"/>
+              <a:t>1.3e-3/2.3e-1 </a:t>
+            </a:r>
+            <a:r>
+              <a:rPr lang="zh-CN" altLang="en-US" dirty="0"/>
+              <a:t>变为 </a:t>
+            </a:r>
+            <a:r>
+              <a:rPr lang="en-US" altLang="zh-CN" dirty="0"/>
+              <a:t>1.17e-3/1.19e-1</a:t>
+            </a:r>
+          </a:p>
+          <a:p>
+            <a:endParaRPr lang="en-US" altLang="zh-CN" dirty="0"/>
+          </a:p>
+          <a:p>
+            <a:pPr lvl="1"/>
+            <a:endParaRPr lang="en-US" altLang="zh-CN" dirty="0"/>
+          </a:p>
+        </p:txBody>
+      </p:sp>
+    </p:spTree>
+    <p:extLst>
+      <p:ext uri="{BB962C8B-B14F-4D97-AF65-F5344CB8AC3E}">
+        <p14:creationId xmlns:p14="http://schemas.microsoft.com/office/powerpoint/2010/main" val="2000984129"/>
+      </p:ext>
+    </p:extLst>
+  </p:cSld>
+  <p:clrMapOvr>
+    <a:masterClrMapping/>
+  </p:clrMapOvr>
+</p:sld>
+</file>
+
+<file path=ppt/slides/slide15.xml><?xml version="1.0" encoding="utf-8"?>
+<p:sld xmlns:a="http://schemas.openxmlformats.org/drawingml/2006/main" xmlns:r="http://schemas.openxmlformats.org/officeDocument/2006/relationships" xmlns:p="http://schemas.openxmlformats.org/presentationml/2006/main">
+  <p:cSld>
+    <p:spTree>
+      <p:nvGrpSpPr>
+        <p:cNvPr id="1" name=""/>
+        <p:cNvGrpSpPr/>
+        <p:nvPr/>
+      </p:nvGrpSpPr>
+      <p:grpSpPr>
+        <a:xfrm>
+          <a:off x="0" y="0"/>
+          <a:ext cx="0" cy="0"/>
+          <a:chOff x="0" y="0"/>
+          <a:chExt cx="0" cy="0"/>
+        </a:xfrm>
+      </p:grpSpPr>
+      <p:sp>
+        <p:nvSpPr>
+          <p:cNvPr id="2" name="标题 1">
+            <a:extLst>
+              <a:ext uri="{FF2B5EF4-FFF2-40B4-BE49-F238E27FC236}">
+                <a16:creationId xmlns:a16="http://schemas.microsoft.com/office/drawing/2014/main" id="{331F2FAF-CF80-495B-A507-1B146556FC96}"/>
+              </a:ext>
+            </a:extLst>
+          </p:cNvPr>
+          <p:cNvSpPr>
+            <a:spLocks noGrp="1"/>
+          </p:cNvSpPr>
+          <p:nvPr>
+            <p:ph type="title"/>
+          </p:nvPr>
+        </p:nvSpPr>
+        <p:spPr/>
+        <p:txBody>
+          <a:bodyPr/>
+          <a:lstStyle/>
+          <a:p>
+            <a:r>
+              <a:rPr lang="zh-CN" altLang="en-US" dirty="0"/>
+              <a:t>关于</a:t>
+            </a:r>
+            <a:r>
+              <a:rPr lang="en-US" altLang="zh-CN" dirty="0"/>
+              <a:t>GPU704</a:t>
+            </a:r>
+            <a:endParaRPr lang="zh-CN" altLang="en-US" dirty="0"/>
+          </a:p>
+        </p:txBody>
+      </p:sp>
+      <p:sp>
+        <p:nvSpPr>
+          <p:cNvPr id="3" name="内容占位符 2">
+            <a:extLst>
+              <a:ext uri="{FF2B5EF4-FFF2-40B4-BE49-F238E27FC236}">
+                <a16:creationId xmlns:a16="http://schemas.microsoft.com/office/drawing/2014/main" id="{5351CAFF-3C57-4248-8EE3-B25DE925B87A}"/>
+              </a:ext>
+            </a:extLst>
+          </p:cNvPr>
+          <p:cNvSpPr>
+            <a:spLocks noGrp="1"/>
+          </p:cNvSpPr>
+          <p:nvPr>
+            <p:ph idx="1"/>
+          </p:nvPr>
+        </p:nvSpPr>
+        <p:spPr>
+          <a:xfrm>
+            <a:off x="823727" y="1690688"/>
+            <a:ext cx="4949142" cy="2144491"/>
+          </a:xfrm>
+        </p:spPr>
+        <p:txBody>
+          <a:bodyPr>
+            <a:normAutofit/>
+          </a:bodyPr>
+          <a:lstStyle/>
+          <a:p>
+            <a:r>
+              <a:rPr lang="zh-CN" altLang="en-US" sz="2000" dirty="0"/>
+              <a:t>性能测试：可能受到内存限制大（测试程序访存过高，后有改进）</a:t>
+            </a:r>
+            <a:endParaRPr lang="en-US" altLang="zh-CN" sz="2000" dirty="0"/>
+          </a:p>
+          <a:p>
+            <a:r>
+              <a:rPr lang="zh-CN" altLang="en-US" sz="2000" dirty="0"/>
+              <a:t>主板</a:t>
+            </a:r>
+            <a:r>
+              <a:rPr lang="en-US" altLang="zh-CN" sz="2000" dirty="0"/>
+              <a:t>16</a:t>
+            </a:r>
+            <a:r>
+              <a:rPr lang="zh-CN" altLang="en-US" sz="2000" dirty="0"/>
+              <a:t>个内存槽，双路</a:t>
+            </a:r>
+            <a:r>
+              <a:rPr lang="en-US" altLang="zh-CN" sz="2000" dirty="0"/>
+              <a:t>CPU</a:t>
+            </a:r>
+            <a:r>
+              <a:rPr lang="zh-CN" altLang="en-US" sz="2000" dirty="0"/>
+              <a:t>，插</a:t>
+            </a:r>
+            <a:r>
+              <a:rPr lang="en-US" altLang="zh-CN" sz="2000" dirty="0"/>
+              <a:t>2x32G</a:t>
+            </a:r>
+            <a:r>
+              <a:rPr lang="zh-CN" altLang="en-US" sz="2000" dirty="0"/>
+              <a:t>，应当是分别单通道</a:t>
+            </a:r>
+            <a:endParaRPr lang="en-US" altLang="zh-CN" sz="2000" dirty="0"/>
+          </a:p>
+          <a:p>
+            <a:r>
+              <a:rPr lang="en-US" altLang="zh-CN" sz="2000" dirty="0"/>
+              <a:t>CPU</a:t>
+            </a:r>
+            <a:r>
+              <a:rPr lang="zh-CN" altLang="en-US" sz="2000" dirty="0"/>
+              <a:t>支持</a:t>
+            </a:r>
+            <a:r>
+              <a:rPr lang="en-US" altLang="zh-CN" sz="2000" dirty="0"/>
+              <a:t>8</a:t>
+            </a:r>
+            <a:r>
+              <a:rPr lang="zh-CN" altLang="en-US" sz="2000" dirty="0"/>
+              <a:t>通道（</a:t>
+            </a:r>
+            <a:r>
+              <a:rPr lang="en-US" altLang="zh-CN" sz="2000" dirty="0"/>
+              <a:t>8x</a:t>
+            </a:r>
+            <a:r>
+              <a:rPr lang="zh-CN" altLang="en-US" sz="2000" dirty="0"/>
+              <a:t>带宽）（插满）</a:t>
+            </a:r>
+            <a:endParaRPr lang="en-US" altLang="zh-CN" sz="2000" dirty="0"/>
+          </a:p>
+          <a:p>
+            <a:r>
+              <a:rPr lang="zh-CN" altLang="en-US" sz="2000" dirty="0"/>
+              <a:t>考虑加装内存提升</a:t>
+            </a:r>
+            <a:r>
+              <a:rPr lang="en-US" altLang="zh-CN" sz="2000" dirty="0"/>
+              <a:t>CPU</a:t>
+            </a:r>
+            <a:r>
+              <a:rPr lang="zh-CN" altLang="en-US" sz="2000" dirty="0"/>
+              <a:t>计算的</a:t>
+            </a:r>
+            <a:r>
+              <a:rPr lang="en-US" altLang="zh-CN" sz="2000" dirty="0"/>
+              <a:t>CFD</a:t>
+            </a:r>
+            <a:r>
+              <a:rPr lang="zh-CN" altLang="en-US" sz="2000" dirty="0"/>
+              <a:t>性能</a:t>
+            </a:r>
+          </a:p>
+        </p:txBody>
+      </p:sp>
+      <p:pic>
+        <p:nvPicPr>
+          <p:cNvPr id="4" name="图片 3">
+            <a:extLst>
+              <a:ext uri="{FF2B5EF4-FFF2-40B4-BE49-F238E27FC236}">
+                <a16:creationId xmlns:a16="http://schemas.microsoft.com/office/drawing/2014/main" id="{8A8FAFC9-52C7-46B8-89DA-A38D31EAE32C}"/>
+              </a:ext>
+            </a:extLst>
+          </p:cNvPr>
+          <p:cNvPicPr>
+            <a:picLocks noChangeAspect="1"/>
+          </p:cNvPicPr>
+          <p:nvPr/>
+        </p:nvPicPr>
+        <p:blipFill>
+          <a:blip r:embed="rId2"/>
+          <a:stretch>
+            <a:fillRect/>
+          </a:stretch>
+        </p:blipFill>
+        <p:spPr>
+          <a:xfrm>
+            <a:off x="6539697" y="923536"/>
+            <a:ext cx="5138196" cy="5934466"/>
+          </a:xfrm>
+          <a:prstGeom prst="rect">
+            <a:avLst/>
+          </a:prstGeom>
+        </p:spPr>
+      </p:pic>
+      <p:pic>
+        <p:nvPicPr>
+          <p:cNvPr id="5" name="图片 4">
+            <a:extLst>
+              <a:ext uri="{FF2B5EF4-FFF2-40B4-BE49-F238E27FC236}">
+                <a16:creationId xmlns:a16="http://schemas.microsoft.com/office/drawing/2014/main" id="{F253777A-7D3E-401F-B30C-80AA9F6C9F7E}"/>
+              </a:ext>
+            </a:extLst>
+          </p:cNvPr>
+          <p:cNvPicPr>
+            <a:picLocks noChangeAspect="1"/>
+          </p:cNvPicPr>
+          <p:nvPr/>
+        </p:nvPicPr>
+        <p:blipFill>
+          <a:blip r:embed="rId3"/>
+          <a:stretch>
+            <a:fillRect/>
+          </a:stretch>
+        </p:blipFill>
+        <p:spPr>
+          <a:xfrm>
+            <a:off x="580624" y="4064805"/>
+            <a:ext cx="5515376" cy="2793195"/>
+          </a:xfrm>
+          <a:prstGeom prst="rect">
+            <a:avLst/>
+          </a:prstGeom>
+        </p:spPr>
+      </p:pic>
+      <p:sp>
+        <p:nvSpPr>
+          <p:cNvPr id="6" name="矩形 5">
+            <a:extLst>
+              <a:ext uri="{FF2B5EF4-FFF2-40B4-BE49-F238E27FC236}">
+                <a16:creationId xmlns:a16="http://schemas.microsoft.com/office/drawing/2014/main" id="{F827D956-D51D-48A3-B496-4429F0A08225}"/>
+              </a:ext>
+            </a:extLst>
+          </p:cNvPr>
+          <p:cNvSpPr/>
+          <p:nvPr/>
+        </p:nvSpPr>
+        <p:spPr>
+          <a:xfrm>
+            <a:off x="8221883" y="1027906"/>
+            <a:ext cx="817945" cy="5830094"/>
+          </a:xfrm>
+          <a:prstGeom prst="rect">
+            <a:avLst/>
+          </a:prstGeom>
+          <a:noFill/>
+          <a:ln w="38100">
+            <a:solidFill>
+              <a:srgbClr val="FF0000"/>
+            </a:solidFill>
+          </a:ln>
+        </p:spPr>
+        <p:style>
+          <a:lnRef idx="2">
+            <a:schemeClr val="accent1">
+              <a:shade val="50000"/>
+            </a:schemeClr>
+          </a:lnRef>
+          <a:fillRef idx="1">
+            <a:schemeClr val="accent1"/>
+          </a:fillRef>
+          <a:effectRef idx="0">
+            <a:schemeClr val="accent1"/>
+          </a:effectRef>
+          <a:fontRef idx="minor">
+            <a:schemeClr val="lt1"/>
+          </a:fontRef>
+        </p:style>
+        <p:txBody>
+          <a:bodyPr rtlCol="0" anchor="ctr"/>
+          <a:lstStyle/>
+          <a:p>
+            <a:pPr algn="ctr"/>
+            <a:endParaRPr lang="zh-CN" altLang="en-US"/>
+          </a:p>
+        </p:txBody>
+      </p:sp>
+      <p:sp>
+        <p:nvSpPr>
+          <p:cNvPr id="7" name="矩形 6">
+            <a:extLst>
+              <a:ext uri="{FF2B5EF4-FFF2-40B4-BE49-F238E27FC236}">
+                <a16:creationId xmlns:a16="http://schemas.microsoft.com/office/drawing/2014/main" id="{D8B69E30-417B-4E98-AB41-D6E1C404C695}"/>
+              </a:ext>
+            </a:extLst>
+          </p:cNvPr>
+          <p:cNvSpPr/>
+          <p:nvPr/>
+        </p:nvSpPr>
+        <p:spPr>
+          <a:xfrm>
+            <a:off x="8221882" y="4629873"/>
+            <a:ext cx="3266957" cy="1082233"/>
+          </a:xfrm>
+          <a:prstGeom prst="rect">
+            <a:avLst/>
+          </a:prstGeom>
+          <a:noFill/>
+          <a:ln w="38100">
+            <a:solidFill>
+              <a:srgbClr val="7030A0"/>
+            </a:solidFill>
+          </a:ln>
+        </p:spPr>
+        <p:style>
+          <a:lnRef idx="2">
+            <a:schemeClr val="accent1">
+              <a:shade val="50000"/>
+            </a:schemeClr>
+          </a:lnRef>
+          <a:fillRef idx="1">
+            <a:schemeClr val="accent1"/>
+          </a:fillRef>
+          <a:effectRef idx="0">
+            <a:schemeClr val="accent1"/>
+          </a:effectRef>
+          <a:fontRef idx="minor">
+            <a:schemeClr val="lt1"/>
+          </a:fontRef>
+        </p:style>
+        <p:txBody>
+          <a:bodyPr rtlCol="0" anchor="ctr"/>
+          <a:lstStyle/>
+          <a:p>
+            <a:pPr algn="ctr"/>
+            <a:endParaRPr lang="zh-CN" altLang="en-US"/>
+          </a:p>
+        </p:txBody>
+      </p:sp>
+      <p:sp>
+        <p:nvSpPr>
+          <p:cNvPr id="10" name="矩形 9">
+            <a:extLst>
+              <a:ext uri="{FF2B5EF4-FFF2-40B4-BE49-F238E27FC236}">
+                <a16:creationId xmlns:a16="http://schemas.microsoft.com/office/drawing/2014/main" id="{E683DF4D-25E6-4C79-B80F-D7989AC641D3}"/>
+              </a:ext>
+            </a:extLst>
+          </p:cNvPr>
+          <p:cNvSpPr/>
+          <p:nvPr/>
+        </p:nvSpPr>
+        <p:spPr>
+          <a:xfrm>
+            <a:off x="8221881" y="5729468"/>
+            <a:ext cx="3266957" cy="1082233"/>
+          </a:xfrm>
+          <a:prstGeom prst="rect">
+            <a:avLst/>
+          </a:prstGeom>
+          <a:noFill/>
+          <a:ln w="38100">
+            <a:solidFill>
+              <a:srgbClr val="7030A0"/>
+            </a:solidFill>
+          </a:ln>
+        </p:spPr>
+        <p:style>
+          <a:lnRef idx="2">
+            <a:schemeClr val="accent1">
+              <a:shade val="50000"/>
+            </a:schemeClr>
+          </a:lnRef>
+          <a:fillRef idx="1">
+            <a:schemeClr val="accent1"/>
+          </a:fillRef>
+          <a:effectRef idx="0">
+            <a:schemeClr val="accent1"/>
+          </a:effectRef>
+          <a:fontRef idx="minor">
+            <a:schemeClr val="lt1"/>
+          </a:fontRef>
+        </p:style>
+        <p:txBody>
+          <a:bodyPr rtlCol="0" anchor="ctr"/>
+          <a:lstStyle/>
+          <a:p>
+            <a:pPr algn="ctr"/>
+            <a:endParaRPr lang="zh-CN" altLang="en-US"/>
+          </a:p>
+        </p:txBody>
+      </p:sp>
+      <p:sp>
+        <p:nvSpPr>
+          <p:cNvPr id="11" name="矩形 10">
+            <a:extLst>
+              <a:ext uri="{FF2B5EF4-FFF2-40B4-BE49-F238E27FC236}">
+                <a16:creationId xmlns:a16="http://schemas.microsoft.com/office/drawing/2014/main" id="{90189D4F-196F-4296-8BB0-2801EC3462D1}"/>
+              </a:ext>
+            </a:extLst>
+          </p:cNvPr>
+          <p:cNvSpPr/>
+          <p:nvPr/>
+        </p:nvSpPr>
+        <p:spPr>
+          <a:xfrm>
+            <a:off x="8221880" y="2419108"/>
+            <a:ext cx="3266959" cy="1082233"/>
+          </a:xfrm>
+          <a:prstGeom prst="rect">
+            <a:avLst/>
+          </a:prstGeom>
+          <a:noFill/>
+          <a:ln w="38100">
+            <a:solidFill>
+              <a:srgbClr val="7030A0"/>
+            </a:solidFill>
+          </a:ln>
+        </p:spPr>
+        <p:style>
+          <a:lnRef idx="2">
+            <a:schemeClr val="accent1">
+              <a:shade val="50000"/>
+            </a:schemeClr>
+          </a:lnRef>
+          <a:fillRef idx="1">
+            <a:schemeClr val="accent1"/>
+          </a:fillRef>
+          <a:effectRef idx="0">
+            <a:schemeClr val="accent1"/>
+          </a:effectRef>
+          <a:fontRef idx="minor">
+            <a:schemeClr val="lt1"/>
+          </a:fontRef>
+        </p:style>
+        <p:txBody>
+          <a:bodyPr rtlCol="0" anchor="ctr"/>
+          <a:lstStyle/>
+          <a:p>
+            <a:pPr algn="ctr"/>
+            <a:endParaRPr lang="zh-CN" altLang="en-US"/>
+          </a:p>
+        </p:txBody>
+      </p:sp>
+    </p:spTree>
+    <p:extLst>
+      <p:ext uri="{BB962C8B-B14F-4D97-AF65-F5344CB8AC3E}">
+        <p14:creationId xmlns:p14="http://schemas.microsoft.com/office/powerpoint/2010/main" val="2415609617"/>
+      </p:ext>
+    </p:extLst>
+  </p:cSld>
+  <p:clrMapOvr>
+    <a:masterClrMapping/>
+  </p:clrMapOvr>
+</p:sld>
+</file>
+
 <file path=ppt/slides/slide2.xml><?xml version="1.0" encoding="utf-8"?>
 <p:sld xmlns:a="http://schemas.openxmlformats.org/drawingml/2006/main" xmlns:r="http://schemas.openxmlformats.org/officeDocument/2006/relationships" xmlns:p="http://schemas.openxmlformats.org/presentationml/2006/main">
   <p:cSld>
@@ -7145,7 +10967,7 @@
           <p:cNvPr id="2" name="标题 1">
             <a:extLst>
               <a:ext uri="{FF2B5EF4-FFF2-40B4-BE49-F238E27FC236}">
-                <a16:creationId xmlns:a16="http://schemas.microsoft.com/office/drawing/2014/main" id="{331F2FAF-CF80-495B-A507-1B146556FC96}"/>
+                <a16:creationId xmlns:a16="http://schemas.microsoft.com/office/drawing/2014/main" id="{55410055-93CB-45BE-B0B8-31C34833BE4D}"/>
               </a:ext>
             </a:extLst>
           </p:cNvPr>
@@ -7163,22 +10985,257 @@
           <a:p>
             <a:r>
               <a:rPr lang="zh-CN" altLang="en-US" dirty="0"/>
-              <a:t>关于</a:t>
-            </a:r>
-            <a:r>
-              <a:rPr lang="en-US" altLang="zh-CN" dirty="0"/>
-              <a:t>GPU704</a:t>
-            </a:r>
-            <a:endParaRPr lang="zh-CN" altLang="en-US" dirty="0"/>
+              <a:t>进一步尝试：</a:t>
+            </a:r>
           </a:p>
         </p:txBody>
       </p:sp>
+      <mc:AlternateContent xmlns:mc="http://schemas.openxmlformats.org/markup-compatibility/2006">
+        <mc:Choice xmlns:a14="http://schemas.microsoft.com/office/drawing/2010/main" Requires="a14">
+          <p:sp>
+            <p:nvSpPr>
+              <p:cNvPr id="3" name="内容占位符 2">
+                <a:extLst>
+                  <a:ext uri="{FF2B5EF4-FFF2-40B4-BE49-F238E27FC236}">
+                    <a16:creationId xmlns:a16="http://schemas.microsoft.com/office/drawing/2014/main" id="{D865D4F8-4D3A-461B-89B7-6825713E262A}"/>
+                  </a:ext>
+                </a:extLst>
+              </p:cNvPr>
+              <p:cNvSpPr>
+                <a:spLocks noGrp="1"/>
+              </p:cNvSpPr>
+              <p:nvPr>
+                <p:ph idx="1"/>
+              </p:nvPr>
+            </p:nvSpPr>
+            <p:spPr/>
+            <p:txBody>
+              <a:bodyPr>
+                <a:normAutofit fontScale="92500"/>
+              </a:bodyPr>
+              <a:lstStyle/>
+              <a:p>
+                <a:r>
+                  <a:rPr lang="zh-CN" altLang="en-US" dirty="0"/>
+                  <a:t>优选：</a:t>
+                </a:r>
+                <a:r>
+                  <a:rPr lang="zh-CN" altLang="en-US" b="1" dirty="0"/>
+                  <a:t>基准</a:t>
+                </a:r>
+                <a14:m>
+                  <m:oMath xmlns:m="http://schemas.openxmlformats.org/officeDocument/2006/math">
+                    <m:r>
+                      <a:rPr lang="zh-CN" altLang="en-US" i="1" smtClean="0">
+                        <a:latin typeface="Cambria Math" panose="02040503050406030204" pitchFamily="18" charset="0"/>
+                      </a:rPr>
+                      <m:t>≝</m:t>
+                    </m:r>
+                  </m:oMath>
+                </a14:m>
+                <a:r>
+                  <a:rPr lang="zh-CN" altLang="en-US" dirty="0"/>
+                  <a:t>惯性矩旋转</a:t>
+                </a:r>
+                <a:r>
+                  <a:rPr lang="en-US" altLang="zh-CN" dirty="0"/>
+                  <a:t>+</a:t>
+                </a:r>
+                <a:r>
+                  <a:rPr lang="zh-CN" altLang="en-US" dirty="0"/>
+                  <a:t>长网格尺度</a:t>
+                </a:r>
+                <a:r>
+                  <a:rPr lang="en-US" altLang="zh-CN" dirty="0"/>
+                  <a:t>+</a:t>
+                </a:r>
+                <a:r>
+                  <a:rPr lang="zh-CN" altLang="en-US" dirty="0"/>
+                  <a:t>局部坐标</a:t>
+                </a:r>
+                <a:r>
+                  <a:rPr lang="en-US" altLang="zh-CN" dirty="0"/>
+                  <a:t>0.005</a:t>
+                </a:r>
+                <a:r>
+                  <a:rPr lang="zh-CN" altLang="en-US" dirty="0"/>
+                  <a:t>切向导数，</a:t>
+                </a:r>
+                <a:endParaRPr lang="en-US" altLang="zh-CN" dirty="0"/>
+              </a:p>
+              <a:p>
+                <a:pPr lvl="1"/>
+                <a:endParaRPr lang="en-US" altLang="zh-CN" dirty="0"/>
+              </a:p>
+              <a:p>
+                <a:r>
+                  <a:rPr lang="zh-CN" altLang="en-US" dirty="0"/>
+                  <a:t>有关改进</a:t>
+                </a:r>
+                <a:endParaRPr lang="en-US" altLang="zh-CN" dirty="0"/>
+              </a:p>
+              <a:p>
+                <a:pPr lvl="1"/>
+                <a:r>
+                  <a:rPr lang="zh-CN" altLang="en-US" dirty="0"/>
+                  <a:t>计量最大相对误差（</a:t>
+                </a:r>
+                <a14:m>
+                  <m:oMath xmlns:m="http://schemas.openxmlformats.org/officeDocument/2006/math">
+                    <m:sSub>
+                      <m:sSubPr>
+                        <m:ctrlPr>
+                          <a:rPr lang="en-US" altLang="zh-CN" b="0" i="1" smtClean="0">
+                            <a:latin typeface="Cambria Math" panose="02040503050406030204" pitchFamily="18" charset="0"/>
+                          </a:rPr>
+                        </m:ctrlPr>
+                      </m:sSubPr>
+                      <m:e>
+                        <m:r>
+                          <a:rPr lang="en-US" altLang="zh-CN" b="0" i="1" smtClean="0">
+                            <a:latin typeface="Cambria Math" panose="02040503050406030204" pitchFamily="18" charset="0"/>
+                          </a:rPr>
+                          <m:t>𝐿</m:t>
+                        </m:r>
+                      </m:e>
+                      <m:sub>
+                        <m:r>
+                          <a:rPr lang="en-US" altLang="zh-CN" b="0" i="1" smtClean="0">
+                            <a:latin typeface="Cambria Math" panose="02040503050406030204" pitchFamily="18" charset="0"/>
+                          </a:rPr>
+                          <m:t>∞</m:t>
+                        </m:r>
+                      </m:sub>
+                    </m:sSub>
+                  </m:oMath>
+                </a14:m>
+                <a:r>
+                  <a:rPr lang="zh-CN" altLang="en-US" dirty="0"/>
+                  <a:t>），简写格式：</a:t>
+                </a:r>
+                <a:r>
+                  <a:rPr lang="en-US" altLang="zh-CN" b="1" dirty="0"/>
+                  <a:t>{</a:t>
+                </a:r>
+                <a:r>
+                  <a:rPr lang="zh-CN" altLang="en-US" b="1" dirty="0"/>
+                  <a:t>平均相对误差</a:t>
+                </a:r>
+                <a:r>
+                  <a:rPr lang="en-US" altLang="zh-CN" b="1" dirty="0"/>
+                  <a:t>}/{</a:t>
+                </a:r>
+                <a:r>
+                  <a:rPr lang="zh-CN" altLang="en-US" b="1" dirty="0"/>
+                  <a:t>最大相对误差</a:t>
+                </a:r>
+                <a:r>
+                  <a:rPr lang="en-US" altLang="zh-CN" b="1" dirty="0"/>
+                  <a:t>}</a:t>
+                </a:r>
+              </a:p>
+              <a:p>
+                <a:pPr lvl="1"/>
+                <a:r>
+                  <a:rPr lang="zh-CN" altLang="en-US" dirty="0"/>
+                  <a:t>解析解计算：曲线分段解析表示</a:t>
+                </a:r>
+                <a:r>
+                  <a:rPr lang="en-US" altLang="zh-CN" dirty="0"/>
+                  <a:t>+</a:t>
+                </a:r>
+                <a:r>
+                  <a:rPr lang="zh-CN" altLang="en-US" dirty="0"/>
+                  <a:t>优化迭代</a:t>
+                </a:r>
+                <a:endParaRPr lang="en-US" altLang="zh-CN" dirty="0"/>
+              </a:p>
+              <a:p>
+                <a:pPr lvl="1"/>
+                <a:endParaRPr lang="en-US" altLang="zh-CN" dirty="0"/>
+              </a:p>
+              <a:p>
+                <a:endParaRPr lang="zh-CN" altLang="en-US" dirty="0"/>
+              </a:p>
+            </p:txBody>
+          </p:sp>
+        </mc:Choice>
+        <mc:Fallback>
+          <p:sp>
+            <p:nvSpPr>
+              <p:cNvPr id="3" name="内容占位符 2">
+                <a:extLst>
+                  <a:ext uri="{FF2B5EF4-FFF2-40B4-BE49-F238E27FC236}">
+                    <a16:creationId xmlns:a16="http://schemas.microsoft.com/office/drawing/2014/main" id="{D865D4F8-4D3A-461B-89B7-6825713E262A}"/>
+                  </a:ext>
+                </a:extLst>
+              </p:cNvPr>
+              <p:cNvSpPr>
+                <a:spLocks noGrp="1" noRot="1" noChangeAspect="1" noMove="1" noResize="1" noEditPoints="1" noAdjustHandles="1" noChangeArrowheads="1" noChangeShapeType="1" noTextEdit="1"/>
+              </p:cNvSpPr>
+              <p:nvPr>
+                <p:ph idx="1"/>
+              </p:nvPr>
+            </p:nvSpPr>
+            <p:spPr>
+              <a:blipFill>
+                <a:blip r:embed="rId2"/>
+                <a:stretch>
+                  <a:fillRect l="-928" t="-2101"/>
+                </a:stretch>
+              </a:blipFill>
+            </p:spPr>
+            <p:txBody>
+              <a:bodyPr/>
+              <a:lstStyle/>
+              <a:p>
+                <a:r>
+                  <a:rPr lang="zh-CN" altLang="en-US">
+                    <a:noFill/>
+                  </a:rPr>
+                  <a:t> </a:t>
+                </a:r>
+              </a:p>
+            </p:txBody>
+          </p:sp>
+        </mc:Fallback>
+      </mc:AlternateContent>
+    </p:spTree>
+    <p:extLst>
+      <p:ext uri="{BB962C8B-B14F-4D97-AF65-F5344CB8AC3E}">
+        <p14:creationId xmlns:p14="http://schemas.microsoft.com/office/powerpoint/2010/main" val="2707843414"/>
+      </p:ext>
+    </p:extLst>
+  </p:cSld>
+  <p:clrMapOvr>
+    <a:masterClrMapping/>
+  </p:clrMapOvr>
+</p:sld>
+</file>
+
+<file path=ppt/slides/slide8.xml><?xml version="1.0" encoding="utf-8"?>
+<p:sld xmlns:a="http://schemas.openxmlformats.org/drawingml/2006/main" xmlns:r="http://schemas.openxmlformats.org/officeDocument/2006/relationships" xmlns:p="http://schemas.openxmlformats.org/presentationml/2006/main">
+  <p:cSld>
+    <p:spTree>
+      <p:nvGrpSpPr>
+        <p:cNvPr id="1" name=""/>
+        <p:cNvGrpSpPr/>
+        <p:nvPr/>
+      </p:nvGrpSpPr>
+      <p:grpSpPr>
+        <a:xfrm>
+          <a:off x="0" y="0"/>
+          <a:ext cx="0" cy="0"/>
+          <a:chOff x="0" y="0"/>
+          <a:chExt cx="0" cy="0"/>
+        </a:xfrm>
+      </p:grpSpPr>
       <p:sp>
         <p:nvSpPr>
-          <p:cNvPr id="3" name="内容占位符 2">
+          <p:cNvPr id="2" name="标题 1">
             <a:extLst>
               <a:ext uri="{FF2B5EF4-FFF2-40B4-BE49-F238E27FC236}">
-                <a16:creationId xmlns:a16="http://schemas.microsoft.com/office/drawing/2014/main" id="{5351CAFF-3C57-4248-8EE3-B25DE925B87A}"/>
+                <a16:creationId xmlns:a16="http://schemas.microsoft.com/office/drawing/2014/main" id="{20CAB73E-7EB2-4E37-9D0F-BA7385CB2001}"/>
               </a:ext>
             </a:extLst>
           </p:cNvPr>
@@ -7186,122 +11243,36 @@
             <a:spLocks noGrp="1"/>
           </p:cNvSpPr>
           <p:nvPr>
-            <p:ph idx="1"/>
+            <p:ph type="title"/>
           </p:nvPr>
         </p:nvSpPr>
-        <p:spPr>
-          <a:xfrm>
-            <a:off x="823727" y="1690688"/>
-            <a:ext cx="4949142" cy="2144491"/>
-          </a:xfrm>
-        </p:spPr>
+        <p:spPr/>
         <p:txBody>
-          <a:bodyPr>
-            <a:normAutofit/>
-          </a:bodyPr>
+          <a:bodyPr/>
           <a:lstStyle/>
           <a:p>
             <a:r>
-              <a:rPr lang="zh-CN" altLang="en-US" sz="2000" dirty="0"/>
-              <a:t>性能测试：可能受到内存限制大（测试程序访存过高，后有改进）</a:t>
-            </a:r>
-            <a:endParaRPr lang="en-US" altLang="zh-CN" sz="2000" dirty="0"/>
-          </a:p>
-          <a:p>
-            <a:r>
-              <a:rPr lang="zh-CN" altLang="en-US" sz="2000" dirty="0"/>
-              <a:t>主板</a:t>
-            </a:r>
-            <a:r>
-              <a:rPr lang="en-US" altLang="zh-CN" sz="2000" dirty="0"/>
-              <a:t>16</a:t>
-            </a:r>
-            <a:r>
-              <a:rPr lang="zh-CN" altLang="en-US" sz="2000" dirty="0"/>
-              <a:t>个内存槽，双路</a:t>
-            </a:r>
-            <a:r>
-              <a:rPr lang="en-US" altLang="zh-CN" sz="2000" dirty="0"/>
-              <a:t>CPU</a:t>
-            </a:r>
-            <a:r>
-              <a:rPr lang="zh-CN" altLang="en-US" sz="2000" dirty="0"/>
-              <a:t>，插</a:t>
-            </a:r>
-            <a:r>
-              <a:rPr lang="en-US" altLang="zh-CN" sz="2000" dirty="0"/>
-              <a:t>2x32G</a:t>
-            </a:r>
-            <a:r>
-              <a:rPr lang="zh-CN" altLang="en-US" sz="2000" dirty="0"/>
-              <a:t>，应当是分别单通道</a:t>
-            </a:r>
-            <a:endParaRPr lang="en-US" altLang="zh-CN" sz="2000" dirty="0"/>
-          </a:p>
-          <a:p>
-            <a:r>
-              <a:rPr lang="en-US" altLang="zh-CN" sz="2000" dirty="0"/>
-              <a:t>CPU</a:t>
-            </a:r>
-            <a:r>
-              <a:rPr lang="zh-CN" altLang="en-US" sz="2000" dirty="0"/>
-              <a:t>支持</a:t>
-            </a:r>
-            <a:r>
-              <a:rPr lang="en-US" altLang="zh-CN" sz="2000" dirty="0"/>
-              <a:t>8</a:t>
-            </a:r>
-            <a:r>
-              <a:rPr lang="zh-CN" altLang="en-US" sz="2000" dirty="0"/>
-              <a:t>通道（</a:t>
-            </a:r>
-            <a:r>
-              <a:rPr lang="en-US" altLang="zh-CN" sz="2000" dirty="0"/>
-              <a:t>8x</a:t>
-            </a:r>
-            <a:r>
-              <a:rPr lang="zh-CN" altLang="en-US" sz="2000" dirty="0"/>
-              <a:t>带宽）（插满）</a:t>
-            </a:r>
-            <a:endParaRPr lang="en-US" altLang="zh-CN" sz="2000" dirty="0"/>
-          </a:p>
-          <a:p>
-            <a:r>
-              <a:rPr lang="zh-CN" altLang="en-US" sz="2000" dirty="0"/>
-              <a:t>考虑加装内存提升</a:t>
-            </a:r>
-            <a:r>
-              <a:rPr lang="en-US" altLang="zh-CN" sz="2000" dirty="0"/>
-              <a:t>CPU</a:t>
-            </a:r>
-            <a:r>
-              <a:rPr lang="zh-CN" altLang="en-US" sz="2000" dirty="0"/>
-              <a:t>计算的</a:t>
-            </a:r>
-            <a:r>
-              <a:rPr lang="en-US" altLang="zh-CN" sz="2000" dirty="0"/>
-              <a:t>CFD</a:t>
-            </a:r>
-            <a:r>
-              <a:rPr lang="zh-CN" altLang="en-US" sz="2000" dirty="0"/>
-              <a:t>性能</a:t>
+              <a:rPr lang="zh-CN" altLang="en-US" dirty="0"/>
+              <a:t>二阶网格相对误差</a:t>
             </a:r>
           </a:p>
         </p:txBody>
       </p:sp>
       <p:pic>
         <p:nvPicPr>
-          <p:cNvPr id="4" name="图片 3">
+          <p:cNvPr id="4" name="内容占位符 3">
             <a:extLst>
               <a:ext uri="{FF2B5EF4-FFF2-40B4-BE49-F238E27FC236}">
-                <a16:creationId xmlns:a16="http://schemas.microsoft.com/office/drawing/2014/main" id="{8A8FAFC9-52C7-46B8-89DA-A38D31EAE32C}"/>
+                <a16:creationId xmlns:a16="http://schemas.microsoft.com/office/drawing/2014/main" id="{7B3099AF-7D5D-4FEC-8387-793C67E3545C}"/>
               </a:ext>
             </a:extLst>
           </p:cNvPr>
           <p:cNvPicPr>
-            <a:picLocks noChangeAspect="1"/>
+            <a:picLocks noGrp="1" noChangeAspect="1"/>
           </p:cNvPicPr>
-          <p:nvPr/>
+          <p:nvPr>
+            <p:ph idx="1"/>
+          </p:nvPr>
         </p:nvPicPr>
         <p:blipFill>
           <a:blip r:embed="rId2"/>
@@ -7311,8 +11282,8 @@
         </p:blipFill>
         <p:spPr>
           <a:xfrm>
-            <a:off x="6539697" y="923536"/>
-            <a:ext cx="5138196" cy="5934466"/>
+            <a:off x="1053779" y="1654261"/>
+            <a:ext cx="5378336" cy="4789663"/>
           </a:xfrm>
           <a:prstGeom prst="rect">
             <a:avLst/>
@@ -7324,7 +11295,7 @@
           <p:cNvPr id="5" name="图片 4">
             <a:extLst>
               <a:ext uri="{FF2B5EF4-FFF2-40B4-BE49-F238E27FC236}">
-                <a16:creationId xmlns:a16="http://schemas.microsoft.com/office/drawing/2014/main" id="{F253777A-7D3E-401F-B30C-80AA9F6C9F7E}"/>
+                <a16:creationId xmlns:a16="http://schemas.microsoft.com/office/drawing/2014/main" id="{0B11C53D-7F59-46D5-8BA2-936B66080E00}"/>
               </a:ext>
             </a:extLst>
           </p:cNvPr>
@@ -7341,226 +11312,138 @@
         </p:blipFill>
         <p:spPr>
           <a:xfrm>
-            <a:off x="580624" y="4064805"/>
-            <a:ext cx="5515376" cy="2793195"/>
+            <a:off x="5574936" y="1690688"/>
+            <a:ext cx="5378336" cy="4765761"/>
           </a:xfrm>
           <a:prstGeom prst="rect">
             <a:avLst/>
           </a:prstGeom>
         </p:spPr>
       </p:pic>
+    </p:spTree>
+    <p:extLst>
+      <p:ext uri="{BB962C8B-B14F-4D97-AF65-F5344CB8AC3E}">
+        <p14:creationId xmlns:p14="http://schemas.microsoft.com/office/powerpoint/2010/main" val="111430701"/>
+      </p:ext>
+    </p:extLst>
+  </p:cSld>
+  <p:clrMapOvr>
+    <a:masterClrMapping/>
+  </p:clrMapOvr>
+</p:sld>
+</file>
+
+<file path=ppt/slides/slide9.xml><?xml version="1.0" encoding="utf-8"?>
+<p:sld xmlns:a="http://schemas.openxmlformats.org/drawingml/2006/main" xmlns:r="http://schemas.openxmlformats.org/officeDocument/2006/relationships" xmlns:p="http://schemas.openxmlformats.org/presentationml/2006/main">
+  <p:cSld>
+    <p:spTree>
+      <p:nvGrpSpPr>
+        <p:cNvPr id="1" name=""/>
+        <p:cNvGrpSpPr/>
+        <p:nvPr/>
+      </p:nvGrpSpPr>
+      <p:grpSpPr>
+        <a:xfrm>
+          <a:off x="0" y="0"/>
+          <a:ext cx="0" cy="0"/>
+          <a:chOff x="0" y="0"/>
+          <a:chExt cx="0" cy="0"/>
+        </a:xfrm>
+      </p:grpSpPr>
       <p:sp>
         <p:nvSpPr>
-          <p:cNvPr id="6" name="矩形 5">
+          <p:cNvPr id="2" name="标题 1">
             <a:extLst>
               <a:ext uri="{FF2B5EF4-FFF2-40B4-BE49-F238E27FC236}">
-                <a16:creationId xmlns:a16="http://schemas.microsoft.com/office/drawing/2014/main" id="{F827D956-D51D-48A3-B496-4429F0A08225}"/>
+                <a16:creationId xmlns:a16="http://schemas.microsoft.com/office/drawing/2014/main" id="{20CAB73E-7EB2-4E37-9D0F-BA7385CB2001}"/>
               </a:ext>
             </a:extLst>
           </p:cNvPr>
-          <p:cNvSpPr/>
-          <p:nvPr/>
+          <p:cNvSpPr>
+            <a:spLocks noGrp="1"/>
+          </p:cNvSpPr>
+          <p:nvPr>
+            <p:ph type="title"/>
+          </p:nvPr>
         </p:nvSpPr>
+        <p:spPr/>
+        <p:txBody>
+          <a:bodyPr/>
+          <a:lstStyle/>
+          <a:p>
+            <a:r>
+              <a:rPr lang="zh-CN" altLang="en-US" dirty="0"/>
+              <a:t>一阶网格相对误差</a:t>
+            </a:r>
+          </a:p>
+        </p:txBody>
+      </p:sp>
+      <p:pic>
+        <p:nvPicPr>
+          <p:cNvPr id="7" name="内容占位符 6">
+            <a:extLst>
+              <a:ext uri="{FF2B5EF4-FFF2-40B4-BE49-F238E27FC236}">
+                <a16:creationId xmlns:a16="http://schemas.microsoft.com/office/drawing/2014/main" id="{4DD0F929-97AF-4A00-91EB-A00589843378}"/>
+              </a:ext>
+            </a:extLst>
+          </p:cNvPr>
+          <p:cNvPicPr>
+            <a:picLocks noGrp="1" noChangeAspect="1"/>
+          </p:cNvPicPr>
+          <p:nvPr>
+            <p:ph idx="1"/>
+          </p:nvPr>
+        </p:nvPicPr>
+        <p:blipFill>
+          <a:blip r:embed="rId2"/>
+          <a:stretch>
+            <a:fillRect/>
+          </a:stretch>
+        </p:blipFill>
         <p:spPr>
           <a:xfrm>
-            <a:off x="8221883" y="1027906"/>
-            <a:ext cx="817945" cy="5830094"/>
+            <a:off x="1265129" y="1690690"/>
+            <a:ext cx="5196366" cy="4633085"/>
           </a:xfrm>
           <a:prstGeom prst="rect">
             <a:avLst/>
           </a:prstGeom>
-          <a:noFill/>
-          <a:ln w="38100">
-            <a:solidFill>
-              <a:srgbClr val="FF0000"/>
-            </a:solidFill>
-          </a:ln>
         </p:spPr>
-        <p:style>
-          <a:lnRef idx="2">
-            <a:schemeClr val="accent1">
-              <a:shade val="50000"/>
-            </a:schemeClr>
-          </a:lnRef>
-          <a:fillRef idx="1">
-            <a:schemeClr val="accent1"/>
-          </a:fillRef>
-          <a:effectRef idx="0">
-            <a:schemeClr val="accent1"/>
-          </a:effectRef>
-          <a:fontRef idx="minor">
-            <a:schemeClr val="lt1"/>
-          </a:fontRef>
-        </p:style>
-        <p:txBody>
-          <a:bodyPr rtlCol="0" anchor="ctr"/>
-          <a:lstStyle/>
-          <a:p>
-            <a:pPr algn="ctr"/>
-            <a:endParaRPr lang="zh-CN" altLang="en-US"/>
-          </a:p>
-        </p:txBody>
-      </p:sp>
-      <p:sp>
-        <p:nvSpPr>
-          <p:cNvPr id="7" name="矩形 6">
+      </p:pic>
+      <p:pic>
+        <p:nvPicPr>
+          <p:cNvPr id="8" name="图片 7">
             <a:extLst>
               <a:ext uri="{FF2B5EF4-FFF2-40B4-BE49-F238E27FC236}">
-                <a16:creationId xmlns:a16="http://schemas.microsoft.com/office/drawing/2014/main" id="{D8B69E30-417B-4E98-AB41-D6E1C404C695}"/>
+                <a16:creationId xmlns:a16="http://schemas.microsoft.com/office/drawing/2014/main" id="{63F7EF70-7FFA-4F29-A092-B1F60D6DEF1F}"/>
               </a:ext>
             </a:extLst>
           </p:cNvPr>
-          <p:cNvSpPr/>
+          <p:cNvPicPr>
+            <a:picLocks noChangeAspect="1"/>
+          </p:cNvPicPr>
           <p:nvPr/>
-        </p:nvSpPr>
+        </p:nvPicPr>
+        <p:blipFill>
+          <a:blip r:embed="rId3"/>
+          <a:stretch>
+            <a:fillRect/>
+          </a:stretch>
+        </p:blipFill>
         <p:spPr>
           <a:xfrm>
-            <a:off x="8221882" y="4629873"/>
-            <a:ext cx="3266957" cy="1082233"/>
+            <a:off x="5378474" y="1690688"/>
+            <a:ext cx="5241811" cy="4633085"/>
           </a:xfrm>
           <a:prstGeom prst="rect">
             <a:avLst/>
           </a:prstGeom>
-          <a:noFill/>
-          <a:ln w="38100">
-            <a:solidFill>
-              <a:srgbClr val="7030A0"/>
-            </a:solidFill>
-          </a:ln>
         </p:spPr>
-        <p:style>
-          <a:lnRef idx="2">
-            <a:schemeClr val="accent1">
-              <a:shade val="50000"/>
-            </a:schemeClr>
-          </a:lnRef>
-          <a:fillRef idx="1">
-            <a:schemeClr val="accent1"/>
-          </a:fillRef>
-          <a:effectRef idx="0">
-            <a:schemeClr val="accent1"/>
-          </a:effectRef>
-          <a:fontRef idx="minor">
-            <a:schemeClr val="lt1"/>
-          </a:fontRef>
-        </p:style>
-        <p:txBody>
-          <a:bodyPr rtlCol="0" anchor="ctr"/>
-          <a:lstStyle/>
-          <a:p>
-            <a:pPr algn="ctr"/>
-            <a:endParaRPr lang="zh-CN" altLang="en-US"/>
-          </a:p>
-        </p:txBody>
-      </p:sp>
-      <p:sp>
-        <p:nvSpPr>
-          <p:cNvPr id="10" name="矩形 9">
-            <a:extLst>
-              <a:ext uri="{FF2B5EF4-FFF2-40B4-BE49-F238E27FC236}">
-                <a16:creationId xmlns:a16="http://schemas.microsoft.com/office/drawing/2014/main" id="{E683DF4D-25E6-4C79-B80F-D7989AC641D3}"/>
-              </a:ext>
-            </a:extLst>
-          </p:cNvPr>
-          <p:cNvSpPr/>
-          <p:nvPr/>
-        </p:nvSpPr>
-        <p:spPr>
-          <a:xfrm>
-            <a:off x="8221881" y="5729468"/>
-            <a:ext cx="3266957" cy="1082233"/>
-          </a:xfrm>
-          <a:prstGeom prst="rect">
-            <a:avLst/>
-          </a:prstGeom>
-          <a:noFill/>
-          <a:ln w="38100">
-            <a:solidFill>
-              <a:srgbClr val="7030A0"/>
-            </a:solidFill>
-          </a:ln>
-        </p:spPr>
-        <p:style>
-          <a:lnRef idx="2">
-            <a:schemeClr val="accent1">
-              <a:shade val="50000"/>
-            </a:schemeClr>
-          </a:lnRef>
-          <a:fillRef idx="1">
-            <a:schemeClr val="accent1"/>
-          </a:fillRef>
-          <a:effectRef idx="0">
-            <a:schemeClr val="accent1"/>
-          </a:effectRef>
-          <a:fontRef idx="minor">
-            <a:schemeClr val="lt1"/>
-          </a:fontRef>
-        </p:style>
-        <p:txBody>
-          <a:bodyPr rtlCol="0" anchor="ctr"/>
-          <a:lstStyle/>
-          <a:p>
-            <a:pPr algn="ctr"/>
-            <a:endParaRPr lang="zh-CN" altLang="en-US"/>
-          </a:p>
-        </p:txBody>
-      </p:sp>
-      <p:sp>
-        <p:nvSpPr>
-          <p:cNvPr id="11" name="矩形 10">
-            <a:extLst>
-              <a:ext uri="{FF2B5EF4-FFF2-40B4-BE49-F238E27FC236}">
-                <a16:creationId xmlns:a16="http://schemas.microsoft.com/office/drawing/2014/main" id="{90189D4F-196F-4296-8BB0-2801EC3462D1}"/>
-              </a:ext>
-            </a:extLst>
-          </p:cNvPr>
-          <p:cNvSpPr/>
-          <p:nvPr/>
-        </p:nvSpPr>
-        <p:spPr>
-          <a:xfrm>
-            <a:off x="8221880" y="2419108"/>
-            <a:ext cx="3266959" cy="1082233"/>
-          </a:xfrm>
-          <a:prstGeom prst="rect">
-            <a:avLst/>
-          </a:prstGeom>
-          <a:noFill/>
-          <a:ln w="38100">
-            <a:solidFill>
-              <a:srgbClr val="7030A0"/>
-            </a:solidFill>
-          </a:ln>
-        </p:spPr>
-        <p:style>
-          <a:lnRef idx="2">
-            <a:schemeClr val="accent1">
-              <a:shade val="50000"/>
-            </a:schemeClr>
-          </a:lnRef>
-          <a:fillRef idx="1">
-            <a:schemeClr val="accent1"/>
-          </a:fillRef>
-          <a:effectRef idx="0">
-            <a:schemeClr val="accent1"/>
-          </a:effectRef>
-          <a:fontRef idx="minor">
-            <a:schemeClr val="lt1"/>
-          </a:fontRef>
-        </p:style>
-        <p:txBody>
-          <a:bodyPr rtlCol="0" anchor="ctr"/>
-          <a:lstStyle/>
-          <a:p>
-            <a:pPr algn="ctr"/>
-            <a:endParaRPr lang="zh-CN" altLang="en-US"/>
-          </a:p>
-        </p:txBody>
-      </p:sp>
+      </p:pic>
     </p:spTree>
     <p:extLst>
       <p:ext uri="{BB962C8B-B14F-4D97-AF65-F5344CB8AC3E}">
-        <p14:creationId xmlns:p14="http://schemas.microsoft.com/office/powerpoint/2010/main" val="2415609617"/>
+        <p14:creationId xmlns:p14="http://schemas.microsoft.com/office/powerpoint/2010/main" val="1901528753"/>
       </p:ext>
     </p:extLst>
   </p:cSld>

--- a/notes/组会20220506.pptx
+++ b/notes/组会20220506.pptx
@@ -20,6 +20,12 @@
     <p:sldId id="269" r:id="rId14"/>
     <p:sldId id="270" r:id="rId15"/>
     <p:sldId id="258" r:id="rId16"/>
+    <p:sldId id="271" r:id="rId17"/>
+    <p:sldId id="276" r:id="rId18"/>
+    <p:sldId id="273" r:id="rId19"/>
+    <p:sldId id="274" r:id="rId20"/>
+    <p:sldId id="272" r:id="rId21"/>
+    <p:sldId id="275" r:id="rId22"/>
   </p:sldIdLst>
   <p:sldSz cx="12192000" cy="6858000"/>
   <p:notesSz cx="6858000" cy="9144000"/>
@@ -273,7 +279,7 @@
           <a:p>
             <a:fld id="{3A4C8CEB-F8BF-416D-8039-AAA63E3D103E}" type="datetimeFigureOut">
               <a:rPr lang="zh-CN" altLang="en-US" smtClean="0"/>
-              <a:t>2022/5/13</a:t>
+              <a:t>2022/5/25</a:t>
             </a:fld>
             <a:endParaRPr lang="zh-CN" altLang="en-US"/>
           </a:p>
@@ -471,7 +477,7 @@
           <a:p>
             <a:fld id="{3A4C8CEB-F8BF-416D-8039-AAA63E3D103E}" type="datetimeFigureOut">
               <a:rPr lang="zh-CN" altLang="en-US" smtClean="0"/>
-              <a:t>2022/5/13</a:t>
+              <a:t>2022/5/25</a:t>
             </a:fld>
             <a:endParaRPr lang="zh-CN" altLang="en-US"/>
           </a:p>
@@ -679,7 +685,7 @@
           <a:p>
             <a:fld id="{3A4C8CEB-F8BF-416D-8039-AAA63E3D103E}" type="datetimeFigureOut">
               <a:rPr lang="zh-CN" altLang="en-US" smtClean="0"/>
-              <a:t>2022/5/13</a:t>
+              <a:t>2022/5/25</a:t>
             </a:fld>
             <a:endParaRPr lang="zh-CN" altLang="en-US"/>
           </a:p>
@@ -877,7 +883,7 @@
           <a:p>
             <a:fld id="{3A4C8CEB-F8BF-416D-8039-AAA63E3D103E}" type="datetimeFigureOut">
               <a:rPr lang="zh-CN" altLang="en-US" smtClean="0"/>
-              <a:t>2022/5/13</a:t>
+              <a:t>2022/5/25</a:t>
             </a:fld>
             <a:endParaRPr lang="zh-CN" altLang="en-US"/>
           </a:p>
@@ -1152,7 +1158,7 @@
           <a:p>
             <a:fld id="{3A4C8CEB-F8BF-416D-8039-AAA63E3D103E}" type="datetimeFigureOut">
               <a:rPr lang="zh-CN" altLang="en-US" smtClean="0"/>
-              <a:t>2022/5/13</a:t>
+              <a:t>2022/5/25</a:t>
             </a:fld>
             <a:endParaRPr lang="zh-CN" altLang="en-US"/>
           </a:p>
@@ -1417,7 +1423,7 @@
           <a:p>
             <a:fld id="{3A4C8CEB-F8BF-416D-8039-AAA63E3D103E}" type="datetimeFigureOut">
               <a:rPr lang="zh-CN" altLang="en-US" smtClean="0"/>
-              <a:t>2022/5/13</a:t>
+              <a:t>2022/5/25</a:t>
             </a:fld>
             <a:endParaRPr lang="zh-CN" altLang="en-US"/>
           </a:p>
@@ -1829,7 +1835,7 @@
           <a:p>
             <a:fld id="{3A4C8CEB-F8BF-416D-8039-AAA63E3D103E}" type="datetimeFigureOut">
               <a:rPr lang="zh-CN" altLang="en-US" smtClean="0"/>
-              <a:t>2022/5/13</a:t>
+              <a:t>2022/5/25</a:t>
             </a:fld>
             <a:endParaRPr lang="zh-CN" altLang="en-US"/>
           </a:p>
@@ -1970,7 +1976,7 @@
           <a:p>
             <a:fld id="{3A4C8CEB-F8BF-416D-8039-AAA63E3D103E}" type="datetimeFigureOut">
               <a:rPr lang="zh-CN" altLang="en-US" smtClean="0"/>
-              <a:t>2022/5/13</a:t>
+              <a:t>2022/5/25</a:t>
             </a:fld>
             <a:endParaRPr lang="zh-CN" altLang="en-US"/>
           </a:p>
@@ -2083,7 +2089,7 @@
           <a:p>
             <a:fld id="{3A4C8CEB-F8BF-416D-8039-AAA63E3D103E}" type="datetimeFigureOut">
               <a:rPr lang="zh-CN" altLang="en-US" smtClean="0"/>
-              <a:t>2022/5/13</a:t>
+              <a:t>2022/5/25</a:t>
             </a:fld>
             <a:endParaRPr lang="zh-CN" altLang="en-US"/>
           </a:p>
@@ -2394,7 +2400,7 @@
           <a:p>
             <a:fld id="{3A4C8CEB-F8BF-416D-8039-AAA63E3D103E}" type="datetimeFigureOut">
               <a:rPr lang="zh-CN" altLang="en-US" smtClean="0"/>
-              <a:t>2022/5/13</a:t>
+              <a:t>2022/5/25</a:t>
             </a:fld>
             <a:endParaRPr lang="zh-CN" altLang="en-US"/>
           </a:p>
@@ -2682,7 +2688,7 @@
           <a:p>
             <a:fld id="{3A4C8CEB-F8BF-416D-8039-AAA63E3D103E}" type="datetimeFigureOut">
               <a:rPr lang="zh-CN" altLang="en-US" smtClean="0"/>
-              <a:t>2022/5/13</a:t>
+              <a:t>2022/5/25</a:t>
             </a:fld>
             <a:endParaRPr lang="zh-CN" altLang="en-US"/>
           </a:p>
@@ -2923,7 +2929,7 @@
           <a:p>
             <a:fld id="{3A4C8CEB-F8BF-416D-8039-AAA63E3D103E}" type="datetimeFigureOut">
               <a:rPr lang="zh-CN" altLang="en-US" smtClean="0"/>
-              <a:t>2022/5/13</a:t>
+              <a:t>2022/5/25</a:t>
             </a:fld>
             <a:endParaRPr lang="zh-CN" altLang="en-US"/>
           </a:p>
@@ -3602,8 +3608,8 @@
           </a:p>
         </p:txBody>
       </p:sp>
-      <mc:AlternateContent xmlns:mc="http://schemas.openxmlformats.org/markup-compatibility/2006">
-        <mc:Choice xmlns:a14="http://schemas.microsoft.com/office/drawing/2010/main" Requires="a14">
+      <mc:AlternateContent xmlns:mc="http://schemas.openxmlformats.org/markup-compatibility/2006" xmlns:a14="http://schemas.microsoft.com/office/drawing/2010/main">
+        <mc:Choice Requires="a14">
           <p:sp>
             <p:nvSpPr>
               <p:cNvPr id="3" name="内容占位符 2">
@@ -4167,7 +4173,7 @@
             </p:txBody>
           </p:sp>
         </mc:Choice>
-        <mc:Fallback>
+        <mc:Fallback xmlns="">
           <p:sp>
             <p:nvSpPr>
               <p:cNvPr id="3" name="内容占位符 2">
@@ -4265,8 +4271,8 @@
           </a:p>
         </p:txBody>
       </p:sp>
-      <mc:AlternateContent xmlns:mc="http://schemas.openxmlformats.org/markup-compatibility/2006">
-        <mc:Choice xmlns:a14="http://schemas.microsoft.com/office/drawing/2010/main" Requires="a14">
+      <mc:AlternateContent xmlns:mc="http://schemas.openxmlformats.org/markup-compatibility/2006" xmlns:a14="http://schemas.microsoft.com/office/drawing/2010/main">
+        <mc:Choice Requires="a14">
           <p:sp>
             <p:nvSpPr>
               <p:cNvPr id="3" name="内容占位符 2">
@@ -5299,13 +5305,7 @@
                                   <a:rPr lang="en-US" altLang="zh-CN" i="1">
                                     <a:latin typeface="Cambria Math" panose="02040503050406030204" pitchFamily="18" charset="0"/>
                                   </a:rPr>
-                                  <m:t>𝑖</m:t>
-                                </m:r>
-                                <m:r>
-                                  <a:rPr lang="en-US" altLang="zh-CN" i="1">
-                                    <a:latin typeface="Cambria Math" panose="02040503050406030204" pitchFamily="18" charset="0"/>
-                                  </a:rPr>
-                                  <m:t>𝑗𝑘</m:t>
+                                  <m:t>𝑖𝑗𝑘</m:t>
                                 </m:r>
                               </m:sub>
                               <m:sup>
@@ -5812,7 +5812,7 @@
             </p:txBody>
           </p:sp>
         </mc:Choice>
-        <mc:Fallback>
+        <mc:Fallback xmlns="">
           <p:sp>
             <p:nvSpPr>
               <p:cNvPr id="3" name="内容占位符 2">
@@ -5914,8 +5914,8 @@
           </a:p>
         </p:txBody>
       </p:sp>
-      <mc:AlternateContent xmlns:mc="http://schemas.openxmlformats.org/markup-compatibility/2006">
-        <mc:Choice xmlns:a14="http://schemas.microsoft.com/office/drawing/2010/main" Requires="a14">
+      <mc:AlternateContent xmlns:mc="http://schemas.openxmlformats.org/markup-compatibility/2006" xmlns:a14="http://schemas.microsoft.com/office/drawing/2010/main">
+        <mc:Choice Requires="a14">
           <p:sp>
             <p:nvSpPr>
               <p:cNvPr id="3" name="内容占位符 2">
@@ -6481,7 +6481,7 @@
             </p:txBody>
           </p:sp>
         </mc:Choice>
-        <mc:Fallback>
+        <mc:Fallback xmlns="">
           <p:sp>
             <p:nvSpPr>
               <p:cNvPr id="3" name="内容占位符 2">
@@ -7217,6 +7217,456 @@
 </p:sld>
 </file>
 
+<file path=ppt/slides/slide16.xml><?xml version="1.0" encoding="utf-8"?>
+<p:sld xmlns:a="http://schemas.openxmlformats.org/drawingml/2006/main" xmlns:r="http://schemas.openxmlformats.org/officeDocument/2006/relationships" xmlns:p="http://schemas.openxmlformats.org/presentationml/2006/main">
+  <p:cSld>
+    <p:spTree>
+      <p:nvGrpSpPr>
+        <p:cNvPr id="1" name=""/>
+        <p:cNvGrpSpPr/>
+        <p:nvPr/>
+      </p:nvGrpSpPr>
+      <p:grpSpPr>
+        <a:xfrm>
+          <a:off x="0" y="0"/>
+          <a:ext cx="0" cy="0"/>
+          <a:chOff x="0" y="0"/>
+          <a:chExt cx="0" cy="0"/>
+        </a:xfrm>
+      </p:grpSpPr>
+      <p:sp>
+        <p:nvSpPr>
+          <p:cNvPr id="2" name="标题 1">
+            <a:extLst>
+              <a:ext uri="{FF2B5EF4-FFF2-40B4-BE49-F238E27FC236}">
+                <a16:creationId xmlns:a16="http://schemas.microsoft.com/office/drawing/2014/main" id="{7DC061B9-0129-48AB-B14A-DF291E71EE94}"/>
+              </a:ext>
+            </a:extLst>
+          </p:cNvPr>
+          <p:cNvSpPr>
+            <a:spLocks noGrp="1"/>
+          </p:cNvSpPr>
+          <p:nvPr>
+            <p:ph type="title"/>
+          </p:nvPr>
+        </p:nvSpPr>
+        <p:spPr/>
+        <p:txBody>
+          <a:bodyPr/>
+          <a:lstStyle/>
+          <a:p>
+            <a:r>
+              <a:rPr lang="zh-CN" altLang="en-US" dirty="0"/>
+              <a:t>对流重构：拐角问题</a:t>
+            </a:r>
+          </a:p>
+        </p:txBody>
+      </p:sp>
+      <p:pic>
+        <p:nvPicPr>
+          <p:cNvPr id="8" name="内容占位符 7">
+            <a:extLst>
+              <a:ext uri="{FF2B5EF4-FFF2-40B4-BE49-F238E27FC236}">
+                <a16:creationId xmlns:a16="http://schemas.microsoft.com/office/drawing/2014/main" id="{E859FA11-E9E0-4705-B073-F64DE7A53AFB}"/>
+              </a:ext>
+            </a:extLst>
+          </p:cNvPr>
+          <p:cNvPicPr>
+            <a:picLocks noGrp="1" noChangeAspect="1"/>
+          </p:cNvPicPr>
+          <p:nvPr>
+            <p:ph idx="1"/>
+          </p:nvPr>
+        </p:nvPicPr>
+        <p:blipFill>
+          <a:blip r:embed="rId2"/>
+          <a:stretch>
+            <a:fillRect/>
+          </a:stretch>
+        </p:blipFill>
+        <p:spPr>
+          <a:xfrm>
+            <a:off x="6273385" y="1759928"/>
+            <a:ext cx="4204704" cy="4351338"/>
+          </a:xfrm>
+          <a:prstGeom prst="rect">
+            <a:avLst/>
+          </a:prstGeom>
+        </p:spPr>
+      </p:pic>
+      <p:pic>
+        <p:nvPicPr>
+          <p:cNvPr id="7" name="图片 6">
+            <a:extLst>
+              <a:ext uri="{FF2B5EF4-FFF2-40B4-BE49-F238E27FC236}">
+                <a16:creationId xmlns:a16="http://schemas.microsoft.com/office/drawing/2014/main" id="{4A90E836-B8E3-47B8-9E48-780A40A23120}"/>
+              </a:ext>
+            </a:extLst>
+          </p:cNvPr>
+          <p:cNvPicPr>
+            <a:picLocks noChangeAspect="1"/>
+          </p:cNvPicPr>
+          <p:nvPr/>
+        </p:nvPicPr>
+        <p:blipFill>
+          <a:blip r:embed="rId3"/>
+          <a:stretch>
+            <a:fillRect/>
+          </a:stretch>
+        </p:blipFill>
+        <p:spPr>
+          <a:xfrm>
+            <a:off x="1083501" y="1759928"/>
+            <a:ext cx="4325180" cy="4482732"/>
+          </a:xfrm>
+          <a:prstGeom prst="rect">
+            <a:avLst/>
+          </a:prstGeom>
+        </p:spPr>
+      </p:pic>
+    </p:spTree>
+    <p:extLst>
+      <p:ext uri="{BB962C8B-B14F-4D97-AF65-F5344CB8AC3E}">
+        <p14:creationId xmlns:p14="http://schemas.microsoft.com/office/powerpoint/2010/main" val="3172698703"/>
+      </p:ext>
+    </p:extLst>
+  </p:cSld>
+  <p:clrMapOvr>
+    <a:masterClrMapping/>
+  </p:clrMapOvr>
+</p:sld>
+</file>
+
+<file path=ppt/slides/slide17.xml><?xml version="1.0" encoding="utf-8"?>
+<p:sld xmlns:a="http://schemas.openxmlformats.org/drawingml/2006/main" xmlns:r="http://schemas.openxmlformats.org/officeDocument/2006/relationships" xmlns:p="http://schemas.openxmlformats.org/presentationml/2006/main">
+  <p:cSld>
+    <p:spTree>
+      <p:nvGrpSpPr>
+        <p:cNvPr id="1" name=""/>
+        <p:cNvGrpSpPr/>
+        <p:nvPr/>
+      </p:nvGrpSpPr>
+      <p:grpSpPr>
+        <a:xfrm>
+          <a:off x="0" y="0"/>
+          <a:ext cx="0" cy="0"/>
+          <a:chOff x="0" y="0"/>
+          <a:chExt cx="0" cy="0"/>
+        </a:xfrm>
+      </p:grpSpPr>
+      <p:sp>
+        <p:nvSpPr>
+          <p:cNvPr id="2" name="标题 1">
+            <a:extLst>
+              <a:ext uri="{FF2B5EF4-FFF2-40B4-BE49-F238E27FC236}">
+                <a16:creationId xmlns:a16="http://schemas.microsoft.com/office/drawing/2014/main" id="{76782576-D1F9-4EA3-9EB0-9ACE95171CEE}"/>
+              </a:ext>
+            </a:extLst>
+          </p:cNvPr>
+          <p:cNvSpPr>
+            <a:spLocks noGrp="1"/>
+          </p:cNvSpPr>
+          <p:nvPr>
+            <p:ph type="title"/>
+          </p:nvPr>
+        </p:nvSpPr>
+        <p:spPr/>
+        <p:txBody>
+          <a:bodyPr/>
+          <a:lstStyle/>
+          <a:p>
+            <a:r>
+              <a:rPr lang="zh-CN" altLang="en-US" dirty="0"/>
+              <a:t>启动问题</a:t>
+            </a:r>
+          </a:p>
+        </p:txBody>
+      </p:sp>
+      <p:pic>
+        <p:nvPicPr>
+          <p:cNvPr id="4" name="内容占位符 3">
+            <a:extLst>
+              <a:ext uri="{FF2B5EF4-FFF2-40B4-BE49-F238E27FC236}">
+                <a16:creationId xmlns:a16="http://schemas.microsoft.com/office/drawing/2014/main" id="{08303E16-0F72-4059-A259-5AA00AA2BA53}"/>
+              </a:ext>
+            </a:extLst>
+          </p:cNvPr>
+          <p:cNvPicPr>
+            <a:picLocks noGrp="1" noChangeAspect="1"/>
+          </p:cNvPicPr>
+          <p:nvPr>
+            <p:ph idx="1"/>
+          </p:nvPr>
+        </p:nvPicPr>
+        <p:blipFill>
+          <a:blip r:embed="rId2"/>
+          <a:stretch>
+            <a:fillRect/>
+          </a:stretch>
+        </p:blipFill>
+        <p:spPr>
+          <a:xfrm>
+            <a:off x="4124050" y="2086502"/>
+            <a:ext cx="3943900" cy="3829584"/>
+          </a:xfrm>
+          <a:prstGeom prst="rect">
+            <a:avLst/>
+          </a:prstGeom>
+        </p:spPr>
+      </p:pic>
+    </p:spTree>
+    <p:extLst>
+      <p:ext uri="{BB962C8B-B14F-4D97-AF65-F5344CB8AC3E}">
+        <p14:creationId xmlns:p14="http://schemas.microsoft.com/office/powerpoint/2010/main" val="2893176778"/>
+      </p:ext>
+    </p:extLst>
+  </p:cSld>
+  <p:clrMapOvr>
+    <a:masterClrMapping/>
+  </p:clrMapOvr>
+</p:sld>
+</file>
+
+<file path=ppt/slides/slide18.xml><?xml version="1.0" encoding="utf-8"?>
+<p:sld xmlns:a="http://schemas.openxmlformats.org/drawingml/2006/main" xmlns:r="http://schemas.openxmlformats.org/officeDocument/2006/relationships" xmlns:p="http://schemas.openxmlformats.org/presentationml/2006/main">
+  <p:cSld>
+    <p:spTree>
+      <p:nvGrpSpPr>
+        <p:cNvPr id="1" name=""/>
+        <p:cNvGrpSpPr/>
+        <p:nvPr/>
+      </p:nvGrpSpPr>
+      <p:grpSpPr>
+        <a:xfrm>
+          <a:off x="0" y="0"/>
+          <a:ext cx="0" cy="0"/>
+          <a:chOff x="0" y="0"/>
+          <a:chExt cx="0" cy="0"/>
+        </a:xfrm>
+      </p:grpSpPr>
+      <p:sp>
+        <p:nvSpPr>
+          <p:cNvPr id="2" name="标题 1">
+            <a:extLst>
+              <a:ext uri="{FF2B5EF4-FFF2-40B4-BE49-F238E27FC236}">
+                <a16:creationId xmlns:a16="http://schemas.microsoft.com/office/drawing/2014/main" id="{CBA0448F-27D7-4F39-84D6-92F06DD00DC7}"/>
+              </a:ext>
+            </a:extLst>
+          </p:cNvPr>
+          <p:cNvSpPr>
+            <a:spLocks noGrp="1"/>
+          </p:cNvSpPr>
+          <p:nvPr>
+            <p:ph type="title"/>
+          </p:nvPr>
+        </p:nvSpPr>
+        <p:spPr/>
+        <p:txBody>
+          <a:bodyPr/>
+          <a:lstStyle/>
+          <a:p>
+            <a:r>
+              <a:rPr lang="zh-CN" altLang="en-US" dirty="0"/>
+              <a:t>初始值：</a:t>
+            </a:r>
+          </a:p>
+        </p:txBody>
+      </p:sp>
+      <p:pic>
+        <p:nvPicPr>
+          <p:cNvPr id="8" name="内容占位符 7">
+            <a:extLst>
+              <a:ext uri="{FF2B5EF4-FFF2-40B4-BE49-F238E27FC236}">
+                <a16:creationId xmlns:a16="http://schemas.microsoft.com/office/drawing/2014/main" id="{E34B359B-6013-47EE-B0EC-CB4AFA8A3BF0}"/>
+              </a:ext>
+            </a:extLst>
+          </p:cNvPr>
+          <p:cNvPicPr>
+            <a:picLocks noGrp="1" noChangeAspect="1"/>
+          </p:cNvPicPr>
+          <p:nvPr>
+            <p:ph idx="1"/>
+          </p:nvPr>
+        </p:nvPicPr>
+        <p:blipFill>
+          <a:blip r:embed="rId2"/>
+          <a:stretch>
+            <a:fillRect/>
+          </a:stretch>
+        </p:blipFill>
+        <p:spPr>
+          <a:xfrm>
+            <a:off x="900830" y="1364568"/>
+            <a:ext cx="10515600" cy="1979107"/>
+          </a:xfrm>
+          <a:prstGeom prst="rect">
+            <a:avLst/>
+          </a:prstGeom>
+        </p:spPr>
+      </p:pic>
+      <p:pic>
+        <p:nvPicPr>
+          <p:cNvPr id="9" name="图片 8">
+            <a:extLst>
+              <a:ext uri="{FF2B5EF4-FFF2-40B4-BE49-F238E27FC236}">
+                <a16:creationId xmlns:a16="http://schemas.microsoft.com/office/drawing/2014/main" id="{4FE5D64C-9682-403F-B89F-EE80C849BFBF}"/>
+              </a:ext>
+            </a:extLst>
+          </p:cNvPr>
+          <p:cNvPicPr>
+            <a:picLocks noChangeAspect="1"/>
+          </p:cNvPicPr>
+          <p:nvPr/>
+        </p:nvPicPr>
+        <p:blipFill>
+          <a:blip r:embed="rId3"/>
+          <a:stretch>
+            <a:fillRect/>
+          </a:stretch>
+        </p:blipFill>
+        <p:spPr>
+          <a:xfrm>
+            <a:off x="1613945" y="3514326"/>
+            <a:ext cx="9089369" cy="2635307"/>
+          </a:xfrm>
+          <a:prstGeom prst="rect">
+            <a:avLst/>
+          </a:prstGeom>
+        </p:spPr>
+      </p:pic>
+    </p:spTree>
+    <p:extLst>
+      <p:ext uri="{BB962C8B-B14F-4D97-AF65-F5344CB8AC3E}">
+        <p14:creationId xmlns:p14="http://schemas.microsoft.com/office/powerpoint/2010/main" val="969022351"/>
+      </p:ext>
+    </p:extLst>
+  </p:cSld>
+  <p:clrMapOvr>
+    <a:masterClrMapping/>
+  </p:clrMapOvr>
+</p:sld>
+</file>
+
+<file path=ppt/slides/slide19.xml><?xml version="1.0" encoding="utf-8"?>
+<p:sld xmlns:a="http://schemas.openxmlformats.org/drawingml/2006/main" xmlns:r="http://schemas.openxmlformats.org/officeDocument/2006/relationships" xmlns:p="http://schemas.openxmlformats.org/presentationml/2006/main">
+  <p:cSld>
+    <p:spTree>
+      <p:nvGrpSpPr>
+        <p:cNvPr id="1" name=""/>
+        <p:cNvGrpSpPr/>
+        <p:nvPr/>
+      </p:nvGrpSpPr>
+      <p:grpSpPr>
+        <a:xfrm>
+          <a:off x="0" y="0"/>
+          <a:ext cx="0" cy="0"/>
+          <a:chOff x="0" y="0"/>
+          <a:chExt cx="0" cy="0"/>
+        </a:xfrm>
+      </p:grpSpPr>
+      <p:sp>
+        <p:nvSpPr>
+          <p:cNvPr id="2" name="标题 1">
+            <a:extLst>
+              <a:ext uri="{FF2B5EF4-FFF2-40B4-BE49-F238E27FC236}">
+                <a16:creationId xmlns:a16="http://schemas.microsoft.com/office/drawing/2014/main" id="{CBA0448F-27D7-4F39-84D6-92F06DD00DC7}"/>
+              </a:ext>
+            </a:extLst>
+          </p:cNvPr>
+          <p:cNvSpPr>
+            <a:spLocks noGrp="1"/>
+          </p:cNvSpPr>
+          <p:nvPr>
+            <p:ph type="title"/>
+          </p:nvPr>
+        </p:nvSpPr>
+        <p:spPr/>
+        <p:txBody>
+          <a:bodyPr/>
+          <a:lstStyle/>
+          <a:p>
+            <a:r>
+              <a:rPr lang="zh-CN" altLang="en-US" dirty="0"/>
+              <a:t>初始值：光顺前</a:t>
+            </a:r>
+          </a:p>
+        </p:txBody>
+      </p:sp>
+      <p:pic>
+        <p:nvPicPr>
+          <p:cNvPr id="4" name="内容占位符 3">
+            <a:extLst>
+              <a:ext uri="{FF2B5EF4-FFF2-40B4-BE49-F238E27FC236}">
+                <a16:creationId xmlns:a16="http://schemas.microsoft.com/office/drawing/2014/main" id="{433655E5-87F1-4C2E-943B-C1DF1A6860A4}"/>
+              </a:ext>
+            </a:extLst>
+          </p:cNvPr>
+          <p:cNvPicPr>
+            <a:picLocks noGrp="1" noChangeAspect="1"/>
+          </p:cNvPicPr>
+          <p:nvPr>
+            <p:ph idx="1"/>
+          </p:nvPr>
+        </p:nvPicPr>
+        <p:blipFill>
+          <a:blip r:embed="rId2"/>
+          <a:stretch>
+            <a:fillRect/>
+          </a:stretch>
+        </p:blipFill>
+        <p:spPr>
+          <a:xfrm>
+            <a:off x="1737576" y="1788544"/>
+            <a:ext cx="4358424" cy="4351338"/>
+          </a:xfrm>
+          <a:prstGeom prst="rect">
+            <a:avLst/>
+          </a:prstGeom>
+        </p:spPr>
+      </p:pic>
+      <p:pic>
+        <p:nvPicPr>
+          <p:cNvPr id="3" name="图片 2">
+            <a:extLst>
+              <a:ext uri="{FF2B5EF4-FFF2-40B4-BE49-F238E27FC236}">
+                <a16:creationId xmlns:a16="http://schemas.microsoft.com/office/drawing/2014/main" id="{22E241C5-6153-4EC4-BC6F-B419A2933E04}"/>
+              </a:ext>
+            </a:extLst>
+          </p:cNvPr>
+          <p:cNvPicPr>
+            <a:picLocks noChangeAspect="1"/>
+          </p:cNvPicPr>
+          <p:nvPr/>
+        </p:nvPicPr>
+        <p:blipFill>
+          <a:blip r:embed="rId3"/>
+          <a:stretch>
+            <a:fillRect/>
+          </a:stretch>
+        </p:blipFill>
+        <p:spPr>
+          <a:xfrm>
+            <a:off x="5968282" y="1788544"/>
+            <a:ext cx="4358384" cy="4351338"/>
+          </a:xfrm>
+          <a:prstGeom prst="rect">
+            <a:avLst/>
+          </a:prstGeom>
+        </p:spPr>
+      </p:pic>
+    </p:spTree>
+    <p:extLst>
+      <p:ext uri="{BB962C8B-B14F-4D97-AF65-F5344CB8AC3E}">
+        <p14:creationId xmlns:p14="http://schemas.microsoft.com/office/powerpoint/2010/main" val="2598375468"/>
+      </p:ext>
+    </p:extLst>
+  </p:cSld>
+  <p:clrMapOvr>
+    <a:masterClrMapping/>
+  </p:clrMapOvr>
+</p:sld>
+</file>
+
 <file path=ppt/slides/slide2.xml><?xml version="1.0" encoding="utf-8"?>
 <p:sld xmlns:a="http://schemas.openxmlformats.org/drawingml/2006/main" xmlns:r="http://schemas.openxmlformats.org/officeDocument/2006/relationships" xmlns:p="http://schemas.openxmlformats.org/presentationml/2006/main">
   <p:cSld>
@@ -8063,6 +8513,185 @@
     <p:extLst>
       <p:ext uri="{BB962C8B-B14F-4D97-AF65-F5344CB8AC3E}">
         <p14:creationId xmlns:p14="http://schemas.microsoft.com/office/powerpoint/2010/main" val="2670888185"/>
+      </p:ext>
+    </p:extLst>
+  </p:cSld>
+  <p:clrMapOvr>
+    <a:masterClrMapping/>
+  </p:clrMapOvr>
+</p:sld>
+</file>
+
+<file path=ppt/slides/slide20.xml><?xml version="1.0" encoding="utf-8"?>
+<p:sld xmlns:a="http://schemas.openxmlformats.org/drawingml/2006/main" xmlns:r="http://schemas.openxmlformats.org/officeDocument/2006/relationships" xmlns:p="http://schemas.openxmlformats.org/presentationml/2006/main">
+  <p:cSld>
+    <p:spTree>
+      <p:nvGrpSpPr>
+        <p:cNvPr id="1" name=""/>
+        <p:cNvGrpSpPr/>
+        <p:nvPr/>
+      </p:nvGrpSpPr>
+      <p:grpSpPr>
+        <a:xfrm>
+          <a:off x="0" y="0"/>
+          <a:ext cx="0" cy="0"/>
+          <a:chOff x="0" y="0"/>
+          <a:chExt cx="0" cy="0"/>
+        </a:xfrm>
+      </p:grpSpPr>
+      <p:sp>
+        <p:nvSpPr>
+          <p:cNvPr id="2" name="标题 1">
+            <a:extLst>
+              <a:ext uri="{FF2B5EF4-FFF2-40B4-BE49-F238E27FC236}">
+                <a16:creationId xmlns:a16="http://schemas.microsoft.com/office/drawing/2014/main" id="{0B08BE69-C275-4B6A-9A6B-7BB5A9DCD0A9}"/>
+              </a:ext>
+            </a:extLst>
+          </p:cNvPr>
+          <p:cNvSpPr>
+            <a:spLocks noGrp="1"/>
+          </p:cNvSpPr>
+          <p:nvPr>
+            <p:ph type="title"/>
+          </p:nvPr>
+        </p:nvSpPr>
+        <p:spPr/>
+        <p:txBody>
+          <a:bodyPr/>
+          <a:lstStyle/>
+          <a:p>
+            <a:r>
+              <a:rPr lang="zh-CN" altLang="en-US" dirty="0"/>
+              <a:t>初始值：光顺后</a:t>
+            </a:r>
+          </a:p>
+        </p:txBody>
+      </p:sp>
+      <p:pic>
+        <p:nvPicPr>
+          <p:cNvPr id="4" name="内容占位符 3">
+            <a:extLst>
+              <a:ext uri="{FF2B5EF4-FFF2-40B4-BE49-F238E27FC236}">
+                <a16:creationId xmlns:a16="http://schemas.microsoft.com/office/drawing/2014/main" id="{862D5B02-973E-43B1-BB22-348B085CDFD5}"/>
+              </a:ext>
+            </a:extLst>
+          </p:cNvPr>
+          <p:cNvPicPr>
+            <a:picLocks noGrp="1" noChangeAspect="1"/>
+          </p:cNvPicPr>
+          <p:nvPr>
+            <p:ph idx="1"/>
+          </p:nvPr>
+        </p:nvPicPr>
+        <p:blipFill>
+          <a:blip r:embed="rId2"/>
+          <a:stretch>
+            <a:fillRect/>
+          </a:stretch>
+        </p:blipFill>
+        <p:spPr>
+          <a:xfrm>
+            <a:off x="1441816" y="1531263"/>
+            <a:ext cx="9308368" cy="4863274"/>
+          </a:xfrm>
+          <a:prstGeom prst="rect">
+            <a:avLst/>
+          </a:prstGeom>
+        </p:spPr>
+      </p:pic>
+    </p:spTree>
+    <p:extLst>
+      <p:ext uri="{BB962C8B-B14F-4D97-AF65-F5344CB8AC3E}">
+        <p14:creationId xmlns:p14="http://schemas.microsoft.com/office/powerpoint/2010/main" val="986534086"/>
+      </p:ext>
+    </p:extLst>
+  </p:cSld>
+  <p:clrMapOvr>
+    <a:masterClrMapping/>
+  </p:clrMapOvr>
+</p:sld>
+</file>
+
+<file path=ppt/slides/slide21.xml><?xml version="1.0" encoding="utf-8"?>
+<p:sld xmlns:a="http://schemas.openxmlformats.org/drawingml/2006/main" xmlns:r="http://schemas.openxmlformats.org/officeDocument/2006/relationships" xmlns:p="http://schemas.openxmlformats.org/presentationml/2006/main">
+  <p:cSld>
+    <p:spTree>
+      <p:nvGrpSpPr>
+        <p:cNvPr id="1" name=""/>
+        <p:cNvGrpSpPr/>
+        <p:nvPr/>
+      </p:nvGrpSpPr>
+      <p:grpSpPr>
+        <a:xfrm>
+          <a:off x="0" y="0"/>
+          <a:ext cx="0" cy="0"/>
+          <a:chOff x="0" y="0"/>
+          <a:chExt cx="0" cy="0"/>
+        </a:xfrm>
+      </p:grpSpPr>
+      <p:sp>
+        <p:nvSpPr>
+          <p:cNvPr id="2" name="标题 1">
+            <a:extLst>
+              <a:ext uri="{FF2B5EF4-FFF2-40B4-BE49-F238E27FC236}">
+                <a16:creationId xmlns:a16="http://schemas.microsoft.com/office/drawing/2014/main" id="{F1A30D20-DF2C-4148-AC3D-FE2D0E42EED4}"/>
+              </a:ext>
+            </a:extLst>
+          </p:cNvPr>
+          <p:cNvSpPr>
+            <a:spLocks noGrp="1"/>
+          </p:cNvSpPr>
+          <p:nvPr>
+            <p:ph type="title"/>
+          </p:nvPr>
+        </p:nvSpPr>
+        <p:spPr/>
+        <p:txBody>
+          <a:bodyPr/>
+          <a:lstStyle/>
+          <a:p>
+            <a:r>
+              <a:rPr lang="zh-CN" altLang="en-US" dirty="0"/>
+              <a:t>解</a:t>
+            </a:r>
+          </a:p>
+        </p:txBody>
+      </p:sp>
+      <p:pic>
+        <p:nvPicPr>
+          <p:cNvPr id="4" name="内容占位符 3">
+            <a:extLst>
+              <a:ext uri="{FF2B5EF4-FFF2-40B4-BE49-F238E27FC236}">
+                <a16:creationId xmlns:a16="http://schemas.microsoft.com/office/drawing/2014/main" id="{77707F51-2605-478C-868D-64F63259001D}"/>
+              </a:ext>
+            </a:extLst>
+          </p:cNvPr>
+          <p:cNvPicPr>
+            <a:picLocks noGrp="1" noChangeAspect="1"/>
+          </p:cNvPicPr>
+          <p:nvPr>
+            <p:ph idx="1"/>
+          </p:nvPr>
+        </p:nvPicPr>
+        <p:blipFill rotWithShape="1">
+          <a:blip r:embed="rId2"/>
+          <a:srcRect b="2485"/>
+          <a:stretch/>
+        </p:blipFill>
+        <p:spPr>
+          <a:xfrm>
+            <a:off x="2010785" y="1769258"/>
+            <a:ext cx="8170429" cy="4243235"/>
+          </a:xfrm>
+          <a:prstGeom prst="rect">
+            <a:avLst/>
+          </a:prstGeom>
+        </p:spPr>
+      </p:pic>
+    </p:spTree>
+    <p:extLst>
+      <p:ext uri="{BB962C8B-B14F-4D97-AF65-F5344CB8AC3E}">
+        <p14:creationId xmlns:p14="http://schemas.microsoft.com/office/powerpoint/2010/main" val="1089583448"/>
       </p:ext>
     </p:extLst>
   </p:cSld>
@@ -10990,8 +11619,8 @@
           </a:p>
         </p:txBody>
       </p:sp>
-      <mc:AlternateContent xmlns:mc="http://schemas.openxmlformats.org/markup-compatibility/2006">
-        <mc:Choice xmlns:a14="http://schemas.microsoft.com/office/drawing/2010/main" Requires="a14">
+      <mc:AlternateContent xmlns:mc="http://schemas.openxmlformats.org/markup-compatibility/2006" xmlns:a14="http://schemas.microsoft.com/office/drawing/2010/main">
+        <mc:Choice Requires="a14">
           <p:sp>
             <p:nvSpPr>
               <p:cNvPr id="3" name="内容占位符 2">
@@ -11160,7 +11789,7 @@
             </p:txBody>
           </p:sp>
         </mc:Choice>
-        <mc:Fallback>
+        <mc:Fallback xmlns="">
           <p:sp>
             <p:nvSpPr>
               <p:cNvPr id="3" name="内容占位符 2">
